--- a/Final_Presentation.pptx
+++ b/Final_Presentation.pptx
@@ -1,38 +1,38 @@
 
 <file path=ppt/presentation.xml><?xml version="1.0" encoding="utf-8"?>
-<p:presentation xmlns:a="http://schemas.openxmlformats.org/drawingml/2006/main" xmlns:r="http://schemas.openxmlformats.org/officeDocument/2006/relationships" xmlns:mc="http://schemas.openxmlformats.org/markup-compatibility/2006" xmlns:mv="urn:schemas-microsoft-com:mac:vml" xmlns:p="http://schemas.openxmlformats.org/presentationml/2006/main" xmlns:c="http://schemas.openxmlformats.org/drawingml/2006/chart" xmlns:dgm="http://schemas.openxmlformats.org/drawingml/2006/diagram" xmlns:o="urn:schemas-microsoft-com:office:office" xmlns:v="urn:schemas-microsoft-com:vml" xmlns:pvml="urn:schemas-microsoft-com:office:powerpoint" xmlns:com="http://schemas.openxmlformats.org/drawingml/2006/compatibility" xmlns:p14="http://schemas.microsoft.com/office/powerpoint/2010/main" xmlns:p15="http://schemas.microsoft.com/office/powerpoint/2012/main" autoCompressPictures="0" embedTrueTypeFonts="1" strictFirstAndLastChars="0" saveSubsetFonts="1">
+<p:presentation xmlns:a="http://schemas.openxmlformats.org/drawingml/2006/main" xmlns:r="http://schemas.openxmlformats.org/officeDocument/2006/relationships" xmlns:p="http://schemas.openxmlformats.org/presentationml/2006/main" strictFirstAndLastChars="0" embedTrueTypeFonts="1" saveSubsetFonts="1" autoCompressPictures="0">
   <p:sldMasterIdLst>
-    <p:sldMasterId id="2147483659" r:id="rId4"/>
+    <p:sldMasterId id="2147483659" r:id="rId1"/>
   </p:sldMasterIdLst>
   <p:notesMasterIdLst>
-    <p:notesMasterId r:id="rId5"/>
+    <p:notesMasterId r:id="rId8"/>
   </p:notesMasterIdLst>
   <p:sldIdLst>
-    <p:sldId id="256" r:id="rId6"/>
-    <p:sldId id="257" r:id="rId7"/>
-    <p:sldId id="258" r:id="rId8"/>
-    <p:sldId id="259" r:id="rId9"/>
-    <p:sldId id="260" r:id="rId10"/>
-    <p:sldId id="261" r:id="rId11"/>
+    <p:sldId id="256" r:id="rId2"/>
+    <p:sldId id="257" r:id="rId3"/>
+    <p:sldId id="258" r:id="rId4"/>
+    <p:sldId id="259" r:id="rId5"/>
+    <p:sldId id="260" r:id="rId6"/>
+    <p:sldId id="261" r:id="rId7"/>
   </p:sldIdLst>
-  <p:sldSz cy="5143500" cx="9144000"/>
+  <p:sldSz cx="9144000" cy="5143500" type="screen16x9"/>
   <p:notesSz cx="6858000" cy="9144000"/>
   <p:embeddedFontLst>
     <p:embeddedFont>
-      <p:font typeface="Roboto Slab"/>
-      <p:regular r:id="rId12"/>
-      <p:bold r:id="rId13"/>
+      <p:font typeface="Roboto Slab" pitchFamily="2" charset="0"/>
+      <p:regular r:id="rId9"/>
+      <p:bold r:id="rId10"/>
     </p:embeddedFont>
     <p:embeddedFont>
-      <p:font typeface="Roboto"/>
-      <p:regular r:id="rId14"/>
-      <p:bold r:id="rId15"/>
-      <p:italic r:id="rId16"/>
-      <p:boldItalic r:id="rId17"/>
+      <p:font typeface="Roboto" panose="02000000000000000000" pitchFamily="2" charset="0"/>
+      <p:regular r:id="rId11"/>
+      <p:bold r:id="rId12"/>
+      <p:italic r:id="rId13"/>
+      <p:boldItalic r:id="rId14"/>
     </p:embeddedFont>
   </p:embeddedFontLst>
   <p:defaultTextStyle>
-    <a:defPPr lvl="0" marR="0" rtl="0" algn="l">
+    <a:defPPr marR="0" lvl="0" algn="l" rtl="0">
       <a:lnSpc>
         <a:spcPct val="100000"/>
       </a:lnSpc>
@@ -43,7 +43,7 @@
         <a:spcPts val="0"/>
       </a:spcAft>
     </a:defPPr>
-    <a:lvl1pPr lvl="0" marR="0" rtl="0" algn="l">
+    <a:lvl1pPr marR="0" lvl="0" algn="l" rtl="0">
       <a:lnSpc>
         <a:spcPct val="100000"/>
       </a:lnSpc>
@@ -57,7 +57,7 @@
         <a:srgbClr val="000000"/>
       </a:buClr>
       <a:buFont typeface="Arial"/>
-      <a:defRPr b="0" i="0" sz="1400" u="none" cap="none" strike="noStrike">
+      <a:defRPr sz="1400" b="0" i="0" u="none" strike="noStrike" cap="none">
         <a:solidFill>
           <a:srgbClr val="000000"/>
         </a:solidFill>
@@ -67,7 +67,7 @@
         <a:sym typeface="Arial"/>
       </a:defRPr>
     </a:lvl1pPr>
-    <a:lvl2pPr lvl="1" marR="0" rtl="0" algn="l">
+    <a:lvl2pPr marR="0" lvl="1" algn="l" rtl="0">
       <a:lnSpc>
         <a:spcPct val="100000"/>
       </a:lnSpc>
@@ -81,7 +81,7 @@
         <a:srgbClr val="000000"/>
       </a:buClr>
       <a:buFont typeface="Arial"/>
-      <a:defRPr b="0" i="0" sz="1400" u="none" cap="none" strike="noStrike">
+      <a:defRPr sz="1400" b="0" i="0" u="none" strike="noStrike" cap="none">
         <a:solidFill>
           <a:srgbClr val="000000"/>
         </a:solidFill>
@@ -91,7 +91,7 @@
         <a:sym typeface="Arial"/>
       </a:defRPr>
     </a:lvl2pPr>
-    <a:lvl3pPr lvl="2" marR="0" rtl="0" algn="l">
+    <a:lvl3pPr marR="0" lvl="2" algn="l" rtl="0">
       <a:lnSpc>
         <a:spcPct val="100000"/>
       </a:lnSpc>
@@ -105,7 +105,7 @@
         <a:srgbClr val="000000"/>
       </a:buClr>
       <a:buFont typeface="Arial"/>
-      <a:defRPr b="0" i="0" sz="1400" u="none" cap="none" strike="noStrike">
+      <a:defRPr sz="1400" b="0" i="0" u="none" strike="noStrike" cap="none">
         <a:solidFill>
           <a:srgbClr val="000000"/>
         </a:solidFill>
@@ -115,7 +115,7 @@
         <a:sym typeface="Arial"/>
       </a:defRPr>
     </a:lvl3pPr>
-    <a:lvl4pPr lvl="3" marR="0" rtl="0" algn="l">
+    <a:lvl4pPr marR="0" lvl="3" algn="l" rtl="0">
       <a:lnSpc>
         <a:spcPct val="100000"/>
       </a:lnSpc>
@@ -129,7 +129,7 @@
         <a:srgbClr val="000000"/>
       </a:buClr>
       <a:buFont typeface="Arial"/>
-      <a:defRPr b="0" i="0" sz="1400" u="none" cap="none" strike="noStrike">
+      <a:defRPr sz="1400" b="0" i="0" u="none" strike="noStrike" cap="none">
         <a:solidFill>
           <a:srgbClr val="000000"/>
         </a:solidFill>
@@ -139,7 +139,7 @@
         <a:sym typeface="Arial"/>
       </a:defRPr>
     </a:lvl4pPr>
-    <a:lvl5pPr lvl="4" marR="0" rtl="0" algn="l">
+    <a:lvl5pPr marR="0" lvl="4" algn="l" rtl="0">
       <a:lnSpc>
         <a:spcPct val="100000"/>
       </a:lnSpc>
@@ -153,7 +153,7 @@
         <a:srgbClr val="000000"/>
       </a:buClr>
       <a:buFont typeface="Arial"/>
-      <a:defRPr b="0" i="0" sz="1400" u="none" cap="none" strike="noStrike">
+      <a:defRPr sz="1400" b="0" i="0" u="none" strike="noStrike" cap="none">
         <a:solidFill>
           <a:srgbClr val="000000"/>
         </a:solidFill>
@@ -163,7 +163,7 @@
         <a:sym typeface="Arial"/>
       </a:defRPr>
     </a:lvl5pPr>
-    <a:lvl6pPr lvl="5" marR="0" rtl="0" algn="l">
+    <a:lvl6pPr marR="0" lvl="5" algn="l" rtl="0">
       <a:lnSpc>
         <a:spcPct val="100000"/>
       </a:lnSpc>
@@ -177,7 +177,7 @@
         <a:srgbClr val="000000"/>
       </a:buClr>
       <a:buFont typeface="Arial"/>
-      <a:defRPr b="0" i="0" sz="1400" u="none" cap="none" strike="noStrike">
+      <a:defRPr sz="1400" b="0" i="0" u="none" strike="noStrike" cap="none">
         <a:solidFill>
           <a:srgbClr val="000000"/>
         </a:solidFill>
@@ -187,7 +187,7 @@
         <a:sym typeface="Arial"/>
       </a:defRPr>
     </a:lvl6pPr>
-    <a:lvl7pPr lvl="6" marR="0" rtl="0" algn="l">
+    <a:lvl7pPr marR="0" lvl="6" algn="l" rtl="0">
       <a:lnSpc>
         <a:spcPct val="100000"/>
       </a:lnSpc>
@@ -201,7 +201,7 @@
         <a:srgbClr val="000000"/>
       </a:buClr>
       <a:buFont typeface="Arial"/>
-      <a:defRPr b="0" i="0" sz="1400" u="none" cap="none" strike="noStrike">
+      <a:defRPr sz="1400" b="0" i="0" u="none" strike="noStrike" cap="none">
         <a:solidFill>
           <a:srgbClr val="000000"/>
         </a:solidFill>
@@ -211,7 +211,7 @@
         <a:sym typeface="Arial"/>
       </a:defRPr>
     </a:lvl7pPr>
-    <a:lvl8pPr lvl="7" marR="0" rtl="0" algn="l">
+    <a:lvl8pPr marR="0" lvl="7" algn="l" rtl="0">
       <a:lnSpc>
         <a:spcPct val="100000"/>
       </a:lnSpc>
@@ -225,7 +225,7 @@
         <a:srgbClr val="000000"/>
       </a:buClr>
       <a:buFont typeface="Arial"/>
-      <a:defRPr b="0" i="0" sz="1400" u="none" cap="none" strike="noStrike">
+      <a:defRPr sz="1400" b="0" i="0" u="none" strike="noStrike" cap="none">
         <a:solidFill>
           <a:srgbClr val="000000"/>
         </a:solidFill>
@@ -235,7 +235,7 @@
         <a:sym typeface="Arial"/>
       </a:defRPr>
     </a:lvl8pPr>
-    <a:lvl9pPr lvl="8" marR="0" rtl="0" algn="l">
+    <a:lvl9pPr marR="0" lvl="8" algn="l" rtl="0">
       <a:lnSpc>
         <a:spcPct val="100000"/>
       </a:lnSpc>
@@ -249,7 +249,7 @@
         <a:srgbClr val="000000"/>
       </a:buClr>
       <a:buFont typeface="Arial"/>
-      <a:defRPr b="0" i="0" sz="1400" u="none" cap="none" strike="noStrike">
+      <a:defRPr sz="1400" b="0" i="0" u="none" strike="noStrike" cap="none">
         <a:solidFill>
           <a:srgbClr val="000000"/>
         </a:solidFill>
@@ -262,7 +262,7 @@
   </p:defaultTextStyle>
   <p:extLst>
     <p:ext uri="{EFAFB233-063F-42B5-8137-9DF3F51BA10A}">
-      <p15:sldGuideLst>
+      <p15:sldGuideLst xmlns:p15="http://schemas.microsoft.com/office/powerpoint/2012/main">
         <p15:guide id="1" orient="horz" pos="1620">
           <p15:clr>
             <a:srgbClr val="A4A3A4"/>
@@ -280,11 +280,16 @@
 </file>
 
 <file path=ppt/notesMasters/notesMaster1.xml><?xml version="1.0" encoding="utf-8"?>
-<p:notesMaster xmlns:a="http://schemas.openxmlformats.org/drawingml/2006/main" xmlns:r="http://schemas.openxmlformats.org/officeDocument/2006/relationships" xmlns:mc="http://schemas.openxmlformats.org/markup-compatibility/2006" xmlns:mv="urn:schemas-microsoft-com:mac:vml" xmlns:p="http://schemas.openxmlformats.org/presentationml/2006/main" xmlns:c="http://schemas.openxmlformats.org/drawingml/2006/chart" xmlns:dgm="http://schemas.openxmlformats.org/drawingml/2006/diagram" xmlns:o="urn:schemas-microsoft-com:office:office" xmlns:v="urn:schemas-microsoft-com:vml" xmlns:pvml="urn:schemas-microsoft-com:office:powerpoint" xmlns:com="http://schemas.openxmlformats.org/drawingml/2006/compatibility" xmlns:p14="http://schemas.microsoft.com/office/powerpoint/2010/main" xmlns:p15="http://schemas.microsoft.com/office/powerpoint/2012/main">
+<p:notesMaster xmlns:a="http://schemas.openxmlformats.org/drawingml/2006/main" xmlns:r="http://schemas.openxmlformats.org/officeDocument/2006/relationships" xmlns:p="http://schemas.openxmlformats.org/presentationml/2006/main">
   <p:cSld>
+    <p:bg>
+      <p:bgRef idx="1001">
+        <a:schemeClr val="bg1"/>
+      </p:bgRef>
+    </p:bg>
     <p:spTree>
       <p:nvGrpSpPr>
-        <p:cNvPr id="2" name="Shape 2"/>
+        <p:cNvPr id="1" name="Shape 2"/>
         <p:cNvGrpSpPr/>
         <p:nvPr/>
       </p:nvGrpSpPr>
@@ -299,9 +304,11 @@
       <p:sp>
         <p:nvSpPr>
           <p:cNvPr id="3" name="Shape 3"/>
-          <p:cNvSpPr/>
+          <p:cNvSpPr>
+            <a:spLocks noGrp="1" noRot="1" noChangeAspect="1"/>
+          </p:cNvSpPr>
           <p:nvPr>
-            <p:ph idx="2" type="sldImg"/>
+            <p:ph type="sldImg" idx="2"/>
           </p:nvPr>
         </p:nvSpPr>
         <p:spPr>
@@ -310,8 +317,13 @@
             <a:ext cx="6096075" cy="3429000"/>
           </a:xfrm>
           <a:custGeom>
+            <a:avLst/>
+            <a:gdLst/>
+            <a:ahLst/>
+            <a:cxnLst/>
+            <a:rect l="0" t="0" r="0" b="0"/>
             <a:pathLst>
-              <a:path extrusionOk="0" h="120000" w="120000">
+              <a:path w="120000" h="120000" extrusionOk="0">
                 <a:moveTo>
                   <a:pt x="0" y="0"/>
                 </a:moveTo>
@@ -329,23 +341,25 @@
             </a:pathLst>
           </a:custGeom>
           <a:noFill/>
-          <a:ln cap="flat" cmpd="sng" w="9525">
+          <a:ln w="9525" cap="flat" cmpd="sng">
             <a:solidFill>
               <a:srgbClr val="000000"/>
             </a:solidFill>
             <a:prstDash val="solid"/>
             <a:round/>
-            <a:headEnd len="sm" w="sm" type="none"/>
-            <a:tailEnd len="sm" w="sm" type="none"/>
+            <a:headEnd type="none" w="sm" len="sm"/>
+            <a:tailEnd type="none" w="sm" len="sm"/>
           </a:ln>
         </p:spPr>
       </p:sp>
       <p:sp>
         <p:nvSpPr>
           <p:cNvPr id="4" name="Shape 4"/>
-          <p:cNvSpPr txBox="1"/>
+          <p:cNvSpPr txBox="1">
+            <a:spLocks noGrp="1"/>
+          </p:cNvSpPr>
           <p:nvPr>
-            <p:ph idx="1" type="body"/>
+            <p:ph type="body" idx="1"/>
           </p:nvPr>
         </p:nvSpPr>
         <p:spPr>
@@ -362,9 +376,9 @@
           </a:ln>
         </p:spPr>
         <p:txBody>
-          <a:bodyPr anchorCtr="0" anchor="t" bIns="91425" lIns="91425" spcFirstLastPara="1" rIns="91425" wrap="square" tIns="91425"/>
+          <a:bodyPr spcFirstLastPara="1" wrap="square" lIns="91425" tIns="91425" rIns="91425" bIns="91425" anchor="t" anchorCtr="0"/>
           <a:lstStyle>
-            <a:lvl1pPr indent="-298450" lvl="0" marL="457200">
+            <a:lvl1pPr marL="457200" lvl="0" indent="-298450">
               <a:spcBef>
                 <a:spcPts val="0"/>
               </a:spcBef>
@@ -375,7 +389,7 @@
               <a:buChar char="●"/>
               <a:defRPr sz="1100"/>
             </a:lvl1pPr>
-            <a:lvl2pPr indent="-298450" lvl="1" marL="914400">
+            <a:lvl2pPr marL="914400" lvl="1" indent="-298450">
               <a:spcBef>
                 <a:spcPts val="0"/>
               </a:spcBef>
@@ -386,7 +400,7 @@
               <a:buChar char="○"/>
               <a:defRPr sz="1100"/>
             </a:lvl2pPr>
-            <a:lvl3pPr indent="-298450" lvl="2" marL="1371600">
+            <a:lvl3pPr marL="1371600" lvl="2" indent="-298450">
               <a:spcBef>
                 <a:spcPts val="0"/>
               </a:spcBef>
@@ -397,7 +411,7 @@
               <a:buChar char="■"/>
               <a:defRPr sz="1100"/>
             </a:lvl3pPr>
-            <a:lvl4pPr indent="-298450" lvl="3" marL="1828800">
+            <a:lvl4pPr marL="1828800" lvl="3" indent="-298450">
               <a:spcBef>
                 <a:spcPts val="0"/>
               </a:spcBef>
@@ -408,7 +422,7 @@
               <a:buChar char="●"/>
               <a:defRPr sz="1100"/>
             </a:lvl4pPr>
-            <a:lvl5pPr indent="-298450" lvl="4" marL="2286000">
+            <a:lvl5pPr marL="2286000" lvl="4" indent="-298450">
               <a:spcBef>
                 <a:spcPts val="0"/>
               </a:spcBef>
@@ -419,7 +433,7 @@
               <a:buChar char="○"/>
               <a:defRPr sz="1100"/>
             </a:lvl5pPr>
-            <a:lvl6pPr indent="-298450" lvl="5" marL="2743200">
+            <a:lvl6pPr marL="2743200" lvl="5" indent="-298450">
               <a:spcBef>
                 <a:spcPts val="0"/>
               </a:spcBef>
@@ -430,7 +444,7 @@
               <a:buChar char="■"/>
               <a:defRPr sz="1100"/>
             </a:lvl6pPr>
-            <a:lvl7pPr indent="-298450" lvl="6" marL="3200400">
+            <a:lvl7pPr marL="3200400" lvl="6" indent="-298450">
               <a:spcBef>
                 <a:spcPts val="0"/>
               </a:spcBef>
@@ -441,7 +455,7 @@
               <a:buChar char="●"/>
               <a:defRPr sz="1100"/>
             </a:lvl7pPr>
-            <a:lvl8pPr indent="-298450" lvl="7" marL="3657600">
+            <a:lvl8pPr marL="3657600" lvl="7" indent="-298450">
               <a:spcBef>
                 <a:spcPts val="0"/>
               </a:spcBef>
@@ -452,7 +466,7 @@
               <a:buChar char="○"/>
               <a:defRPr sz="1100"/>
             </a:lvl8pPr>
-            <a:lvl9pPr indent="-298450" lvl="8" marL="4114800">
+            <a:lvl9pPr marL="4114800" lvl="8" indent="-298450">
               <a:spcBef>
                 <a:spcPts val="0"/>
               </a:spcBef>
@@ -464,14 +478,16 @@
               <a:defRPr sz="1100"/>
             </a:lvl9pPr>
           </a:lstStyle>
-          <a:p/>
+          <a:p>
+            <a:endParaRPr/>
+          </a:p>
         </p:txBody>
       </p:sp>
     </p:spTree>
   </p:cSld>
-  <p:clrMap accent1="accent1" accent2="accent2" accent3="accent3" accent4="accent4" accent5="accent5" accent6="accent6" bg1="lt1" bg2="dk2" tx1="dk1" tx2="lt2" folHlink="folHlink" hlink="hlink"/>
+  <p:clrMap bg1="lt1" tx1="dk1" bg2="dk2" tx2="lt2" accent1="accent1" accent2="accent2" accent3="accent3" accent4="accent4" accent5="accent5" accent6="accent6" hlink="hlink" folHlink="folHlink"/>
   <p:notesStyle>
-    <a:defPPr lvl="0" marR="0" rtl="0" algn="l">
+    <a:defPPr marR="0" lvl="0" algn="l" rtl="0">
       <a:lnSpc>
         <a:spcPct val="100000"/>
       </a:lnSpc>
@@ -482,7 +498,7 @@
         <a:spcPts val="0"/>
       </a:spcAft>
     </a:defPPr>
-    <a:lvl1pPr lvl="0" marR="0" rtl="0" algn="l">
+    <a:lvl1pPr marR="0" lvl="0" algn="l" rtl="0">
       <a:lnSpc>
         <a:spcPct val="100000"/>
       </a:lnSpc>
@@ -496,7 +512,7 @@
         <a:srgbClr val="000000"/>
       </a:buClr>
       <a:buFont typeface="Arial"/>
-      <a:defRPr b="0" i="0" sz="1400" u="none" cap="none" strike="noStrike">
+      <a:defRPr sz="1400" b="0" i="0" u="none" strike="noStrike" cap="none">
         <a:solidFill>
           <a:srgbClr val="000000"/>
         </a:solidFill>
@@ -506,7 +522,7 @@
         <a:sym typeface="Arial"/>
       </a:defRPr>
     </a:lvl1pPr>
-    <a:lvl2pPr lvl="1" marR="0" rtl="0" algn="l">
+    <a:lvl2pPr marR="0" lvl="1" algn="l" rtl="0">
       <a:lnSpc>
         <a:spcPct val="100000"/>
       </a:lnSpc>
@@ -520,7 +536,7 @@
         <a:srgbClr val="000000"/>
       </a:buClr>
       <a:buFont typeface="Arial"/>
-      <a:defRPr b="0" i="0" sz="1400" u="none" cap="none" strike="noStrike">
+      <a:defRPr sz="1400" b="0" i="0" u="none" strike="noStrike" cap="none">
         <a:solidFill>
           <a:srgbClr val="000000"/>
         </a:solidFill>
@@ -530,7 +546,7 @@
         <a:sym typeface="Arial"/>
       </a:defRPr>
     </a:lvl2pPr>
-    <a:lvl3pPr lvl="2" marR="0" rtl="0" algn="l">
+    <a:lvl3pPr marR="0" lvl="2" algn="l" rtl="0">
       <a:lnSpc>
         <a:spcPct val="100000"/>
       </a:lnSpc>
@@ -544,7 +560,7 @@
         <a:srgbClr val="000000"/>
       </a:buClr>
       <a:buFont typeface="Arial"/>
-      <a:defRPr b="0" i="0" sz="1400" u="none" cap="none" strike="noStrike">
+      <a:defRPr sz="1400" b="0" i="0" u="none" strike="noStrike" cap="none">
         <a:solidFill>
           <a:srgbClr val="000000"/>
         </a:solidFill>
@@ -554,7 +570,7 @@
         <a:sym typeface="Arial"/>
       </a:defRPr>
     </a:lvl3pPr>
-    <a:lvl4pPr lvl="3" marR="0" rtl="0" algn="l">
+    <a:lvl4pPr marR="0" lvl="3" algn="l" rtl="0">
       <a:lnSpc>
         <a:spcPct val="100000"/>
       </a:lnSpc>
@@ -568,7 +584,7 @@
         <a:srgbClr val="000000"/>
       </a:buClr>
       <a:buFont typeface="Arial"/>
-      <a:defRPr b="0" i="0" sz="1400" u="none" cap="none" strike="noStrike">
+      <a:defRPr sz="1400" b="0" i="0" u="none" strike="noStrike" cap="none">
         <a:solidFill>
           <a:srgbClr val="000000"/>
         </a:solidFill>
@@ -578,7 +594,7 @@
         <a:sym typeface="Arial"/>
       </a:defRPr>
     </a:lvl4pPr>
-    <a:lvl5pPr lvl="4" marR="0" rtl="0" algn="l">
+    <a:lvl5pPr marR="0" lvl="4" algn="l" rtl="0">
       <a:lnSpc>
         <a:spcPct val="100000"/>
       </a:lnSpc>
@@ -592,7 +608,7 @@
         <a:srgbClr val="000000"/>
       </a:buClr>
       <a:buFont typeface="Arial"/>
-      <a:defRPr b="0" i="0" sz="1400" u="none" cap="none" strike="noStrike">
+      <a:defRPr sz="1400" b="0" i="0" u="none" strike="noStrike" cap="none">
         <a:solidFill>
           <a:srgbClr val="000000"/>
         </a:solidFill>
@@ -602,7 +618,7 @@
         <a:sym typeface="Arial"/>
       </a:defRPr>
     </a:lvl5pPr>
-    <a:lvl6pPr lvl="5" marR="0" rtl="0" algn="l">
+    <a:lvl6pPr marR="0" lvl="5" algn="l" rtl="0">
       <a:lnSpc>
         <a:spcPct val="100000"/>
       </a:lnSpc>
@@ -616,7 +632,7 @@
         <a:srgbClr val="000000"/>
       </a:buClr>
       <a:buFont typeface="Arial"/>
-      <a:defRPr b="0" i="0" sz="1400" u="none" cap="none" strike="noStrike">
+      <a:defRPr sz="1400" b="0" i="0" u="none" strike="noStrike" cap="none">
         <a:solidFill>
           <a:srgbClr val="000000"/>
         </a:solidFill>
@@ -626,7 +642,7 @@
         <a:sym typeface="Arial"/>
       </a:defRPr>
     </a:lvl6pPr>
-    <a:lvl7pPr lvl="6" marR="0" rtl="0" algn="l">
+    <a:lvl7pPr marR="0" lvl="6" algn="l" rtl="0">
       <a:lnSpc>
         <a:spcPct val="100000"/>
       </a:lnSpc>
@@ -640,7 +656,7 @@
         <a:srgbClr val="000000"/>
       </a:buClr>
       <a:buFont typeface="Arial"/>
-      <a:defRPr b="0" i="0" sz="1400" u="none" cap="none" strike="noStrike">
+      <a:defRPr sz="1400" b="0" i="0" u="none" strike="noStrike" cap="none">
         <a:solidFill>
           <a:srgbClr val="000000"/>
         </a:solidFill>
@@ -650,7 +666,7 @@
         <a:sym typeface="Arial"/>
       </a:defRPr>
     </a:lvl7pPr>
-    <a:lvl8pPr lvl="7" marR="0" rtl="0" algn="l">
+    <a:lvl8pPr marR="0" lvl="7" algn="l" rtl="0">
       <a:lnSpc>
         <a:spcPct val="100000"/>
       </a:lnSpc>
@@ -664,7 +680,7 @@
         <a:srgbClr val="000000"/>
       </a:buClr>
       <a:buFont typeface="Arial"/>
-      <a:defRPr b="0" i="0" sz="1400" u="none" cap="none" strike="noStrike">
+      <a:defRPr sz="1400" b="0" i="0" u="none" strike="noStrike" cap="none">
         <a:solidFill>
           <a:srgbClr val="000000"/>
         </a:solidFill>
@@ -674,7 +690,7 @@
         <a:sym typeface="Arial"/>
       </a:defRPr>
     </a:lvl8pPr>
-    <a:lvl9pPr lvl="8" marR="0" rtl="0" algn="l">
+    <a:lvl9pPr marR="0" lvl="8" algn="l" rtl="0">
       <a:lnSpc>
         <a:spcPct val="100000"/>
       </a:lnSpc>
@@ -688,7 +704,7 @@
         <a:srgbClr val="000000"/>
       </a:buClr>
       <a:buFont typeface="Arial"/>
-      <a:defRPr b="0" i="0" sz="1400" u="none" cap="none" strike="noStrike">
+      <a:defRPr sz="1400" b="0" i="0" u="none" strike="noStrike" cap="none">
         <a:solidFill>
           <a:srgbClr val="000000"/>
         </a:solidFill>
@@ -703,11 +719,11 @@
 </file>
 
 <file path=ppt/notesSlides/notesSlide1.xml><?xml version="1.0" encoding="utf-8"?>
-<p:notes xmlns:a="http://schemas.openxmlformats.org/drawingml/2006/main" xmlns:r="http://schemas.openxmlformats.org/officeDocument/2006/relationships" xmlns:mc="http://schemas.openxmlformats.org/markup-compatibility/2006" xmlns:mv="urn:schemas-microsoft-com:mac:vml" xmlns:p="http://schemas.openxmlformats.org/presentationml/2006/main" xmlns:c="http://schemas.openxmlformats.org/drawingml/2006/chart" xmlns:dgm="http://schemas.openxmlformats.org/drawingml/2006/diagram" xmlns:o="urn:schemas-microsoft-com:office:office" xmlns:v="urn:schemas-microsoft-com:vml" xmlns:pvml="urn:schemas-microsoft-com:office:powerpoint" xmlns:com="http://schemas.openxmlformats.org/drawingml/2006/compatibility" xmlns:p14="http://schemas.microsoft.com/office/powerpoint/2010/main" xmlns:p15="http://schemas.microsoft.com/office/powerpoint/2012/main" showMasterPhAnim="0" showMasterSp="0">
+<p:notes xmlns:a="http://schemas.openxmlformats.org/drawingml/2006/main" xmlns:r="http://schemas.openxmlformats.org/officeDocument/2006/relationships" xmlns:p="http://schemas.openxmlformats.org/presentationml/2006/main" showMasterSp="0" showMasterPhAnim="0">
   <p:cSld>
     <p:spTree>
       <p:nvGrpSpPr>
-        <p:cNvPr id="59" name="Shape 59"/>
+        <p:cNvPr id="1" name="Shape 59"/>
         <p:cNvGrpSpPr/>
         <p:nvPr/>
       </p:nvGrpSpPr>
@@ -722,9 +738,11 @@
       <p:sp>
         <p:nvSpPr>
           <p:cNvPr id="60" name="Shape 60"/>
-          <p:cNvSpPr/>
+          <p:cNvSpPr>
+            <a:spLocks noGrp="1" noRot="1" noChangeAspect="1"/>
+          </p:cNvSpPr>
           <p:nvPr>
-            <p:ph idx="2" type="sldImg"/>
+            <p:ph type="sldImg" idx="2"/>
           </p:nvPr>
         </p:nvSpPr>
         <p:spPr>
@@ -733,8 +751,13 @@
             <a:ext cx="6096075" cy="3429000"/>
           </a:xfrm>
           <a:custGeom>
+            <a:avLst/>
+            <a:gdLst/>
+            <a:ahLst/>
+            <a:cxnLst/>
+            <a:rect l="0" t="0" r="0" b="0"/>
             <a:pathLst>
-              <a:path extrusionOk="0" h="120000" w="120000">
+              <a:path w="120000" h="120000" extrusionOk="0">
                 <a:moveTo>
                   <a:pt x="0" y="0"/>
                 </a:moveTo>
@@ -756,9 +779,11 @@
       <p:sp>
         <p:nvSpPr>
           <p:cNvPr id="61" name="Shape 61"/>
-          <p:cNvSpPr txBox="1"/>
+          <p:cNvSpPr txBox="1">
+            <a:spLocks noGrp="1"/>
+          </p:cNvSpPr>
           <p:nvPr>
-            <p:ph idx="1" type="body"/>
+            <p:ph type="body" idx="1"/>
           </p:nvPr>
         </p:nvSpPr>
         <p:spPr>
@@ -771,12 +796,12 @@
           </a:prstGeom>
         </p:spPr>
         <p:txBody>
-          <a:bodyPr anchorCtr="0" anchor="t" bIns="91425" lIns="91425" spcFirstLastPara="1" rIns="91425" wrap="square" tIns="91425">
+          <a:bodyPr spcFirstLastPara="1" wrap="square" lIns="91425" tIns="91425" rIns="91425" bIns="91425" anchor="t" anchorCtr="0">
             <a:noAutofit/>
           </a:bodyPr>
           <a:lstStyle/>
           <a:p>
-            <a:pPr indent="0" lvl="0" marL="0">
+            <a:pPr marL="0" lvl="0" indent="0">
               <a:spcBef>
                 <a:spcPts val="0"/>
               </a:spcBef>
@@ -785,9 +810,6 @@
               </a:spcAft>
               <a:buNone/>
             </a:pPr>
-            <a:r>
-              <a:t/>
-            </a:r>
             <a:endParaRPr/>
           </a:p>
         </p:txBody>
@@ -801,11 +823,11 @@
 </file>
 
 <file path=ppt/notesSlides/notesSlide2.xml><?xml version="1.0" encoding="utf-8"?>
-<p:notes xmlns:a="http://schemas.openxmlformats.org/drawingml/2006/main" xmlns:r="http://schemas.openxmlformats.org/officeDocument/2006/relationships" xmlns:mc="http://schemas.openxmlformats.org/markup-compatibility/2006" xmlns:mv="urn:schemas-microsoft-com:mac:vml" xmlns:p="http://schemas.openxmlformats.org/presentationml/2006/main" xmlns:c="http://schemas.openxmlformats.org/drawingml/2006/chart" xmlns:dgm="http://schemas.openxmlformats.org/drawingml/2006/diagram" xmlns:o="urn:schemas-microsoft-com:office:office" xmlns:v="urn:schemas-microsoft-com:vml" xmlns:pvml="urn:schemas-microsoft-com:office:powerpoint" xmlns:com="http://schemas.openxmlformats.org/drawingml/2006/compatibility" xmlns:p14="http://schemas.microsoft.com/office/powerpoint/2010/main" xmlns:p15="http://schemas.microsoft.com/office/powerpoint/2012/main" showMasterPhAnim="0" showMasterSp="0">
+<p:notes xmlns:a="http://schemas.openxmlformats.org/drawingml/2006/main" xmlns:r="http://schemas.openxmlformats.org/officeDocument/2006/relationships" xmlns:p="http://schemas.openxmlformats.org/presentationml/2006/main" showMasterSp="0" showMasterPhAnim="0">
   <p:cSld>
     <p:spTree>
       <p:nvGrpSpPr>
-        <p:cNvPr id="65" name="Shape 65"/>
+        <p:cNvPr id="1" name="Shape 65"/>
         <p:cNvGrpSpPr/>
         <p:nvPr/>
       </p:nvGrpSpPr>
@@ -820,9 +842,11 @@
       <p:sp>
         <p:nvSpPr>
           <p:cNvPr id="66" name="Shape 66"/>
-          <p:cNvSpPr/>
+          <p:cNvSpPr>
+            <a:spLocks noGrp="1" noRot="1" noChangeAspect="1"/>
+          </p:cNvSpPr>
           <p:nvPr>
-            <p:ph idx="2" type="sldImg"/>
+            <p:ph type="sldImg" idx="2"/>
           </p:nvPr>
         </p:nvSpPr>
         <p:spPr>
@@ -831,8 +855,13 @@
             <a:ext cx="6096000" cy="3429000"/>
           </a:xfrm>
           <a:custGeom>
+            <a:avLst/>
+            <a:gdLst/>
+            <a:ahLst/>
+            <a:cxnLst/>
+            <a:rect l="0" t="0" r="0" b="0"/>
             <a:pathLst>
-              <a:path extrusionOk="0" h="120000" w="120000">
+              <a:path w="120000" h="120000" extrusionOk="0">
                 <a:moveTo>
                   <a:pt x="0" y="0"/>
                 </a:moveTo>
@@ -854,9 +883,11 @@
       <p:sp>
         <p:nvSpPr>
           <p:cNvPr id="67" name="Shape 67"/>
-          <p:cNvSpPr txBox="1"/>
+          <p:cNvSpPr txBox="1">
+            <a:spLocks noGrp="1"/>
+          </p:cNvSpPr>
           <p:nvPr>
-            <p:ph idx="1" type="body"/>
+            <p:ph type="body" idx="1"/>
           </p:nvPr>
         </p:nvSpPr>
         <p:spPr>
@@ -869,12 +900,12 @@
           </a:prstGeom>
         </p:spPr>
         <p:txBody>
-          <a:bodyPr anchorCtr="0" anchor="t" bIns="91425" lIns="91425" spcFirstLastPara="1" rIns="91425" wrap="square" tIns="91425">
+          <a:bodyPr spcFirstLastPara="1" wrap="square" lIns="91425" tIns="91425" rIns="91425" bIns="91425" anchor="t" anchorCtr="0">
             <a:noAutofit/>
           </a:bodyPr>
           <a:lstStyle/>
           <a:p>
-            <a:pPr indent="0" lvl="0" marL="0">
+            <a:pPr marL="0" lvl="0" indent="0">
               <a:spcBef>
                 <a:spcPts val="0"/>
               </a:spcBef>
@@ -900,11 +931,11 @@
 </file>
 
 <file path=ppt/notesSlides/notesSlide3.xml><?xml version="1.0" encoding="utf-8"?>
-<p:notes xmlns:a="http://schemas.openxmlformats.org/drawingml/2006/main" xmlns:r="http://schemas.openxmlformats.org/officeDocument/2006/relationships" xmlns:mc="http://schemas.openxmlformats.org/markup-compatibility/2006" xmlns:mv="urn:schemas-microsoft-com:mac:vml" xmlns:p="http://schemas.openxmlformats.org/presentationml/2006/main" xmlns:c="http://schemas.openxmlformats.org/drawingml/2006/chart" xmlns:dgm="http://schemas.openxmlformats.org/drawingml/2006/diagram" xmlns:o="urn:schemas-microsoft-com:office:office" xmlns:v="urn:schemas-microsoft-com:vml" xmlns:pvml="urn:schemas-microsoft-com:office:powerpoint" xmlns:com="http://schemas.openxmlformats.org/drawingml/2006/compatibility" xmlns:p14="http://schemas.microsoft.com/office/powerpoint/2010/main" xmlns:p15="http://schemas.microsoft.com/office/powerpoint/2012/main" showMasterPhAnim="0" showMasterSp="0">
+<p:notes xmlns:a="http://schemas.openxmlformats.org/drawingml/2006/main" xmlns:r="http://schemas.openxmlformats.org/officeDocument/2006/relationships" xmlns:p="http://schemas.openxmlformats.org/presentationml/2006/main" showMasterSp="0" showMasterPhAnim="0">
   <p:cSld>
     <p:spTree>
       <p:nvGrpSpPr>
-        <p:cNvPr id="71" name="Shape 71"/>
+        <p:cNvPr id="1" name="Shape 71"/>
         <p:cNvGrpSpPr/>
         <p:nvPr/>
       </p:nvGrpSpPr>
@@ -919,9 +950,11 @@
       <p:sp>
         <p:nvSpPr>
           <p:cNvPr id="72" name="Shape 72"/>
-          <p:cNvSpPr/>
+          <p:cNvSpPr>
+            <a:spLocks noGrp="1" noRot="1" noChangeAspect="1"/>
+          </p:cNvSpPr>
           <p:nvPr>
-            <p:ph idx="2" type="sldImg"/>
+            <p:ph type="sldImg" idx="2"/>
           </p:nvPr>
         </p:nvSpPr>
         <p:spPr>
@@ -930,8 +963,13 @@
             <a:ext cx="6096000" cy="3429000"/>
           </a:xfrm>
           <a:custGeom>
+            <a:avLst/>
+            <a:gdLst/>
+            <a:ahLst/>
+            <a:cxnLst/>
+            <a:rect l="0" t="0" r="0" b="0"/>
             <a:pathLst>
-              <a:path extrusionOk="0" h="120000" w="120000">
+              <a:path w="120000" h="120000" extrusionOk="0">
                 <a:moveTo>
                   <a:pt x="0" y="0"/>
                 </a:moveTo>
@@ -953,9 +991,11 @@
       <p:sp>
         <p:nvSpPr>
           <p:cNvPr id="73" name="Shape 73"/>
-          <p:cNvSpPr txBox="1"/>
+          <p:cNvSpPr txBox="1">
+            <a:spLocks noGrp="1"/>
+          </p:cNvSpPr>
           <p:nvPr>
-            <p:ph idx="1" type="body"/>
+            <p:ph type="body" idx="1"/>
           </p:nvPr>
         </p:nvSpPr>
         <p:spPr>
@@ -968,12 +1008,12 @@
           </a:prstGeom>
         </p:spPr>
         <p:txBody>
-          <a:bodyPr anchorCtr="0" anchor="t" bIns="91425" lIns="91425" spcFirstLastPara="1" rIns="91425" wrap="square" tIns="91425">
+          <a:bodyPr spcFirstLastPara="1" wrap="square" lIns="91425" tIns="91425" rIns="91425" bIns="91425" anchor="t" anchorCtr="0">
             <a:noAutofit/>
           </a:bodyPr>
           <a:lstStyle/>
           <a:p>
-            <a:pPr indent="0" lvl="0" marL="0">
+            <a:pPr marL="0" lvl="0" indent="0">
               <a:spcBef>
                 <a:spcPts val="0"/>
               </a:spcBef>
@@ -999,11 +1039,11 @@
 </file>
 
 <file path=ppt/notesSlides/notesSlide4.xml><?xml version="1.0" encoding="utf-8"?>
-<p:notes xmlns:a="http://schemas.openxmlformats.org/drawingml/2006/main" xmlns:r="http://schemas.openxmlformats.org/officeDocument/2006/relationships" xmlns:mc="http://schemas.openxmlformats.org/markup-compatibility/2006" xmlns:mv="urn:schemas-microsoft-com:mac:vml" xmlns:p="http://schemas.openxmlformats.org/presentationml/2006/main" xmlns:c="http://schemas.openxmlformats.org/drawingml/2006/chart" xmlns:dgm="http://schemas.openxmlformats.org/drawingml/2006/diagram" xmlns:o="urn:schemas-microsoft-com:office:office" xmlns:v="urn:schemas-microsoft-com:vml" xmlns:pvml="urn:schemas-microsoft-com:office:powerpoint" xmlns:com="http://schemas.openxmlformats.org/drawingml/2006/compatibility" xmlns:p14="http://schemas.microsoft.com/office/powerpoint/2010/main" xmlns:p15="http://schemas.microsoft.com/office/powerpoint/2012/main" showMasterPhAnim="0" showMasterSp="0">
+<p:notes xmlns:a="http://schemas.openxmlformats.org/drawingml/2006/main" xmlns:r="http://schemas.openxmlformats.org/officeDocument/2006/relationships" xmlns:p="http://schemas.openxmlformats.org/presentationml/2006/main" showMasterSp="0" showMasterPhAnim="0">
   <p:cSld>
     <p:spTree>
       <p:nvGrpSpPr>
-        <p:cNvPr id="77" name="Shape 77"/>
+        <p:cNvPr id="1" name="Shape 77"/>
         <p:cNvGrpSpPr/>
         <p:nvPr/>
       </p:nvGrpSpPr>
@@ -1018,9 +1058,11 @@
       <p:sp>
         <p:nvSpPr>
           <p:cNvPr id="78" name="Shape 78"/>
-          <p:cNvSpPr/>
+          <p:cNvSpPr>
+            <a:spLocks noGrp="1" noRot="1" noChangeAspect="1"/>
+          </p:cNvSpPr>
           <p:nvPr>
-            <p:ph idx="2" type="sldImg"/>
+            <p:ph type="sldImg" idx="2"/>
           </p:nvPr>
         </p:nvSpPr>
         <p:spPr>
@@ -1029,8 +1071,13 @@
             <a:ext cx="6096000" cy="3429000"/>
           </a:xfrm>
           <a:custGeom>
+            <a:avLst/>
+            <a:gdLst/>
+            <a:ahLst/>
+            <a:cxnLst/>
+            <a:rect l="0" t="0" r="0" b="0"/>
             <a:pathLst>
-              <a:path extrusionOk="0" h="120000" w="120000">
+              <a:path w="120000" h="120000" extrusionOk="0">
                 <a:moveTo>
                   <a:pt x="0" y="0"/>
                 </a:moveTo>
@@ -1052,9 +1099,11 @@
       <p:sp>
         <p:nvSpPr>
           <p:cNvPr id="79" name="Shape 79"/>
-          <p:cNvSpPr txBox="1"/>
+          <p:cNvSpPr txBox="1">
+            <a:spLocks noGrp="1"/>
+          </p:cNvSpPr>
           <p:nvPr>
-            <p:ph idx="1" type="body"/>
+            <p:ph type="body" idx="1"/>
           </p:nvPr>
         </p:nvSpPr>
         <p:spPr>
@@ -1067,12 +1116,12 @@
           </a:prstGeom>
         </p:spPr>
         <p:txBody>
-          <a:bodyPr anchorCtr="0" anchor="t" bIns="91425" lIns="91425" spcFirstLastPara="1" rIns="91425" wrap="square" tIns="91425">
+          <a:bodyPr spcFirstLastPara="1" wrap="square" lIns="91425" tIns="91425" rIns="91425" bIns="91425" anchor="t" anchorCtr="0">
             <a:noAutofit/>
           </a:bodyPr>
           <a:lstStyle/>
           <a:p>
-            <a:pPr indent="0" lvl="0" marL="0">
+            <a:pPr marL="0" lvl="0" indent="0">
               <a:spcBef>
                 <a:spcPts val="0"/>
               </a:spcBef>
@@ -1098,11 +1147,11 @@
 </file>
 
 <file path=ppt/notesSlides/notesSlide5.xml><?xml version="1.0" encoding="utf-8"?>
-<p:notes xmlns:a="http://schemas.openxmlformats.org/drawingml/2006/main" xmlns:r="http://schemas.openxmlformats.org/officeDocument/2006/relationships" xmlns:mc="http://schemas.openxmlformats.org/markup-compatibility/2006" xmlns:mv="urn:schemas-microsoft-com:mac:vml" xmlns:p="http://schemas.openxmlformats.org/presentationml/2006/main" xmlns:c="http://schemas.openxmlformats.org/drawingml/2006/chart" xmlns:dgm="http://schemas.openxmlformats.org/drawingml/2006/diagram" xmlns:o="urn:schemas-microsoft-com:office:office" xmlns:v="urn:schemas-microsoft-com:vml" xmlns:pvml="urn:schemas-microsoft-com:office:powerpoint" xmlns:com="http://schemas.openxmlformats.org/drawingml/2006/compatibility" xmlns:p14="http://schemas.microsoft.com/office/powerpoint/2010/main" xmlns:p15="http://schemas.microsoft.com/office/powerpoint/2012/main" showMasterPhAnim="0" showMasterSp="0">
+<p:notes xmlns:a="http://schemas.openxmlformats.org/drawingml/2006/main" xmlns:r="http://schemas.openxmlformats.org/officeDocument/2006/relationships" xmlns:p="http://schemas.openxmlformats.org/presentationml/2006/main" showMasterSp="0" showMasterPhAnim="0">
   <p:cSld>
     <p:spTree>
       <p:nvGrpSpPr>
-        <p:cNvPr id="83" name="Shape 83"/>
+        <p:cNvPr id="1" name="Shape 83"/>
         <p:cNvGrpSpPr/>
         <p:nvPr/>
       </p:nvGrpSpPr>
@@ -1117,19 +1166,26 @@
       <p:sp>
         <p:nvSpPr>
           <p:cNvPr id="84" name="Shape 84"/>
-          <p:cNvSpPr/>
+          <p:cNvSpPr>
+            <a:spLocks noGrp="1" noRot="1" noChangeAspect="1"/>
+          </p:cNvSpPr>
           <p:nvPr>
-            <p:ph idx="2" type="sldImg"/>
+            <p:ph type="sldImg" idx="2"/>
           </p:nvPr>
         </p:nvSpPr>
         <p:spPr>
           <a:xfrm>
-            <a:off x="381300" y="685800"/>
+            <a:off x="381000" y="685800"/>
             <a:ext cx="6096000" cy="3429000"/>
           </a:xfrm>
           <a:custGeom>
+            <a:avLst/>
+            <a:gdLst/>
+            <a:ahLst/>
+            <a:cxnLst/>
+            <a:rect l="0" t="0" r="0" b="0"/>
             <a:pathLst>
-              <a:path extrusionOk="0" h="120000" w="120000">
+              <a:path w="120000" h="120000" extrusionOk="0">
                 <a:moveTo>
                   <a:pt x="0" y="0"/>
                 </a:moveTo>
@@ -1151,9 +1207,11 @@
       <p:sp>
         <p:nvSpPr>
           <p:cNvPr id="85" name="Shape 85"/>
-          <p:cNvSpPr txBox="1"/>
+          <p:cNvSpPr txBox="1">
+            <a:spLocks noGrp="1"/>
+          </p:cNvSpPr>
           <p:nvPr>
-            <p:ph idx="1" type="body"/>
+            <p:ph type="body" idx="1"/>
           </p:nvPr>
         </p:nvSpPr>
         <p:spPr>
@@ -1166,12 +1224,12 @@
           </a:prstGeom>
         </p:spPr>
         <p:txBody>
-          <a:bodyPr anchorCtr="0" anchor="t" bIns="91425" lIns="91425" spcFirstLastPara="1" rIns="91425" wrap="square" tIns="91425">
+          <a:bodyPr spcFirstLastPara="1" wrap="square" lIns="91425" tIns="91425" rIns="91425" bIns="91425" anchor="t" anchorCtr="0">
             <a:noAutofit/>
           </a:bodyPr>
           <a:lstStyle/>
           <a:p>
-            <a:pPr indent="0" lvl="0" marL="0">
+            <a:pPr marL="0" lvl="0" indent="0">
               <a:spcBef>
                 <a:spcPts val="0"/>
               </a:spcBef>
@@ -1197,11 +1255,11 @@
 </file>
 
 <file path=ppt/notesSlides/notesSlide6.xml><?xml version="1.0" encoding="utf-8"?>
-<p:notes xmlns:a="http://schemas.openxmlformats.org/drawingml/2006/main" xmlns:r="http://schemas.openxmlformats.org/officeDocument/2006/relationships" xmlns:mc="http://schemas.openxmlformats.org/markup-compatibility/2006" xmlns:mv="urn:schemas-microsoft-com:mac:vml" xmlns:p="http://schemas.openxmlformats.org/presentationml/2006/main" xmlns:c="http://schemas.openxmlformats.org/drawingml/2006/chart" xmlns:dgm="http://schemas.openxmlformats.org/drawingml/2006/diagram" xmlns:o="urn:schemas-microsoft-com:office:office" xmlns:v="urn:schemas-microsoft-com:vml" xmlns:pvml="urn:schemas-microsoft-com:office:powerpoint" xmlns:com="http://schemas.openxmlformats.org/drawingml/2006/compatibility" xmlns:p14="http://schemas.microsoft.com/office/powerpoint/2010/main" xmlns:p15="http://schemas.microsoft.com/office/powerpoint/2012/main" showMasterPhAnim="0" showMasterSp="0">
+<p:notes xmlns:a="http://schemas.openxmlformats.org/drawingml/2006/main" xmlns:r="http://schemas.openxmlformats.org/officeDocument/2006/relationships" xmlns:p="http://schemas.openxmlformats.org/presentationml/2006/main" showMasterSp="0" showMasterPhAnim="0">
   <p:cSld>
     <p:spTree>
       <p:nvGrpSpPr>
-        <p:cNvPr id="89" name="Shape 89"/>
+        <p:cNvPr id="1" name="Shape 89"/>
         <p:cNvGrpSpPr/>
         <p:nvPr/>
       </p:nvGrpSpPr>
@@ -1216,19 +1274,26 @@
       <p:sp>
         <p:nvSpPr>
           <p:cNvPr id="90" name="Shape 90"/>
-          <p:cNvSpPr/>
+          <p:cNvSpPr>
+            <a:spLocks noGrp="1" noRot="1" noChangeAspect="1"/>
+          </p:cNvSpPr>
           <p:nvPr>
-            <p:ph idx="2" type="sldImg"/>
+            <p:ph type="sldImg" idx="2"/>
           </p:nvPr>
         </p:nvSpPr>
         <p:spPr>
           <a:xfrm>
-            <a:off x="381300" y="685800"/>
+            <a:off x="381000" y="685800"/>
             <a:ext cx="6096000" cy="3429000"/>
           </a:xfrm>
           <a:custGeom>
+            <a:avLst/>
+            <a:gdLst/>
+            <a:ahLst/>
+            <a:cxnLst/>
+            <a:rect l="0" t="0" r="0" b="0"/>
             <a:pathLst>
-              <a:path extrusionOk="0" h="120000" w="120000">
+              <a:path w="120000" h="120000" extrusionOk="0">
                 <a:moveTo>
                   <a:pt x="0" y="0"/>
                 </a:moveTo>
@@ -1250,9 +1315,11 @@
       <p:sp>
         <p:nvSpPr>
           <p:cNvPr id="91" name="Shape 91"/>
-          <p:cNvSpPr txBox="1"/>
+          <p:cNvSpPr txBox="1">
+            <a:spLocks noGrp="1"/>
+          </p:cNvSpPr>
           <p:nvPr>
-            <p:ph idx="1" type="body"/>
+            <p:ph type="body" idx="1"/>
           </p:nvPr>
         </p:nvSpPr>
         <p:spPr>
@@ -1265,12 +1332,12 @@
           </a:prstGeom>
         </p:spPr>
         <p:txBody>
-          <a:bodyPr anchorCtr="0" anchor="t" bIns="91425" lIns="91425" spcFirstLastPara="1" rIns="91425" wrap="square" tIns="91425">
+          <a:bodyPr spcFirstLastPara="1" wrap="square" lIns="91425" tIns="91425" rIns="91425" bIns="91425" anchor="t" anchorCtr="0">
             <a:noAutofit/>
           </a:bodyPr>
           <a:lstStyle/>
           <a:p>
-            <a:pPr indent="0" lvl="0" marL="0">
+            <a:pPr marL="0" lvl="0" indent="0">
               <a:spcBef>
                 <a:spcPts val="0"/>
               </a:spcBef>
@@ -1286,7 +1353,7 @@
             <a:endParaRPr/>
           </a:p>
           <a:p>
-            <a:pPr indent="0" lvl="0" marL="0">
+            <a:pPr marL="0" lvl="0" indent="0">
               <a:spcBef>
                 <a:spcPts val="0"/>
               </a:spcBef>
@@ -1312,11 +1379,11 @@
 </file>
 
 <file path=ppt/slideLayouts/slideLayout1.xml><?xml version="1.0" encoding="utf-8"?>
-<p:sldLayout xmlns:a="http://schemas.openxmlformats.org/drawingml/2006/main" xmlns:r="http://schemas.openxmlformats.org/officeDocument/2006/relationships" xmlns:mc="http://schemas.openxmlformats.org/markup-compatibility/2006" xmlns:mv="urn:schemas-microsoft-com:mac:vml" xmlns:p="http://schemas.openxmlformats.org/presentationml/2006/main" xmlns:c="http://schemas.openxmlformats.org/drawingml/2006/chart" xmlns:dgm="http://schemas.openxmlformats.org/drawingml/2006/diagram" xmlns:o="urn:schemas-microsoft-com:office:office" xmlns:v="urn:schemas-microsoft-com:vml" xmlns:pvml="urn:schemas-microsoft-com:office:powerpoint" xmlns:com="http://schemas.openxmlformats.org/drawingml/2006/compatibility" xmlns:p14="http://schemas.microsoft.com/office/powerpoint/2010/main" xmlns:p15="http://schemas.microsoft.com/office/powerpoint/2012/main" matchingName="Title slide" type="title">
+<p:sldLayout xmlns:a="http://schemas.openxmlformats.org/drawingml/2006/main" xmlns:r="http://schemas.openxmlformats.org/officeDocument/2006/relationships" xmlns:p="http://schemas.openxmlformats.org/presentationml/2006/main" matchingName="Title slide" type="title">
   <p:cSld name="TITLE">
     <p:spTree>
       <p:nvGrpSpPr>
-        <p:cNvPr id="9" name="Shape 9"/>
+        <p:cNvPr id="1" name="Shape 9"/>
         <p:cNvGrpSpPr/>
         <p:nvPr/>
       </p:nvGrpSpPr>
@@ -1340,8 +1407,13 @@
             <a:ext cx="1081625" cy="1124950"/>
           </a:xfrm>
           <a:custGeom>
+            <a:avLst/>
+            <a:gdLst/>
+            <a:ahLst/>
+            <a:cxnLst/>
+            <a:rect l="0" t="0" r="0" b="0"/>
             <a:pathLst>
-              <a:path extrusionOk="0" h="44998" w="43265">
+              <a:path w="43265" h="44998" extrusionOk="0">
                 <a:moveTo>
                   <a:pt x="0" y="44998"/>
                 </a:moveTo>
@@ -1355,14 +1427,14 @@
             </a:pathLst>
           </a:custGeom>
           <a:noFill/>
-          <a:ln cap="flat" cmpd="sng" w="28575">
+          <a:ln w="28575" cap="flat" cmpd="sng">
             <a:solidFill>
               <a:schemeClr val="accent5"/>
             </a:solidFill>
             <a:prstDash val="solid"/>
             <a:miter lim="8000"/>
-            <a:headEnd len="sm" w="sm" type="none"/>
-            <a:tailEnd len="sm" w="sm" type="none"/>
+            <a:headEnd type="none" w="sm" len="sm"/>
+            <a:tailEnd type="none" w="sm" len="sm"/>
           </a:ln>
         </p:spPr>
       </p:sp>
@@ -1378,8 +1450,13 @@
             <a:ext cx="1081625" cy="1124950"/>
           </a:xfrm>
           <a:custGeom>
+            <a:avLst/>
+            <a:gdLst/>
+            <a:ahLst/>
+            <a:cxnLst/>
+            <a:rect l="0" t="0" r="0" b="0"/>
             <a:pathLst>
-              <a:path extrusionOk="0" h="44998" w="43265">
+              <a:path w="43265" h="44998" extrusionOk="0">
                 <a:moveTo>
                   <a:pt x="0" y="44998"/>
                 </a:moveTo>
@@ -1393,14 +1470,14 @@
             </a:pathLst>
           </a:custGeom>
           <a:noFill/>
-          <a:ln cap="flat" cmpd="sng" w="28575">
+          <a:ln w="28575" cap="flat" cmpd="sng">
             <a:solidFill>
               <a:schemeClr val="accent5"/>
             </a:solidFill>
             <a:prstDash val="solid"/>
             <a:miter lim="8000"/>
-            <a:headEnd len="sm" w="sm" type="none"/>
-            <a:tailEnd len="sm" w="sm" type="none"/>
+            <a:headEnd type="none" w="sm" len="sm"/>
+            <a:tailEnd type="none" w="sm" len="sm"/>
           </a:ln>
         </p:spPr>
       </p:sp>
@@ -1419,21 +1496,23 @@
             <a:avLst/>
           </a:prstGeom>
           <a:noFill/>
-          <a:ln cap="flat" cmpd="sng" w="38100">
+          <a:ln w="38100" cap="flat" cmpd="sng">
             <a:solidFill>
               <a:schemeClr val="accent4"/>
             </a:solidFill>
             <a:prstDash val="solid"/>
             <a:round/>
-            <a:headEnd len="sm" w="sm" type="none"/>
-            <a:tailEnd len="sm" w="sm" type="none"/>
+            <a:headEnd type="none" w="sm" len="sm"/>
+            <a:tailEnd type="none" w="sm" len="sm"/>
           </a:ln>
         </p:spPr>
       </p:cxnSp>
       <p:sp>
         <p:nvSpPr>
           <p:cNvPr id="13" name="Shape 13"/>
-          <p:cNvSpPr txBox="1"/>
+          <p:cNvSpPr txBox="1">
+            <a:spLocks noGrp="1"/>
+          </p:cNvSpPr>
           <p:nvPr>
             <p:ph type="ctrTitle"/>
           </p:nvPr>
@@ -1448,7 +1527,7 @@
           </a:prstGeom>
         </p:spPr>
         <p:txBody>
-          <a:bodyPr anchorCtr="0" anchor="b" bIns="91425" lIns="91425" spcFirstLastPara="1" rIns="91425" wrap="square" tIns="91425"/>
+          <a:bodyPr spcFirstLastPara="1" wrap="square" lIns="91425" tIns="91425" rIns="91425" bIns="91425" anchor="b" anchorCtr="0"/>
           <a:lstStyle>
             <a:lvl1pPr lvl="0" algn="ctr">
               <a:spcBef>
@@ -1550,15 +1629,19 @@
               <a:defRPr sz="4000"/>
             </a:lvl9pPr>
           </a:lstStyle>
-          <a:p/>
+          <a:p>
+            <a:endParaRPr/>
+          </a:p>
         </p:txBody>
       </p:sp>
       <p:sp>
         <p:nvSpPr>
           <p:cNvPr id="14" name="Shape 14"/>
-          <p:cNvSpPr txBox="1"/>
+          <p:cNvSpPr txBox="1">
+            <a:spLocks noGrp="1"/>
+          </p:cNvSpPr>
           <p:nvPr>
-            <p:ph idx="1" type="subTitle"/>
+            <p:ph type="subTitle" idx="1"/>
           </p:nvPr>
         </p:nvSpPr>
         <p:spPr>
@@ -1571,7 +1654,7 @@
           </a:prstGeom>
         </p:spPr>
         <p:txBody>
-          <a:bodyPr anchorCtr="0" anchor="t" bIns="91425" lIns="91425" spcFirstLastPara="1" rIns="91425" wrap="square" tIns="91425"/>
+          <a:bodyPr spcFirstLastPara="1" wrap="square" lIns="91425" tIns="91425" rIns="91425" bIns="91425" anchor="t" anchorCtr="0"/>
           <a:lstStyle>
             <a:lvl1pPr lvl="0" algn="ctr">
               <a:lnSpc>
@@ -1808,15 +1891,19 @@
               </a:defRPr>
             </a:lvl9pPr>
           </a:lstStyle>
-          <a:p/>
+          <a:p>
+            <a:endParaRPr/>
+          </a:p>
         </p:txBody>
       </p:sp>
       <p:sp>
         <p:nvSpPr>
           <p:cNvPr id="15" name="Shape 15"/>
-          <p:cNvSpPr txBox="1"/>
+          <p:cNvSpPr txBox="1">
+            <a:spLocks noGrp="1"/>
+          </p:cNvSpPr>
           <p:nvPr>
-            <p:ph idx="12" type="sldNum"/>
+            <p:ph type="sldNum" idx="12"/>
           </p:nvPr>
         </p:nvSpPr>
         <p:spPr>
@@ -1829,7 +1916,7 @@
           </a:prstGeom>
         </p:spPr>
         <p:txBody>
-          <a:bodyPr anchorCtr="0" anchor="ctr" bIns="91425" lIns="91425" spcFirstLastPara="1" rIns="91425" wrap="square" tIns="91425">
+          <a:bodyPr spcFirstLastPara="1" wrap="square" lIns="91425" tIns="91425" rIns="91425" bIns="91425" anchor="ctr" anchorCtr="0">
             <a:noAutofit/>
           </a:bodyPr>
           <a:lstStyle>
@@ -1871,7 +1958,7 @@
             </a:lvl9pPr>
           </a:lstStyle>
           <a:p>
-            <a:pPr indent="0" lvl="0" marL="0">
+            <a:pPr marL="0" lvl="0" indent="0">
               <a:spcBef>
                 <a:spcPts val="0"/>
               </a:spcBef>
@@ -1897,11 +1984,11 @@
 </file>
 
 <file path=ppt/slideLayouts/slideLayout10.xml><?xml version="1.0" encoding="utf-8"?>
-<p:sldLayout xmlns:a="http://schemas.openxmlformats.org/drawingml/2006/main" xmlns:r="http://schemas.openxmlformats.org/officeDocument/2006/relationships" xmlns:mc="http://schemas.openxmlformats.org/markup-compatibility/2006" xmlns:mv="urn:schemas-microsoft-com:mac:vml" xmlns:p="http://schemas.openxmlformats.org/presentationml/2006/main" xmlns:c="http://schemas.openxmlformats.org/drawingml/2006/chart" xmlns:dgm="http://schemas.openxmlformats.org/drawingml/2006/diagram" xmlns:o="urn:schemas-microsoft-com:office:office" xmlns:v="urn:schemas-microsoft-com:vml" xmlns:pvml="urn:schemas-microsoft-com:office:powerpoint" xmlns:com="http://schemas.openxmlformats.org/drawingml/2006/compatibility" xmlns:p14="http://schemas.microsoft.com/office/powerpoint/2010/main" xmlns:p15="http://schemas.microsoft.com/office/powerpoint/2012/main" matchingName="Big number">
+<p:sldLayout xmlns:a="http://schemas.openxmlformats.org/drawingml/2006/main" xmlns:r="http://schemas.openxmlformats.org/officeDocument/2006/relationships" xmlns:p="http://schemas.openxmlformats.org/presentationml/2006/main" matchingName="Big number">
   <p:cSld name="BIG_NUMBER">
     <p:spTree>
       <p:nvGrpSpPr>
-        <p:cNvPr id="52" name="Shape 52"/>
+        <p:cNvPr id="1" name="Shape 52"/>
         <p:cNvGrpSpPr/>
         <p:nvPr/>
       </p:nvGrpSpPr>
@@ -1935,12 +2022,12 @@
           </a:ln>
         </p:spPr>
         <p:txBody>
-          <a:bodyPr anchorCtr="0" anchor="ctr" bIns="91425" lIns="91425" spcFirstLastPara="1" rIns="91425" wrap="square" tIns="91425">
+          <a:bodyPr spcFirstLastPara="1" wrap="square" lIns="91425" tIns="91425" rIns="91425" bIns="91425" anchor="ctr" anchorCtr="0">
             <a:noAutofit/>
           </a:bodyPr>
           <a:lstStyle/>
           <a:p>
-            <a:pPr indent="0" lvl="0" marL="0">
+            <a:pPr marL="0" lvl="0" indent="0">
               <a:spcBef>
                 <a:spcPts val="0"/>
               </a:spcBef>
@@ -1949,9 +2036,6 @@
               </a:spcAft>
               <a:buNone/>
             </a:pPr>
-            <a:r>
-              <a:t/>
-            </a:r>
             <a:endParaRPr/>
           </a:p>
         </p:txBody>
@@ -1959,9 +2043,11 @@
       <p:sp>
         <p:nvSpPr>
           <p:cNvPr id="54" name="Shape 54"/>
-          <p:cNvSpPr txBox="1"/>
+          <p:cNvSpPr txBox="1">
+            <a:spLocks noGrp="1"/>
+          </p:cNvSpPr>
           <p:nvPr>
-            <p:ph hasCustomPrompt="1" type="title"/>
+            <p:ph type="title" hasCustomPrompt="1"/>
           </p:nvPr>
         </p:nvSpPr>
         <p:spPr>
@@ -1974,7 +2060,7 @@
           </a:prstGeom>
         </p:spPr>
         <p:txBody>
-          <a:bodyPr anchorCtr="0" anchor="ctr" bIns="91425" lIns="91425" spcFirstLastPara="1" rIns="91425" wrap="square" tIns="91425"/>
+          <a:bodyPr spcFirstLastPara="1" wrap="square" lIns="91425" tIns="91425" rIns="91425" bIns="91425" anchor="ctr" anchorCtr="0"/>
           <a:lstStyle>
             <a:lvl1pPr lvl="0" algn="ctr">
               <a:spcBef>
@@ -2149,9 +2235,11 @@
       <p:sp>
         <p:nvSpPr>
           <p:cNvPr id="55" name="Shape 55"/>
-          <p:cNvSpPr txBox="1"/>
+          <p:cNvSpPr txBox="1">
+            <a:spLocks noGrp="1"/>
+          </p:cNvSpPr>
           <p:nvPr>
-            <p:ph idx="1" type="body"/>
+            <p:ph type="body" idx="1"/>
           </p:nvPr>
         </p:nvSpPr>
         <p:spPr>
@@ -2164,9 +2252,9 @@
           </a:prstGeom>
         </p:spPr>
         <p:txBody>
-          <a:bodyPr anchorCtr="0" anchor="t" bIns="91425" lIns="91425" spcFirstLastPara="1" rIns="91425" wrap="square" tIns="91425"/>
+          <a:bodyPr spcFirstLastPara="1" wrap="square" lIns="91425" tIns="91425" rIns="91425" bIns="91425" anchor="t" anchorCtr="0"/>
           <a:lstStyle>
-            <a:lvl1pPr indent="-342900" lvl="0" marL="457200" algn="ctr">
+            <a:lvl1pPr marL="457200" lvl="0" indent="-342900" algn="ctr">
               <a:spcBef>
                 <a:spcPts val="0"/>
               </a:spcBef>
@@ -2177,7 +2265,7 @@
               <a:buChar char="●"/>
               <a:defRPr/>
             </a:lvl1pPr>
-            <a:lvl2pPr indent="-317500" lvl="1" marL="914400" algn="ctr">
+            <a:lvl2pPr marL="914400" lvl="1" indent="-317500" algn="ctr">
               <a:spcBef>
                 <a:spcPts val="1600"/>
               </a:spcBef>
@@ -2188,7 +2276,7 @@
               <a:buChar char="○"/>
               <a:defRPr/>
             </a:lvl2pPr>
-            <a:lvl3pPr indent="-317500" lvl="2" marL="1371600" algn="ctr">
+            <a:lvl3pPr marL="1371600" lvl="2" indent="-317500" algn="ctr">
               <a:spcBef>
                 <a:spcPts val="1600"/>
               </a:spcBef>
@@ -2199,7 +2287,7 @@
               <a:buChar char="■"/>
               <a:defRPr/>
             </a:lvl3pPr>
-            <a:lvl4pPr indent="-317500" lvl="3" marL="1828800" algn="ctr">
+            <a:lvl4pPr marL="1828800" lvl="3" indent="-317500" algn="ctr">
               <a:spcBef>
                 <a:spcPts val="1600"/>
               </a:spcBef>
@@ -2210,7 +2298,7 @@
               <a:buChar char="●"/>
               <a:defRPr/>
             </a:lvl4pPr>
-            <a:lvl5pPr indent="-317500" lvl="4" marL="2286000" algn="ctr">
+            <a:lvl5pPr marL="2286000" lvl="4" indent="-317500" algn="ctr">
               <a:spcBef>
                 <a:spcPts val="1600"/>
               </a:spcBef>
@@ -2221,7 +2309,7 @@
               <a:buChar char="○"/>
               <a:defRPr/>
             </a:lvl5pPr>
-            <a:lvl6pPr indent="-317500" lvl="5" marL="2743200" algn="ctr">
+            <a:lvl6pPr marL="2743200" lvl="5" indent="-317500" algn="ctr">
               <a:spcBef>
                 <a:spcPts val="1600"/>
               </a:spcBef>
@@ -2232,7 +2320,7 @@
               <a:buChar char="■"/>
               <a:defRPr/>
             </a:lvl6pPr>
-            <a:lvl7pPr indent="-317500" lvl="6" marL="3200400" algn="ctr">
+            <a:lvl7pPr marL="3200400" lvl="6" indent="-317500" algn="ctr">
               <a:spcBef>
                 <a:spcPts val="1600"/>
               </a:spcBef>
@@ -2243,7 +2331,7 @@
               <a:buChar char="●"/>
               <a:defRPr/>
             </a:lvl7pPr>
-            <a:lvl8pPr indent="-317500" lvl="7" marL="3657600" algn="ctr">
+            <a:lvl8pPr marL="3657600" lvl="7" indent="-317500" algn="ctr">
               <a:spcBef>
                 <a:spcPts val="1600"/>
               </a:spcBef>
@@ -2254,7 +2342,7 @@
               <a:buChar char="○"/>
               <a:defRPr/>
             </a:lvl8pPr>
-            <a:lvl9pPr indent="-317500" lvl="8" marL="4114800" algn="ctr">
+            <a:lvl9pPr marL="4114800" lvl="8" indent="-317500" algn="ctr">
               <a:spcBef>
                 <a:spcPts val="1600"/>
               </a:spcBef>
@@ -2266,15 +2354,19 @@
               <a:defRPr/>
             </a:lvl9pPr>
           </a:lstStyle>
-          <a:p/>
+          <a:p>
+            <a:endParaRPr/>
+          </a:p>
         </p:txBody>
       </p:sp>
       <p:sp>
         <p:nvSpPr>
           <p:cNvPr id="56" name="Shape 56"/>
-          <p:cNvSpPr txBox="1"/>
+          <p:cNvSpPr txBox="1">
+            <a:spLocks noGrp="1"/>
+          </p:cNvSpPr>
           <p:nvPr>
-            <p:ph idx="12" type="sldNum"/>
+            <p:ph type="sldNum" idx="12"/>
           </p:nvPr>
         </p:nvSpPr>
         <p:spPr>
@@ -2287,7 +2379,7 @@
           </a:prstGeom>
         </p:spPr>
         <p:txBody>
-          <a:bodyPr anchorCtr="0" anchor="ctr" bIns="91425" lIns="91425" spcFirstLastPara="1" rIns="91425" wrap="square" tIns="91425">
+          <a:bodyPr spcFirstLastPara="1" wrap="square" lIns="91425" tIns="91425" rIns="91425" bIns="91425" anchor="ctr" anchorCtr="0">
             <a:noAutofit/>
           </a:bodyPr>
           <a:lstStyle>
@@ -2329,7 +2421,7 @@
             </a:lvl9pPr>
           </a:lstStyle>
           <a:p>
-            <a:pPr indent="0" lvl="0" marL="0">
+            <a:pPr marL="0" lvl="0" indent="0">
               <a:spcBef>
                 <a:spcPts val="0"/>
               </a:spcBef>
@@ -2355,11 +2447,11 @@
 </file>
 
 <file path=ppt/slideLayouts/slideLayout11.xml><?xml version="1.0" encoding="utf-8"?>
-<p:sldLayout xmlns:a="http://schemas.openxmlformats.org/drawingml/2006/main" xmlns:r="http://schemas.openxmlformats.org/officeDocument/2006/relationships" xmlns:mc="http://schemas.openxmlformats.org/markup-compatibility/2006" xmlns:mv="urn:schemas-microsoft-com:mac:vml" xmlns:p="http://schemas.openxmlformats.org/presentationml/2006/main" xmlns:c="http://schemas.openxmlformats.org/drawingml/2006/chart" xmlns:dgm="http://schemas.openxmlformats.org/drawingml/2006/diagram" xmlns:o="urn:schemas-microsoft-com:office:office" xmlns:v="urn:schemas-microsoft-com:vml" xmlns:pvml="urn:schemas-microsoft-com:office:powerpoint" xmlns:com="http://schemas.openxmlformats.org/drawingml/2006/compatibility" xmlns:p14="http://schemas.microsoft.com/office/powerpoint/2010/main" xmlns:p15="http://schemas.microsoft.com/office/powerpoint/2012/main" matchingName="Blank" type="blank">
+<p:sldLayout xmlns:a="http://schemas.openxmlformats.org/drawingml/2006/main" xmlns:r="http://schemas.openxmlformats.org/officeDocument/2006/relationships" xmlns:p="http://schemas.openxmlformats.org/presentationml/2006/main" matchingName="Blank" type="blank">
   <p:cSld name="BLANK">
     <p:spTree>
       <p:nvGrpSpPr>
-        <p:cNvPr id="57" name="Shape 57"/>
+        <p:cNvPr id="1" name="Shape 57"/>
         <p:cNvGrpSpPr/>
         <p:nvPr/>
       </p:nvGrpSpPr>
@@ -2374,9 +2466,11 @@
       <p:sp>
         <p:nvSpPr>
           <p:cNvPr id="58" name="Shape 58"/>
-          <p:cNvSpPr txBox="1"/>
+          <p:cNvSpPr txBox="1">
+            <a:spLocks noGrp="1"/>
+          </p:cNvSpPr>
           <p:nvPr>
-            <p:ph idx="12" type="sldNum"/>
+            <p:ph type="sldNum" idx="12"/>
           </p:nvPr>
         </p:nvSpPr>
         <p:spPr>
@@ -2389,7 +2483,7 @@
           </a:prstGeom>
         </p:spPr>
         <p:txBody>
-          <a:bodyPr anchorCtr="0" anchor="ctr" bIns="91425" lIns="91425" spcFirstLastPara="1" rIns="91425" wrap="square" tIns="91425">
+          <a:bodyPr spcFirstLastPara="1" wrap="square" lIns="91425" tIns="91425" rIns="91425" bIns="91425" anchor="ctr" anchorCtr="0">
             <a:noAutofit/>
           </a:bodyPr>
           <a:lstStyle>
@@ -2431,7 +2525,7 @@
             </a:lvl9pPr>
           </a:lstStyle>
           <a:p>
-            <a:pPr indent="0" lvl="0" marL="0">
+            <a:pPr marL="0" lvl="0" indent="0">
               <a:spcBef>
                 <a:spcPts val="0"/>
               </a:spcBef>
@@ -2457,11 +2551,11 @@
 </file>
 
 <file path=ppt/slideLayouts/slideLayout2.xml><?xml version="1.0" encoding="utf-8"?>
-<p:sldLayout xmlns:a="http://schemas.openxmlformats.org/drawingml/2006/main" xmlns:r="http://schemas.openxmlformats.org/officeDocument/2006/relationships" xmlns:mc="http://schemas.openxmlformats.org/markup-compatibility/2006" xmlns:mv="urn:schemas-microsoft-com:mac:vml" xmlns:p="http://schemas.openxmlformats.org/presentationml/2006/main" xmlns:c="http://schemas.openxmlformats.org/drawingml/2006/chart" xmlns:dgm="http://schemas.openxmlformats.org/drawingml/2006/diagram" xmlns:o="urn:schemas-microsoft-com:office:office" xmlns:v="urn:schemas-microsoft-com:vml" xmlns:pvml="urn:schemas-microsoft-com:office:powerpoint" xmlns:com="http://schemas.openxmlformats.org/drawingml/2006/compatibility" xmlns:p14="http://schemas.microsoft.com/office/powerpoint/2010/main" xmlns:p15="http://schemas.microsoft.com/office/powerpoint/2012/main" matchingName="Section header" type="secHead">
+<p:sldLayout xmlns:a="http://schemas.openxmlformats.org/drawingml/2006/main" xmlns:r="http://schemas.openxmlformats.org/officeDocument/2006/relationships" xmlns:p="http://schemas.openxmlformats.org/presentationml/2006/main" matchingName="Section header" type="secHead">
   <p:cSld name="SECTION_HEADER">
     <p:spTree>
       <p:nvGrpSpPr>
-        <p:cNvPr id="16" name="Shape 16"/>
+        <p:cNvPr id="1" name="Shape 16"/>
         <p:cNvGrpSpPr/>
         <p:nvPr/>
       </p:nvGrpSpPr>
@@ -2488,21 +2582,23 @@
             <a:avLst/>
           </a:prstGeom>
           <a:noFill/>
-          <a:ln cap="flat" cmpd="sng" w="38100">
+          <a:ln w="38100" cap="flat" cmpd="sng">
             <a:solidFill>
               <a:schemeClr val="accent4"/>
             </a:solidFill>
             <a:prstDash val="solid"/>
             <a:round/>
-            <a:headEnd len="sm" w="sm" type="none"/>
-            <a:tailEnd len="sm" w="sm" type="none"/>
+            <a:headEnd type="none" w="sm" len="sm"/>
+            <a:tailEnd type="none" w="sm" len="sm"/>
           </a:ln>
         </p:spPr>
       </p:cxnSp>
       <p:sp>
         <p:nvSpPr>
           <p:cNvPr id="18" name="Shape 18"/>
-          <p:cNvSpPr txBox="1"/>
+          <p:cNvSpPr txBox="1">
+            <a:spLocks noGrp="1"/>
+          </p:cNvSpPr>
           <p:nvPr>
             <p:ph type="title"/>
           </p:nvPr>
@@ -2517,7 +2613,7 @@
           </a:prstGeom>
         </p:spPr>
         <p:txBody>
-          <a:bodyPr anchorCtr="0" anchor="b" bIns="91425" lIns="91425" spcFirstLastPara="1" rIns="91425" wrap="square" tIns="91425"/>
+          <a:bodyPr spcFirstLastPara="1" wrap="square" lIns="91425" tIns="91425" rIns="91425" bIns="91425" anchor="b" anchorCtr="0"/>
           <a:lstStyle>
             <a:lvl1pPr lvl="0" algn="ctr">
               <a:spcBef>
@@ -2619,15 +2715,19 @@
               <a:defRPr sz="4800"/>
             </a:lvl9pPr>
           </a:lstStyle>
-          <a:p/>
+          <a:p>
+            <a:endParaRPr/>
+          </a:p>
         </p:txBody>
       </p:sp>
       <p:sp>
         <p:nvSpPr>
           <p:cNvPr id="19" name="Shape 19"/>
-          <p:cNvSpPr txBox="1"/>
+          <p:cNvSpPr txBox="1">
+            <a:spLocks noGrp="1"/>
+          </p:cNvSpPr>
           <p:nvPr>
-            <p:ph idx="12" type="sldNum"/>
+            <p:ph type="sldNum" idx="12"/>
           </p:nvPr>
         </p:nvSpPr>
         <p:spPr>
@@ -2640,7 +2740,7 @@
           </a:prstGeom>
         </p:spPr>
         <p:txBody>
-          <a:bodyPr anchorCtr="0" anchor="ctr" bIns="91425" lIns="91425" spcFirstLastPara="1" rIns="91425" wrap="square" tIns="91425">
+          <a:bodyPr spcFirstLastPara="1" wrap="square" lIns="91425" tIns="91425" rIns="91425" bIns="91425" anchor="ctr" anchorCtr="0">
             <a:noAutofit/>
           </a:bodyPr>
           <a:lstStyle>
@@ -2682,7 +2782,7 @@
             </a:lvl9pPr>
           </a:lstStyle>
           <a:p>
-            <a:pPr indent="0" lvl="0" marL="0">
+            <a:pPr marL="0" lvl="0" indent="0">
               <a:spcBef>
                 <a:spcPts val="0"/>
               </a:spcBef>
@@ -2708,11 +2808,11 @@
 </file>
 
 <file path=ppt/slideLayouts/slideLayout3.xml><?xml version="1.0" encoding="utf-8"?>
-<p:sldLayout xmlns:a="http://schemas.openxmlformats.org/drawingml/2006/main" xmlns:r="http://schemas.openxmlformats.org/officeDocument/2006/relationships" xmlns:mc="http://schemas.openxmlformats.org/markup-compatibility/2006" xmlns:mv="urn:schemas-microsoft-com:mac:vml" xmlns:p="http://schemas.openxmlformats.org/presentationml/2006/main" xmlns:c="http://schemas.openxmlformats.org/drawingml/2006/chart" xmlns:dgm="http://schemas.openxmlformats.org/drawingml/2006/diagram" xmlns:o="urn:schemas-microsoft-com:office:office" xmlns:v="urn:schemas-microsoft-com:vml" xmlns:pvml="urn:schemas-microsoft-com:office:powerpoint" xmlns:com="http://schemas.openxmlformats.org/drawingml/2006/compatibility" xmlns:p14="http://schemas.microsoft.com/office/powerpoint/2010/main" xmlns:p15="http://schemas.microsoft.com/office/powerpoint/2012/main" matchingName="Title and body" type="tx">
+<p:sldLayout xmlns:a="http://schemas.openxmlformats.org/drawingml/2006/main" xmlns:r="http://schemas.openxmlformats.org/officeDocument/2006/relationships" xmlns:p="http://schemas.openxmlformats.org/presentationml/2006/main" matchingName="Title and body" type="tx">
   <p:cSld name="TITLE_AND_BODY">
     <p:spTree>
       <p:nvGrpSpPr>
-        <p:cNvPr id="20" name="Shape 20"/>
+        <p:cNvPr id="1" name="Shape 20"/>
         <p:cNvGrpSpPr/>
         <p:nvPr/>
       </p:nvGrpSpPr>
@@ -2739,21 +2839,23 @@
             <a:avLst/>
           </a:prstGeom>
           <a:noFill/>
-          <a:ln cap="flat" cmpd="sng" w="38100">
+          <a:ln w="38100" cap="flat" cmpd="sng">
             <a:solidFill>
               <a:schemeClr val="accent4"/>
             </a:solidFill>
             <a:prstDash val="solid"/>
             <a:round/>
-            <a:headEnd len="sm" w="sm" type="none"/>
-            <a:tailEnd len="sm" w="sm" type="none"/>
+            <a:headEnd type="none" w="sm" len="sm"/>
+            <a:tailEnd type="none" w="sm" len="sm"/>
           </a:ln>
         </p:spPr>
       </p:cxnSp>
       <p:sp>
         <p:nvSpPr>
           <p:cNvPr id="22" name="Shape 22"/>
-          <p:cNvSpPr txBox="1"/>
+          <p:cNvSpPr txBox="1">
+            <a:spLocks noGrp="1"/>
+          </p:cNvSpPr>
           <p:nvPr>
             <p:ph type="title"/>
           </p:nvPr>
@@ -2768,7 +2870,7 @@
           </a:prstGeom>
         </p:spPr>
         <p:txBody>
-          <a:bodyPr anchorCtr="0" anchor="b" bIns="91425" lIns="91425" spcFirstLastPara="1" rIns="91425" wrap="square" tIns="91425"/>
+          <a:bodyPr spcFirstLastPara="1" wrap="square" lIns="91425" tIns="91425" rIns="91425" bIns="91425" anchor="b" anchorCtr="0"/>
           <a:lstStyle>
             <a:lvl1pPr lvl="0">
               <a:spcBef>
@@ -2870,15 +2972,19 @@
               <a:defRPr/>
             </a:lvl9pPr>
           </a:lstStyle>
-          <a:p/>
+          <a:p>
+            <a:endParaRPr/>
+          </a:p>
         </p:txBody>
       </p:sp>
       <p:sp>
         <p:nvSpPr>
           <p:cNvPr id="23" name="Shape 23"/>
-          <p:cNvSpPr txBox="1"/>
+          <p:cNvSpPr txBox="1">
+            <a:spLocks noGrp="1"/>
+          </p:cNvSpPr>
           <p:nvPr>
-            <p:ph idx="1" type="body"/>
+            <p:ph type="body" idx="1"/>
           </p:nvPr>
         </p:nvSpPr>
         <p:spPr>
@@ -2891,9 +2997,9 @@
           </a:prstGeom>
         </p:spPr>
         <p:txBody>
-          <a:bodyPr anchorCtr="0" anchor="t" bIns="91425" lIns="91425" spcFirstLastPara="1" rIns="91425" wrap="square" tIns="91425"/>
+          <a:bodyPr spcFirstLastPara="1" wrap="square" lIns="91425" tIns="91425" rIns="91425" bIns="91425" anchor="t" anchorCtr="0"/>
           <a:lstStyle>
-            <a:lvl1pPr indent="-342900" lvl="0" marL="457200">
+            <a:lvl1pPr marL="457200" lvl="0" indent="-342900">
               <a:spcBef>
                 <a:spcPts val="0"/>
               </a:spcBef>
@@ -2904,7 +3010,7 @@
               <a:buChar char="●"/>
               <a:defRPr/>
             </a:lvl1pPr>
-            <a:lvl2pPr indent="-317500" lvl="1" marL="914400">
+            <a:lvl2pPr marL="914400" lvl="1" indent="-317500">
               <a:spcBef>
                 <a:spcPts val="1600"/>
               </a:spcBef>
@@ -2915,7 +3021,7 @@
               <a:buChar char="○"/>
               <a:defRPr/>
             </a:lvl2pPr>
-            <a:lvl3pPr indent="-317500" lvl="2" marL="1371600">
+            <a:lvl3pPr marL="1371600" lvl="2" indent="-317500">
               <a:spcBef>
                 <a:spcPts val="1600"/>
               </a:spcBef>
@@ -2926,7 +3032,7 @@
               <a:buChar char="■"/>
               <a:defRPr/>
             </a:lvl3pPr>
-            <a:lvl4pPr indent="-317500" lvl="3" marL="1828800">
+            <a:lvl4pPr marL="1828800" lvl="3" indent="-317500">
               <a:spcBef>
                 <a:spcPts val="1600"/>
               </a:spcBef>
@@ -2937,7 +3043,7 @@
               <a:buChar char="●"/>
               <a:defRPr/>
             </a:lvl4pPr>
-            <a:lvl5pPr indent="-317500" lvl="4" marL="2286000">
+            <a:lvl5pPr marL="2286000" lvl="4" indent="-317500">
               <a:spcBef>
                 <a:spcPts val="1600"/>
               </a:spcBef>
@@ -2948,7 +3054,7 @@
               <a:buChar char="○"/>
               <a:defRPr/>
             </a:lvl5pPr>
-            <a:lvl6pPr indent="-317500" lvl="5" marL="2743200">
+            <a:lvl6pPr marL="2743200" lvl="5" indent="-317500">
               <a:spcBef>
                 <a:spcPts val="1600"/>
               </a:spcBef>
@@ -2959,7 +3065,7 @@
               <a:buChar char="■"/>
               <a:defRPr/>
             </a:lvl6pPr>
-            <a:lvl7pPr indent="-317500" lvl="6" marL="3200400">
+            <a:lvl7pPr marL="3200400" lvl="6" indent="-317500">
               <a:spcBef>
                 <a:spcPts val="1600"/>
               </a:spcBef>
@@ -2970,7 +3076,7 @@
               <a:buChar char="●"/>
               <a:defRPr/>
             </a:lvl7pPr>
-            <a:lvl8pPr indent="-317500" lvl="7" marL="3657600">
+            <a:lvl8pPr marL="3657600" lvl="7" indent="-317500">
               <a:spcBef>
                 <a:spcPts val="1600"/>
               </a:spcBef>
@@ -2981,7 +3087,7 @@
               <a:buChar char="○"/>
               <a:defRPr/>
             </a:lvl8pPr>
-            <a:lvl9pPr indent="-317500" lvl="8" marL="4114800">
+            <a:lvl9pPr marL="4114800" lvl="8" indent="-317500">
               <a:spcBef>
                 <a:spcPts val="1600"/>
               </a:spcBef>
@@ -2993,15 +3099,19 @@
               <a:defRPr/>
             </a:lvl9pPr>
           </a:lstStyle>
-          <a:p/>
+          <a:p>
+            <a:endParaRPr/>
+          </a:p>
         </p:txBody>
       </p:sp>
       <p:sp>
         <p:nvSpPr>
           <p:cNvPr id="24" name="Shape 24"/>
-          <p:cNvSpPr txBox="1"/>
+          <p:cNvSpPr txBox="1">
+            <a:spLocks noGrp="1"/>
+          </p:cNvSpPr>
           <p:nvPr>
-            <p:ph idx="12" type="sldNum"/>
+            <p:ph type="sldNum" idx="12"/>
           </p:nvPr>
         </p:nvSpPr>
         <p:spPr>
@@ -3014,7 +3124,7 @@
           </a:prstGeom>
         </p:spPr>
         <p:txBody>
-          <a:bodyPr anchorCtr="0" anchor="ctr" bIns="91425" lIns="91425" spcFirstLastPara="1" rIns="91425" wrap="square" tIns="91425">
+          <a:bodyPr spcFirstLastPara="1" wrap="square" lIns="91425" tIns="91425" rIns="91425" bIns="91425" anchor="ctr" anchorCtr="0">
             <a:noAutofit/>
           </a:bodyPr>
           <a:lstStyle>
@@ -3056,7 +3166,7 @@
             </a:lvl9pPr>
           </a:lstStyle>
           <a:p>
-            <a:pPr indent="0" lvl="0" marL="0">
+            <a:pPr marL="0" lvl="0" indent="0">
               <a:spcBef>
                 <a:spcPts val="0"/>
               </a:spcBef>
@@ -3082,11 +3192,11 @@
 </file>
 
 <file path=ppt/slideLayouts/slideLayout4.xml><?xml version="1.0" encoding="utf-8"?>
-<p:sldLayout xmlns:a="http://schemas.openxmlformats.org/drawingml/2006/main" xmlns:r="http://schemas.openxmlformats.org/officeDocument/2006/relationships" xmlns:mc="http://schemas.openxmlformats.org/markup-compatibility/2006" xmlns:mv="urn:schemas-microsoft-com:mac:vml" xmlns:p="http://schemas.openxmlformats.org/presentationml/2006/main" xmlns:c="http://schemas.openxmlformats.org/drawingml/2006/chart" xmlns:dgm="http://schemas.openxmlformats.org/drawingml/2006/diagram" xmlns:o="urn:schemas-microsoft-com:office:office" xmlns:v="urn:schemas-microsoft-com:vml" xmlns:pvml="urn:schemas-microsoft-com:office:powerpoint" xmlns:com="http://schemas.openxmlformats.org/drawingml/2006/compatibility" xmlns:p14="http://schemas.microsoft.com/office/powerpoint/2010/main" xmlns:p15="http://schemas.microsoft.com/office/powerpoint/2012/main" matchingName="Title and two columns" type="twoColTx">
+<p:sldLayout xmlns:a="http://schemas.openxmlformats.org/drawingml/2006/main" xmlns:r="http://schemas.openxmlformats.org/officeDocument/2006/relationships" xmlns:p="http://schemas.openxmlformats.org/presentationml/2006/main" matchingName="Title and two columns" type="twoColTx">
   <p:cSld name="TITLE_AND_TWO_COLUMNS">
     <p:spTree>
       <p:nvGrpSpPr>
-        <p:cNvPr id="25" name="Shape 25"/>
+        <p:cNvPr id="1" name="Shape 25"/>
         <p:cNvGrpSpPr/>
         <p:nvPr/>
       </p:nvGrpSpPr>
@@ -3113,21 +3223,23 @@
             <a:avLst/>
           </a:prstGeom>
           <a:noFill/>
-          <a:ln cap="flat" cmpd="sng" w="38100">
+          <a:ln w="38100" cap="flat" cmpd="sng">
             <a:solidFill>
               <a:schemeClr val="accent4"/>
             </a:solidFill>
             <a:prstDash val="solid"/>
             <a:round/>
-            <a:headEnd len="sm" w="sm" type="none"/>
-            <a:tailEnd len="sm" w="sm" type="none"/>
+            <a:headEnd type="none" w="sm" len="sm"/>
+            <a:tailEnd type="none" w="sm" len="sm"/>
           </a:ln>
         </p:spPr>
       </p:cxnSp>
       <p:sp>
         <p:nvSpPr>
           <p:cNvPr id="27" name="Shape 27"/>
-          <p:cNvSpPr txBox="1"/>
+          <p:cNvSpPr txBox="1">
+            <a:spLocks noGrp="1"/>
+          </p:cNvSpPr>
           <p:nvPr>
             <p:ph type="title"/>
           </p:nvPr>
@@ -3142,7 +3254,7 @@
           </a:prstGeom>
         </p:spPr>
         <p:txBody>
-          <a:bodyPr anchorCtr="0" anchor="b" bIns="91425" lIns="91425" spcFirstLastPara="1" rIns="91425" wrap="square" tIns="91425"/>
+          <a:bodyPr spcFirstLastPara="1" wrap="square" lIns="91425" tIns="91425" rIns="91425" bIns="91425" anchor="b" anchorCtr="0"/>
           <a:lstStyle>
             <a:lvl1pPr lvl="0">
               <a:spcBef>
@@ -3244,15 +3356,19 @@
               <a:defRPr/>
             </a:lvl9pPr>
           </a:lstStyle>
-          <a:p/>
+          <a:p>
+            <a:endParaRPr/>
+          </a:p>
         </p:txBody>
       </p:sp>
       <p:sp>
         <p:nvSpPr>
           <p:cNvPr id="28" name="Shape 28"/>
-          <p:cNvSpPr txBox="1"/>
+          <p:cNvSpPr txBox="1">
+            <a:spLocks noGrp="1"/>
+          </p:cNvSpPr>
           <p:nvPr>
-            <p:ph idx="1" type="body"/>
+            <p:ph type="body" idx="1"/>
           </p:nvPr>
         </p:nvSpPr>
         <p:spPr>
@@ -3265,9 +3381,9 @@
           </a:prstGeom>
         </p:spPr>
         <p:txBody>
-          <a:bodyPr anchorCtr="0" anchor="t" bIns="91425" lIns="91425" spcFirstLastPara="1" rIns="91425" wrap="square" tIns="91425"/>
+          <a:bodyPr spcFirstLastPara="1" wrap="square" lIns="91425" tIns="91425" rIns="91425" bIns="91425" anchor="t" anchorCtr="0"/>
           <a:lstStyle>
-            <a:lvl1pPr indent="-317500" lvl="0" marL="457200">
+            <a:lvl1pPr marL="457200" lvl="0" indent="-317500">
               <a:spcBef>
                 <a:spcPts val="0"/>
               </a:spcBef>
@@ -3278,7 +3394,7 @@
               <a:buChar char="●"/>
               <a:defRPr sz="1400"/>
             </a:lvl1pPr>
-            <a:lvl2pPr indent="-304800" lvl="1" marL="914400">
+            <a:lvl2pPr marL="914400" lvl="1" indent="-304800">
               <a:spcBef>
                 <a:spcPts val="1600"/>
               </a:spcBef>
@@ -3289,7 +3405,7 @@
               <a:buChar char="○"/>
               <a:defRPr sz="1200"/>
             </a:lvl2pPr>
-            <a:lvl3pPr indent="-304800" lvl="2" marL="1371600">
+            <a:lvl3pPr marL="1371600" lvl="2" indent="-304800">
               <a:spcBef>
                 <a:spcPts val="1600"/>
               </a:spcBef>
@@ -3300,7 +3416,7 @@
               <a:buChar char="■"/>
               <a:defRPr sz="1200"/>
             </a:lvl3pPr>
-            <a:lvl4pPr indent="-304800" lvl="3" marL="1828800">
+            <a:lvl4pPr marL="1828800" lvl="3" indent="-304800">
               <a:spcBef>
                 <a:spcPts val="1600"/>
               </a:spcBef>
@@ -3311,7 +3427,7 @@
               <a:buChar char="●"/>
               <a:defRPr sz="1200"/>
             </a:lvl4pPr>
-            <a:lvl5pPr indent="-304800" lvl="4" marL="2286000">
+            <a:lvl5pPr marL="2286000" lvl="4" indent="-304800">
               <a:spcBef>
                 <a:spcPts val="1600"/>
               </a:spcBef>
@@ -3322,7 +3438,7 @@
               <a:buChar char="○"/>
               <a:defRPr sz="1200"/>
             </a:lvl5pPr>
-            <a:lvl6pPr indent="-304800" lvl="5" marL="2743200">
+            <a:lvl6pPr marL="2743200" lvl="5" indent="-304800">
               <a:spcBef>
                 <a:spcPts val="1600"/>
               </a:spcBef>
@@ -3333,7 +3449,7 @@
               <a:buChar char="■"/>
               <a:defRPr sz="1200"/>
             </a:lvl6pPr>
-            <a:lvl7pPr indent="-304800" lvl="6" marL="3200400">
+            <a:lvl7pPr marL="3200400" lvl="6" indent="-304800">
               <a:spcBef>
                 <a:spcPts val="1600"/>
               </a:spcBef>
@@ -3344,7 +3460,7 @@
               <a:buChar char="●"/>
               <a:defRPr sz="1200"/>
             </a:lvl7pPr>
-            <a:lvl8pPr indent="-304800" lvl="7" marL="3657600">
+            <a:lvl8pPr marL="3657600" lvl="7" indent="-304800">
               <a:spcBef>
                 <a:spcPts val="1600"/>
               </a:spcBef>
@@ -3355,7 +3471,7 @@
               <a:buChar char="○"/>
               <a:defRPr sz="1200"/>
             </a:lvl8pPr>
-            <a:lvl9pPr indent="-304800" lvl="8" marL="4114800">
+            <a:lvl9pPr marL="4114800" lvl="8" indent="-304800">
               <a:spcBef>
                 <a:spcPts val="1600"/>
               </a:spcBef>
@@ -3367,15 +3483,19 @@
               <a:defRPr sz="1200"/>
             </a:lvl9pPr>
           </a:lstStyle>
-          <a:p/>
+          <a:p>
+            <a:endParaRPr/>
+          </a:p>
         </p:txBody>
       </p:sp>
       <p:sp>
         <p:nvSpPr>
           <p:cNvPr id="29" name="Shape 29"/>
-          <p:cNvSpPr txBox="1"/>
+          <p:cNvSpPr txBox="1">
+            <a:spLocks noGrp="1"/>
+          </p:cNvSpPr>
           <p:nvPr>
-            <p:ph idx="2" type="body"/>
+            <p:ph type="body" idx="2"/>
           </p:nvPr>
         </p:nvSpPr>
         <p:spPr>
@@ -3388,9 +3508,9 @@
           </a:prstGeom>
         </p:spPr>
         <p:txBody>
-          <a:bodyPr anchorCtr="0" anchor="t" bIns="91425" lIns="91425" spcFirstLastPara="1" rIns="91425" wrap="square" tIns="91425"/>
+          <a:bodyPr spcFirstLastPara="1" wrap="square" lIns="91425" tIns="91425" rIns="91425" bIns="91425" anchor="t" anchorCtr="0"/>
           <a:lstStyle>
-            <a:lvl1pPr indent="-317500" lvl="0" marL="457200">
+            <a:lvl1pPr marL="457200" lvl="0" indent="-317500">
               <a:spcBef>
                 <a:spcPts val="0"/>
               </a:spcBef>
@@ -3401,7 +3521,7 @@
               <a:buChar char="●"/>
               <a:defRPr sz="1400"/>
             </a:lvl1pPr>
-            <a:lvl2pPr indent="-304800" lvl="1" marL="914400">
+            <a:lvl2pPr marL="914400" lvl="1" indent="-304800">
               <a:spcBef>
                 <a:spcPts val="1600"/>
               </a:spcBef>
@@ -3412,7 +3532,7 @@
               <a:buChar char="○"/>
               <a:defRPr sz="1200"/>
             </a:lvl2pPr>
-            <a:lvl3pPr indent="-304800" lvl="2" marL="1371600">
+            <a:lvl3pPr marL="1371600" lvl="2" indent="-304800">
               <a:spcBef>
                 <a:spcPts val="1600"/>
               </a:spcBef>
@@ -3423,7 +3543,7 @@
               <a:buChar char="■"/>
               <a:defRPr sz="1200"/>
             </a:lvl3pPr>
-            <a:lvl4pPr indent="-304800" lvl="3" marL="1828800">
+            <a:lvl4pPr marL="1828800" lvl="3" indent="-304800">
               <a:spcBef>
                 <a:spcPts val="1600"/>
               </a:spcBef>
@@ -3434,7 +3554,7 @@
               <a:buChar char="●"/>
               <a:defRPr sz="1200"/>
             </a:lvl4pPr>
-            <a:lvl5pPr indent="-304800" lvl="4" marL="2286000">
+            <a:lvl5pPr marL="2286000" lvl="4" indent="-304800">
               <a:spcBef>
                 <a:spcPts val="1600"/>
               </a:spcBef>
@@ -3445,7 +3565,7 @@
               <a:buChar char="○"/>
               <a:defRPr sz="1200"/>
             </a:lvl5pPr>
-            <a:lvl6pPr indent="-304800" lvl="5" marL="2743200">
+            <a:lvl6pPr marL="2743200" lvl="5" indent="-304800">
               <a:spcBef>
                 <a:spcPts val="1600"/>
               </a:spcBef>
@@ -3456,7 +3576,7 @@
               <a:buChar char="■"/>
               <a:defRPr sz="1200"/>
             </a:lvl6pPr>
-            <a:lvl7pPr indent="-304800" lvl="6" marL="3200400">
+            <a:lvl7pPr marL="3200400" lvl="6" indent="-304800">
               <a:spcBef>
                 <a:spcPts val="1600"/>
               </a:spcBef>
@@ -3467,7 +3587,7 @@
               <a:buChar char="●"/>
               <a:defRPr sz="1200"/>
             </a:lvl7pPr>
-            <a:lvl8pPr indent="-304800" lvl="7" marL="3657600">
+            <a:lvl8pPr marL="3657600" lvl="7" indent="-304800">
               <a:spcBef>
                 <a:spcPts val="1600"/>
               </a:spcBef>
@@ -3478,7 +3598,7 @@
               <a:buChar char="○"/>
               <a:defRPr sz="1200"/>
             </a:lvl8pPr>
-            <a:lvl9pPr indent="-304800" lvl="8" marL="4114800">
+            <a:lvl9pPr marL="4114800" lvl="8" indent="-304800">
               <a:spcBef>
                 <a:spcPts val="1600"/>
               </a:spcBef>
@@ -3490,15 +3610,19 @@
               <a:defRPr sz="1200"/>
             </a:lvl9pPr>
           </a:lstStyle>
-          <a:p/>
+          <a:p>
+            <a:endParaRPr/>
+          </a:p>
         </p:txBody>
       </p:sp>
       <p:sp>
         <p:nvSpPr>
           <p:cNvPr id="30" name="Shape 30"/>
-          <p:cNvSpPr txBox="1"/>
+          <p:cNvSpPr txBox="1">
+            <a:spLocks noGrp="1"/>
+          </p:cNvSpPr>
           <p:nvPr>
-            <p:ph idx="12" type="sldNum"/>
+            <p:ph type="sldNum" idx="12"/>
           </p:nvPr>
         </p:nvSpPr>
         <p:spPr>
@@ -3511,7 +3635,7 @@
           </a:prstGeom>
         </p:spPr>
         <p:txBody>
-          <a:bodyPr anchorCtr="0" anchor="ctr" bIns="91425" lIns="91425" spcFirstLastPara="1" rIns="91425" wrap="square" tIns="91425">
+          <a:bodyPr spcFirstLastPara="1" wrap="square" lIns="91425" tIns="91425" rIns="91425" bIns="91425" anchor="ctr" anchorCtr="0">
             <a:noAutofit/>
           </a:bodyPr>
           <a:lstStyle>
@@ -3553,7 +3677,7 @@
             </a:lvl9pPr>
           </a:lstStyle>
           <a:p>
-            <a:pPr indent="0" lvl="0" marL="0">
+            <a:pPr marL="0" lvl="0" indent="0">
               <a:spcBef>
                 <a:spcPts val="0"/>
               </a:spcBef>
@@ -3579,11 +3703,11 @@
 </file>
 
 <file path=ppt/slideLayouts/slideLayout5.xml><?xml version="1.0" encoding="utf-8"?>
-<p:sldLayout xmlns:a="http://schemas.openxmlformats.org/drawingml/2006/main" xmlns:r="http://schemas.openxmlformats.org/officeDocument/2006/relationships" xmlns:mc="http://schemas.openxmlformats.org/markup-compatibility/2006" xmlns:mv="urn:schemas-microsoft-com:mac:vml" xmlns:p="http://schemas.openxmlformats.org/presentationml/2006/main" xmlns:c="http://schemas.openxmlformats.org/drawingml/2006/chart" xmlns:dgm="http://schemas.openxmlformats.org/drawingml/2006/diagram" xmlns:o="urn:schemas-microsoft-com:office:office" xmlns:v="urn:schemas-microsoft-com:vml" xmlns:pvml="urn:schemas-microsoft-com:office:powerpoint" xmlns:com="http://schemas.openxmlformats.org/drawingml/2006/compatibility" xmlns:p14="http://schemas.microsoft.com/office/powerpoint/2010/main" xmlns:p15="http://schemas.microsoft.com/office/powerpoint/2012/main" matchingName="Title only" type="titleOnly">
+<p:sldLayout xmlns:a="http://schemas.openxmlformats.org/drawingml/2006/main" xmlns:r="http://schemas.openxmlformats.org/officeDocument/2006/relationships" xmlns:p="http://schemas.openxmlformats.org/presentationml/2006/main" matchingName="Title only" type="titleOnly">
   <p:cSld name="TITLE_ONLY">
     <p:spTree>
       <p:nvGrpSpPr>
-        <p:cNvPr id="31" name="Shape 31"/>
+        <p:cNvPr id="1" name="Shape 31"/>
         <p:cNvGrpSpPr/>
         <p:nvPr/>
       </p:nvGrpSpPr>
@@ -3598,7 +3722,9 @@
       <p:sp>
         <p:nvSpPr>
           <p:cNvPr id="32" name="Shape 32"/>
-          <p:cNvSpPr txBox="1"/>
+          <p:cNvSpPr txBox="1">
+            <a:spLocks noGrp="1"/>
+          </p:cNvSpPr>
           <p:nvPr>
             <p:ph type="title"/>
           </p:nvPr>
@@ -3613,7 +3739,7 @@
           </a:prstGeom>
         </p:spPr>
         <p:txBody>
-          <a:bodyPr anchorCtr="0" anchor="b" bIns="91425" lIns="91425" spcFirstLastPara="1" rIns="91425" wrap="square" tIns="91425"/>
+          <a:bodyPr spcFirstLastPara="1" wrap="square" lIns="91425" tIns="91425" rIns="91425" bIns="91425" anchor="b" anchorCtr="0"/>
           <a:lstStyle>
             <a:lvl1pPr lvl="0">
               <a:spcBef>
@@ -3715,15 +3841,19 @@
               <a:defRPr/>
             </a:lvl9pPr>
           </a:lstStyle>
-          <a:p/>
+          <a:p>
+            <a:endParaRPr/>
+          </a:p>
         </p:txBody>
       </p:sp>
       <p:sp>
         <p:nvSpPr>
           <p:cNvPr id="33" name="Shape 33"/>
-          <p:cNvSpPr txBox="1"/>
+          <p:cNvSpPr txBox="1">
+            <a:spLocks noGrp="1"/>
+          </p:cNvSpPr>
           <p:nvPr>
-            <p:ph idx="12" type="sldNum"/>
+            <p:ph type="sldNum" idx="12"/>
           </p:nvPr>
         </p:nvSpPr>
         <p:spPr>
@@ -3736,7 +3866,7 @@
           </a:prstGeom>
         </p:spPr>
         <p:txBody>
-          <a:bodyPr anchorCtr="0" anchor="ctr" bIns="91425" lIns="91425" spcFirstLastPara="1" rIns="91425" wrap="square" tIns="91425">
+          <a:bodyPr spcFirstLastPara="1" wrap="square" lIns="91425" tIns="91425" rIns="91425" bIns="91425" anchor="ctr" anchorCtr="0">
             <a:noAutofit/>
           </a:bodyPr>
           <a:lstStyle>
@@ -3778,7 +3908,7 @@
             </a:lvl9pPr>
           </a:lstStyle>
           <a:p>
-            <a:pPr indent="0" lvl="0" marL="0">
+            <a:pPr marL="0" lvl="0" indent="0">
               <a:spcBef>
                 <a:spcPts val="0"/>
               </a:spcBef>
@@ -3804,11 +3934,11 @@
 </file>
 
 <file path=ppt/slideLayouts/slideLayout6.xml><?xml version="1.0" encoding="utf-8"?>
-<p:sldLayout xmlns:a="http://schemas.openxmlformats.org/drawingml/2006/main" xmlns:r="http://schemas.openxmlformats.org/officeDocument/2006/relationships" xmlns:mc="http://schemas.openxmlformats.org/markup-compatibility/2006" xmlns:mv="urn:schemas-microsoft-com:mac:vml" xmlns:p="http://schemas.openxmlformats.org/presentationml/2006/main" xmlns:c="http://schemas.openxmlformats.org/drawingml/2006/chart" xmlns:dgm="http://schemas.openxmlformats.org/drawingml/2006/diagram" xmlns:o="urn:schemas-microsoft-com:office:office" xmlns:v="urn:schemas-microsoft-com:vml" xmlns:pvml="urn:schemas-microsoft-com:office:powerpoint" xmlns:com="http://schemas.openxmlformats.org/drawingml/2006/compatibility" xmlns:p14="http://schemas.microsoft.com/office/powerpoint/2010/main" xmlns:p15="http://schemas.microsoft.com/office/powerpoint/2012/main" matchingName="One column text">
+<p:sldLayout xmlns:a="http://schemas.openxmlformats.org/drawingml/2006/main" xmlns:r="http://schemas.openxmlformats.org/officeDocument/2006/relationships" xmlns:p="http://schemas.openxmlformats.org/presentationml/2006/main" matchingName="One column text">
   <p:cSld name="ONE_COLUMN_TEXT">
     <p:spTree>
       <p:nvGrpSpPr>
-        <p:cNvPr id="34" name="Shape 34"/>
+        <p:cNvPr id="1" name="Shape 34"/>
         <p:cNvGrpSpPr/>
         <p:nvPr/>
       </p:nvGrpSpPr>
@@ -3835,21 +3965,23 @@
             <a:avLst/>
           </a:prstGeom>
           <a:noFill/>
-          <a:ln cap="flat" cmpd="sng" w="38100">
+          <a:ln w="38100" cap="flat" cmpd="sng">
             <a:solidFill>
               <a:schemeClr val="accent4"/>
             </a:solidFill>
             <a:prstDash val="solid"/>
             <a:round/>
-            <a:headEnd len="sm" w="sm" type="none"/>
-            <a:tailEnd len="sm" w="sm" type="none"/>
+            <a:headEnd type="none" w="sm" len="sm"/>
+            <a:tailEnd type="none" w="sm" len="sm"/>
           </a:ln>
         </p:spPr>
       </p:cxnSp>
       <p:sp>
         <p:nvSpPr>
           <p:cNvPr id="36" name="Shape 36"/>
-          <p:cNvSpPr txBox="1"/>
+          <p:cNvSpPr txBox="1">
+            <a:spLocks noGrp="1"/>
+          </p:cNvSpPr>
           <p:nvPr>
             <p:ph type="title"/>
           </p:nvPr>
@@ -3864,7 +3996,7 @@
           </a:prstGeom>
         </p:spPr>
         <p:txBody>
-          <a:bodyPr anchorCtr="0" anchor="b" bIns="91425" lIns="91425" spcFirstLastPara="1" rIns="91425" wrap="square" tIns="91425"/>
+          <a:bodyPr spcFirstLastPara="1" wrap="square" lIns="91425" tIns="91425" rIns="91425" bIns="91425" anchor="b" anchorCtr="0"/>
           <a:lstStyle>
             <a:lvl1pPr lvl="0">
               <a:spcBef>
@@ -3966,15 +4098,19 @@
               <a:defRPr sz="2400"/>
             </a:lvl9pPr>
           </a:lstStyle>
-          <a:p/>
+          <a:p>
+            <a:endParaRPr/>
+          </a:p>
         </p:txBody>
       </p:sp>
       <p:sp>
         <p:nvSpPr>
           <p:cNvPr id="37" name="Shape 37"/>
-          <p:cNvSpPr txBox="1"/>
+          <p:cNvSpPr txBox="1">
+            <a:spLocks noGrp="1"/>
+          </p:cNvSpPr>
           <p:nvPr>
-            <p:ph idx="1" type="body"/>
+            <p:ph type="body" idx="1"/>
           </p:nvPr>
         </p:nvSpPr>
         <p:spPr>
@@ -3987,9 +4123,9 @@
           </a:prstGeom>
         </p:spPr>
         <p:txBody>
-          <a:bodyPr anchorCtr="0" anchor="t" bIns="91425" lIns="91425" spcFirstLastPara="1" rIns="91425" wrap="square" tIns="91425"/>
+          <a:bodyPr spcFirstLastPara="1" wrap="square" lIns="91425" tIns="91425" rIns="91425" bIns="91425" anchor="t" anchorCtr="0"/>
           <a:lstStyle>
-            <a:lvl1pPr indent="-304800" lvl="0" marL="457200">
+            <a:lvl1pPr marL="457200" lvl="0" indent="-304800">
               <a:spcBef>
                 <a:spcPts val="0"/>
               </a:spcBef>
@@ -4000,7 +4136,7 @@
               <a:buChar char="●"/>
               <a:defRPr sz="1200"/>
             </a:lvl1pPr>
-            <a:lvl2pPr indent="-304800" lvl="1" marL="914400">
+            <a:lvl2pPr marL="914400" lvl="1" indent="-304800">
               <a:spcBef>
                 <a:spcPts val="1600"/>
               </a:spcBef>
@@ -4011,7 +4147,7 @@
               <a:buChar char="○"/>
               <a:defRPr sz="1200"/>
             </a:lvl2pPr>
-            <a:lvl3pPr indent="-304800" lvl="2" marL="1371600">
+            <a:lvl3pPr marL="1371600" lvl="2" indent="-304800">
               <a:spcBef>
                 <a:spcPts val="1600"/>
               </a:spcBef>
@@ -4022,7 +4158,7 @@
               <a:buChar char="■"/>
               <a:defRPr sz="1200"/>
             </a:lvl3pPr>
-            <a:lvl4pPr indent="-304800" lvl="3" marL="1828800">
+            <a:lvl4pPr marL="1828800" lvl="3" indent="-304800">
               <a:spcBef>
                 <a:spcPts val="1600"/>
               </a:spcBef>
@@ -4033,7 +4169,7 @@
               <a:buChar char="●"/>
               <a:defRPr sz="1200"/>
             </a:lvl4pPr>
-            <a:lvl5pPr indent="-304800" lvl="4" marL="2286000">
+            <a:lvl5pPr marL="2286000" lvl="4" indent="-304800">
               <a:spcBef>
                 <a:spcPts val="1600"/>
               </a:spcBef>
@@ -4044,7 +4180,7 @@
               <a:buChar char="○"/>
               <a:defRPr sz="1200"/>
             </a:lvl5pPr>
-            <a:lvl6pPr indent="-304800" lvl="5" marL="2743200">
+            <a:lvl6pPr marL="2743200" lvl="5" indent="-304800">
               <a:spcBef>
                 <a:spcPts val="1600"/>
               </a:spcBef>
@@ -4055,7 +4191,7 @@
               <a:buChar char="■"/>
               <a:defRPr sz="1200"/>
             </a:lvl6pPr>
-            <a:lvl7pPr indent="-304800" lvl="6" marL="3200400">
+            <a:lvl7pPr marL="3200400" lvl="6" indent="-304800">
               <a:spcBef>
                 <a:spcPts val="1600"/>
               </a:spcBef>
@@ -4066,7 +4202,7 @@
               <a:buChar char="●"/>
               <a:defRPr sz="1200"/>
             </a:lvl7pPr>
-            <a:lvl8pPr indent="-304800" lvl="7" marL="3657600">
+            <a:lvl8pPr marL="3657600" lvl="7" indent="-304800">
               <a:spcBef>
                 <a:spcPts val="1600"/>
               </a:spcBef>
@@ -4077,7 +4213,7 @@
               <a:buChar char="○"/>
               <a:defRPr sz="1200"/>
             </a:lvl8pPr>
-            <a:lvl9pPr indent="-304800" lvl="8" marL="4114800">
+            <a:lvl9pPr marL="4114800" lvl="8" indent="-304800">
               <a:spcBef>
                 <a:spcPts val="1600"/>
               </a:spcBef>
@@ -4089,15 +4225,19 @@
               <a:defRPr sz="1200"/>
             </a:lvl9pPr>
           </a:lstStyle>
-          <a:p/>
+          <a:p>
+            <a:endParaRPr/>
+          </a:p>
         </p:txBody>
       </p:sp>
       <p:sp>
         <p:nvSpPr>
           <p:cNvPr id="38" name="Shape 38"/>
-          <p:cNvSpPr txBox="1"/>
+          <p:cNvSpPr txBox="1">
+            <a:spLocks noGrp="1"/>
+          </p:cNvSpPr>
           <p:nvPr>
-            <p:ph idx="12" type="sldNum"/>
+            <p:ph type="sldNum" idx="12"/>
           </p:nvPr>
         </p:nvSpPr>
         <p:spPr>
@@ -4110,7 +4250,7 @@
           </a:prstGeom>
         </p:spPr>
         <p:txBody>
-          <a:bodyPr anchorCtr="0" anchor="ctr" bIns="91425" lIns="91425" spcFirstLastPara="1" rIns="91425" wrap="square" tIns="91425">
+          <a:bodyPr spcFirstLastPara="1" wrap="square" lIns="91425" tIns="91425" rIns="91425" bIns="91425" anchor="ctr" anchorCtr="0">
             <a:noAutofit/>
           </a:bodyPr>
           <a:lstStyle>
@@ -4152,7 +4292,7 @@
             </a:lvl9pPr>
           </a:lstStyle>
           <a:p>
-            <a:pPr indent="0" lvl="0" marL="0">
+            <a:pPr marL="0" lvl="0" indent="0">
               <a:spcBef>
                 <a:spcPts val="0"/>
               </a:spcBef>
@@ -4178,11 +4318,11 @@
 </file>
 
 <file path=ppt/slideLayouts/slideLayout7.xml><?xml version="1.0" encoding="utf-8"?>
-<p:sldLayout xmlns:a="http://schemas.openxmlformats.org/drawingml/2006/main" xmlns:r="http://schemas.openxmlformats.org/officeDocument/2006/relationships" xmlns:mc="http://schemas.openxmlformats.org/markup-compatibility/2006" xmlns:mv="urn:schemas-microsoft-com:mac:vml" xmlns:p="http://schemas.openxmlformats.org/presentationml/2006/main" xmlns:c="http://schemas.openxmlformats.org/drawingml/2006/chart" xmlns:dgm="http://schemas.openxmlformats.org/drawingml/2006/diagram" xmlns:o="urn:schemas-microsoft-com:office:office" xmlns:v="urn:schemas-microsoft-com:vml" xmlns:pvml="urn:schemas-microsoft-com:office:powerpoint" xmlns:com="http://schemas.openxmlformats.org/drawingml/2006/compatibility" xmlns:p14="http://schemas.microsoft.com/office/powerpoint/2010/main" xmlns:p15="http://schemas.microsoft.com/office/powerpoint/2012/main" matchingName="Main point">
+<p:sldLayout xmlns:a="http://schemas.openxmlformats.org/drawingml/2006/main" xmlns:r="http://schemas.openxmlformats.org/officeDocument/2006/relationships" xmlns:p="http://schemas.openxmlformats.org/presentationml/2006/main" matchingName="Main point">
   <p:cSld name="MAIN_POINT">
     <p:spTree>
       <p:nvGrpSpPr>
-        <p:cNvPr id="39" name="Shape 39"/>
+        <p:cNvPr id="1" name="Shape 39"/>
         <p:cNvGrpSpPr/>
         <p:nvPr/>
       </p:nvGrpSpPr>
@@ -4197,7 +4337,9 @@
       <p:sp>
         <p:nvSpPr>
           <p:cNvPr id="40" name="Shape 40"/>
-          <p:cNvSpPr txBox="1"/>
+          <p:cNvSpPr txBox="1">
+            <a:spLocks noGrp="1"/>
+          </p:cNvSpPr>
           <p:nvPr>
             <p:ph type="title"/>
           </p:nvPr>
@@ -4212,7 +4354,7 @@
           </a:prstGeom>
         </p:spPr>
         <p:txBody>
-          <a:bodyPr anchorCtr="0" anchor="ctr" bIns="91425" lIns="91425" spcFirstLastPara="1" rIns="91425" wrap="square" tIns="91425"/>
+          <a:bodyPr spcFirstLastPara="1" wrap="square" lIns="91425" tIns="91425" rIns="91425" bIns="91425" anchor="ctr" anchorCtr="0"/>
           <a:lstStyle>
             <a:lvl1pPr lvl="0">
               <a:spcBef>
@@ -4314,15 +4456,19 @@
               <a:defRPr sz="4800"/>
             </a:lvl9pPr>
           </a:lstStyle>
-          <a:p/>
+          <a:p>
+            <a:endParaRPr/>
+          </a:p>
         </p:txBody>
       </p:sp>
       <p:sp>
         <p:nvSpPr>
           <p:cNvPr id="41" name="Shape 41"/>
-          <p:cNvSpPr txBox="1"/>
+          <p:cNvSpPr txBox="1">
+            <a:spLocks noGrp="1"/>
+          </p:cNvSpPr>
           <p:nvPr>
-            <p:ph idx="12" type="sldNum"/>
+            <p:ph type="sldNum" idx="12"/>
           </p:nvPr>
         </p:nvSpPr>
         <p:spPr>
@@ -4335,7 +4481,7 @@
           </a:prstGeom>
         </p:spPr>
         <p:txBody>
-          <a:bodyPr anchorCtr="0" anchor="ctr" bIns="91425" lIns="91425" spcFirstLastPara="1" rIns="91425" wrap="square" tIns="91425">
+          <a:bodyPr spcFirstLastPara="1" wrap="square" lIns="91425" tIns="91425" rIns="91425" bIns="91425" anchor="ctr" anchorCtr="0">
             <a:noAutofit/>
           </a:bodyPr>
           <a:lstStyle>
@@ -4377,7 +4523,7 @@
             </a:lvl9pPr>
           </a:lstStyle>
           <a:p>
-            <a:pPr indent="0" lvl="0" marL="0">
+            <a:pPr marL="0" lvl="0" indent="0">
               <a:spcBef>
                 <a:spcPts val="0"/>
               </a:spcBef>
@@ -4403,11 +4549,11 @@
 </file>
 
 <file path=ppt/slideLayouts/slideLayout8.xml><?xml version="1.0" encoding="utf-8"?>
-<p:sldLayout xmlns:a="http://schemas.openxmlformats.org/drawingml/2006/main" xmlns:r="http://schemas.openxmlformats.org/officeDocument/2006/relationships" xmlns:mc="http://schemas.openxmlformats.org/markup-compatibility/2006" xmlns:mv="urn:schemas-microsoft-com:mac:vml" xmlns:p="http://schemas.openxmlformats.org/presentationml/2006/main" xmlns:c="http://schemas.openxmlformats.org/drawingml/2006/chart" xmlns:dgm="http://schemas.openxmlformats.org/drawingml/2006/diagram" xmlns:o="urn:schemas-microsoft-com:office:office" xmlns:v="urn:schemas-microsoft-com:vml" xmlns:pvml="urn:schemas-microsoft-com:office:powerpoint" xmlns:com="http://schemas.openxmlformats.org/drawingml/2006/compatibility" xmlns:p14="http://schemas.microsoft.com/office/powerpoint/2010/main" xmlns:p15="http://schemas.microsoft.com/office/powerpoint/2012/main" matchingName="Section title and description">
+<p:sldLayout xmlns:a="http://schemas.openxmlformats.org/drawingml/2006/main" xmlns:r="http://schemas.openxmlformats.org/officeDocument/2006/relationships" xmlns:p="http://schemas.openxmlformats.org/presentationml/2006/main" matchingName="Section title and description">
   <p:cSld name="SECTION_TITLE_AND_DESCRIPTION">
     <p:spTree>
       <p:nvGrpSpPr>
-        <p:cNvPr id="42" name="Shape 42"/>
+        <p:cNvPr id="1" name="Shape 42"/>
         <p:cNvGrpSpPr/>
         <p:nvPr/>
       </p:nvGrpSpPr>
@@ -4441,12 +4587,12 @@
           </a:ln>
         </p:spPr>
         <p:txBody>
-          <a:bodyPr anchorCtr="0" anchor="ctr" bIns="91425" lIns="91425" spcFirstLastPara="1" rIns="91425" wrap="square" tIns="91425">
+          <a:bodyPr spcFirstLastPara="1" wrap="square" lIns="91425" tIns="91425" rIns="91425" bIns="91425" anchor="ctr" anchorCtr="0">
             <a:noAutofit/>
           </a:bodyPr>
           <a:lstStyle/>
           <a:p>
-            <a:pPr indent="0" lvl="0" marL="0">
+            <a:pPr marL="0" lvl="0" indent="0">
               <a:spcBef>
                 <a:spcPts val="0"/>
               </a:spcBef>
@@ -4455,9 +4601,6 @@
               </a:spcAft>
               <a:buNone/>
             </a:pPr>
-            <a:r>
-              <a:t/>
-            </a:r>
             <a:endParaRPr/>
           </a:p>
         </p:txBody>
@@ -4477,21 +4620,23 @@
             <a:avLst/>
           </a:prstGeom>
           <a:noFill/>
-          <a:ln cap="flat" cmpd="sng" w="38100">
+          <a:ln w="38100" cap="flat" cmpd="sng">
             <a:solidFill>
               <a:schemeClr val="accent5"/>
             </a:solidFill>
             <a:prstDash val="solid"/>
             <a:round/>
-            <a:headEnd len="sm" w="sm" type="none"/>
-            <a:tailEnd len="sm" w="sm" type="none"/>
+            <a:headEnd type="none" w="sm" len="sm"/>
+            <a:tailEnd type="none" w="sm" len="sm"/>
           </a:ln>
         </p:spPr>
       </p:cxnSp>
       <p:sp>
         <p:nvSpPr>
           <p:cNvPr id="45" name="Shape 45"/>
-          <p:cNvSpPr txBox="1"/>
+          <p:cNvSpPr txBox="1">
+            <a:spLocks noGrp="1"/>
+          </p:cNvSpPr>
           <p:nvPr>
             <p:ph type="title"/>
           </p:nvPr>
@@ -4506,7 +4651,7 @@
           </a:prstGeom>
         </p:spPr>
         <p:txBody>
-          <a:bodyPr anchorCtr="0" anchor="b" bIns="91425" lIns="91425" spcFirstLastPara="1" rIns="91425" wrap="square" tIns="91425"/>
+          <a:bodyPr spcFirstLastPara="1" wrap="square" lIns="91425" tIns="91425" rIns="91425" bIns="91425" anchor="b" anchorCtr="0"/>
           <a:lstStyle>
             <a:lvl1pPr lvl="0" algn="ctr">
               <a:spcBef>
@@ -4608,15 +4753,19 @@
               <a:defRPr sz="3800"/>
             </a:lvl9pPr>
           </a:lstStyle>
-          <a:p/>
+          <a:p>
+            <a:endParaRPr/>
+          </a:p>
         </p:txBody>
       </p:sp>
       <p:sp>
         <p:nvSpPr>
           <p:cNvPr id="46" name="Shape 46"/>
-          <p:cNvSpPr txBox="1"/>
+          <p:cNvSpPr txBox="1">
+            <a:spLocks noGrp="1"/>
+          </p:cNvSpPr>
           <p:nvPr>
-            <p:ph idx="1" type="subTitle"/>
+            <p:ph type="subTitle" idx="1"/>
           </p:nvPr>
         </p:nvSpPr>
         <p:spPr>
@@ -4629,7 +4778,7 @@
           </a:prstGeom>
         </p:spPr>
         <p:txBody>
-          <a:bodyPr anchorCtr="0" anchor="t" bIns="91425" lIns="91425" spcFirstLastPara="1" rIns="91425" wrap="square" tIns="91425"/>
+          <a:bodyPr spcFirstLastPara="1" wrap="square" lIns="91425" tIns="91425" rIns="91425" bIns="91425" anchor="t" anchorCtr="0"/>
           <a:lstStyle>
             <a:lvl1pPr lvl="0" algn="ctr">
               <a:lnSpc>
@@ -4821,15 +4970,19 @@
               </a:defRPr>
             </a:lvl9pPr>
           </a:lstStyle>
-          <a:p/>
+          <a:p>
+            <a:endParaRPr/>
+          </a:p>
         </p:txBody>
       </p:sp>
       <p:sp>
         <p:nvSpPr>
           <p:cNvPr id="47" name="Shape 47"/>
-          <p:cNvSpPr txBox="1"/>
+          <p:cNvSpPr txBox="1">
+            <a:spLocks noGrp="1"/>
+          </p:cNvSpPr>
           <p:nvPr>
-            <p:ph idx="2" type="body"/>
+            <p:ph type="body" idx="2"/>
           </p:nvPr>
         </p:nvSpPr>
         <p:spPr>
@@ -4842,9 +4995,9 @@
           </a:prstGeom>
         </p:spPr>
         <p:txBody>
-          <a:bodyPr anchorCtr="0" anchor="ctr" bIns="91425" lIns="91425" spcFirstLastPara="1" rIns="91425" wrap="square" tIns="91425"/>
+          <a:bodyPr spcFirstLastPara="1" wrap="square" lIns="91425" tIns="91425" rIns="91425" bIns="91425" anchor="ctr" anchorCtr="0"/>
           <a:lstStyle>
-            <a:lvl1pPr indent="-342900" lvl="0" marL="457200">
+            <a:lvl1pPr marL="457200" lvl="0" indent="-342900">
               <a:spcBef>
                 <a:spcPts val="0"/>
               </a:spcBef>
@@ -4855,7 +5008,7 @@
               <a:buChar char="●"/>
               <a:defRPr/>
             </a:lvl1pPr>
-            <a:lvl2pPr indent="-317500" lvl="1" marL="914400">
+            <a:lvl2pPr marL="914400" lvl="1" indent="-317500">
               <a:spcBef>
                 <a:spcPts val="1600"/>
               </a:spcBef>
@@ -4866,7 +5019,7 @@
               <a:buChar char="○"/>
               <a:defRPr/>
             </a:lvl2pPr>
-            <a:lvl3pPr indent="-317500" lvl="2" marL="1371600">
+            <a:lvl3pPr marL="1371600" lvl="2" indent="-317500">
               <a:spcBef>
                 <a:spcPts val="1600"/>
               </a:spcBef>
@@ -4877,7 +5030,7 @@
               <a:buChar char="■"/>
               <a:defRPr/>
             </a:lvl3pPr>
-            <a:lvl4pPr indent="-317500" lvl="3" marL="1828800">
+            <a:lvl4pPr marL="1828800" lvl="3" indent="-317500">
               <a:spcBef>
                 <a:spcPts val="1600"/>
               </a:spcBef>
@@ -4888,7 +5041,7 @@
               <a:buChar char="●"/>
               <a:defRPr/>
             </a:lvl4pPr>
-            <a:lvl5pPr indent="-317500" lvl="4" marL="2286000">
+            <a:lvl5pPr marL="2286000" lvl="4" indent="-317500">
               <a:spcBef>
                 <a:spcPts val="1600"/>
               </a:spcBef>
@@ -4899,7 +5052,7 @@
               <a:buChar char="○"/>
               <a:defRPr/>
             </a:lvl5pPr>
-            <a:lvl6pPr indent="-317500" lvl="5" marL="2743200">
+            <a:lvl6pPr marL="2743200" lvl="5" indent="-317500">
               <a:spcBef>
                 <a:spcPts val="1600"/>
               </a:spcBef>
@@ -4910,7 +5063,7 @@
               <a:buChar char="■"/>
               <a:defRPr/>
             </a:lvl6pPr>
-            <a:lvl7pPr indent="-317500" lvl="6" marL="3200400">
+            <a:lvl7pPr marL="3200400" lvl="6" indent="-317500">
               <a:spcBef>
                 <a:spcPts val="1600"/>
               </a:spcBef>
@@ -4921,7 +5074,7 @@
               <a:buChar char="●"/>
               <a:defRPr/>
             </a:lvl7pPr>
-            <a:lvl8pPr indent="-317500" lvl="7" marL="3657600">
+            <a:lvl8pPr marL="3657600" lvl="7" indent="-317500">
               <a:spcBef>
                 <a:spcPts val="1600"/>
               </a:spcBef>
@@ -4932,7 +5085,7 @@
               <a:buChar char="○"/>
               <a:defRPr/>
             </a:lvl8pPr>
-            <a:lvl9pPr indent="-317500" lvl="8" marL="4114800">
+            <a:lvl9pPr marL="4114800" lvl="8" indent="-317500">
               <a:spcBef>
                 <a:spcPts val="1600"/>
               </a:spcBef>
@@ -4944,15 +5097,19 @@
               <a:defRPr/>
             </a:lvl9pPr>
           </a:lstStyle>
-          <a:p/>
+          <a:p>
+            <a:endParaRPr/>
+          </a:p>
         </p:txBody>
       </p:sp>
       <p:sp>
         <p:nvSpPr>
           <p:cNvPr id="48" name="Shape 48"/>
-          <p:cNvSpPr txBox="1"/>
+          <p:cNvSpPr txBox="1">
+            <a:spLocks noGrp="1"/>
+          </p:cNvSpPr>
           <p:nvPr>
-            <p:ph idx="12" type="sldNum"/>
+            <p:ph type="sldNum" idx="12"/>
           </p:nvPr>
         </p:nvSpPr>
         <p:spPr>
@@ -4965,7 +5122,7 @@
           </a:prstGeom>
         </p:spPr>
         <p:txBody>
-          <a:bodyPr anchorCtr="0" anchor="ctr" bIns="91425" lIns="91425" spcFirstLastPara="1" rIns="91425" wrap="square" tIns="91425">
+          <a:bodyPr spcFirstLastPara="1" wrap="square" lIns="91425" tIns="91425" rIns="91425" bIns="91425" anchor="ctr" anchorCtr="0">
             <a:noAutofit/>
           </a:bodyPr>
           <a:lstStyle>
@@ -5007,7 +5164,7 @@
             </a:lvl9pPr>
           </a:lstStyle>
           <a:p>
-            <a:pPr indent="0" lvl="0" marL="0">
+            <a:pPr marL="0" lvl="0" indent="0">
               <a:spcBef>
                 <a:spcPts val="0"/>
               </a:spcBef>
@@ -5033,11 +5190,11 @@
 </file>
 
 <file path=ppt/slideLayouts/slideLayout9.xml><?xml version="1.0" encoding="utf-8"?>
-<p:sldLayout xmlns:a="http://schemas.openxmlformats.org/drawingml/2006/main" xmlns:r="http://schemas.openxmlformats.org/officeDocument/2006/relationships" xmlns:mc="http://schemas.openxmlformats.org/markup-compatibility/2006" xmlns:mv="urn:schemas-microsoft-com:mac:vml" xmlns:p="http://schemas.openxmlformats.org/presentationml/2006/main" xmlns:c="http://schemas.openxmlformats.org/drawingml/2006/chart" xmlns:dgm="http://schemas.openxmlformats.org/drawingml/2006/diagram" xmlns:o="urn:schemas-microsoft-com:office:office" xmlns:v="urn:schemas-microsoft-com:vml" xmlns:pvml="urn:schemas-microsoft-com:office:powerpoint" xmlns:com="http://schemas.openxmlformats.org/drawingml/2006/compatibility" xmlns:p14="http://schemas.microsoft.com/office/powerpoint/2010/main" xmlns:p15="http://schemas.microsoft.com/office/powerpoint/2012/main" matchingName="Caption">
+<p:sldLayout xmlns:a="http://schemas.openxmlformats.org/drawingml/2006/main" xmlns:r="http://schemas.openxmlformats.org/officeDocument/2006/relationships" xmlns:p="http://schemas.openxmlformats.org/presentationml/2006/main" matchingName="Caption">
   <p:cSld name="CAPTION_ONLY">
     <p:spTree>
       <p:nvGrpSpPr>
-        <p:cNvPr id="49" name="Shape 49"/>
+        <p:cNvPr id="1" name="Shape 49"/>
         <p:cNvGrpSpPr/>
         <p:nvPr/>
       </p:nvGrpSpPr>
@@ -5052,9 +5209,11 @@
       <p:sp>
         <p:nvSpPr>
           <p:cNvPr id="50" name="Shape 50"/>
-          <p:cNvSpPr txBox="1"/>
+          <p:cNvSpPr txBox="1">
+            <a:spLocks noGrp="1"/>
+          </p:cNvSpPr>
           <p:nvPr>
-            <p:ph idx="1" type="body"/>
+            <p:ph type="body" idx="1"/>
           </p:nvPr>
         </p:nvSpPr>
         <p:spPr>
@@ -5067,9 +5226,9 @@
           </a:prstGeom>
         </p:spPr>
         <p:txBody>
-          <a:bodyPr anchorCtr="0" anchor="ctr" bIns="91425" lIns="91425" spcFirstLastPara="1" rIns="91425" wrap="square" tIns="91425"/>
+          <a:bodyPr spcFirstLastPara="1" wrap="square" lIns="91425" tIns="91425" rIns="91425" bIns="91425" anchor="ctr" anchorCtr="0"/>
           <a:lstStyle>
-            <a:lvl1pPr indent="-228600" lvl="0" marL="457200">
+            <a:lvl1pPr marL="457200" lvl="0" indent="-228600">
               <a:lnSpc>
                 <a:spcPct val="100000"/>
               </a:lnSpc>
@@ -5090,15 +5249,19 @@
               </a:defRPr>
             </a:lvl1pPr>
           </a:lstStyle>
-          <a:p/>
+          <a:p>
+            <a:endParaRPr/>
+          </a:p>
         </p:txBody>
       </p:sp>
       <p:sp>
         <p:nvSpPr>
           <p:cNvPr id="51" name="Shape 51"/>
-          <p:cNvSpPr txBox="1"/>
+          <p:cNvSpPr txBox="1">
+            <a:spLocks noGrp="1"/>
+          </p:cNvSpPr>
           <p:nvPr>
-            <p:ph idx="12" type="sldNum"/>
+            <p:ph type="sldNum" idx="12"/>
           </p:nvPr>
         </p:nvSpPr>
         <p:spPr>
@@ -5111,7 +5274,7 @@
           </a:prstGeom>
         </p:spPr>
         <p:txBody>
-          <a:bodyPr anchorCtr="0" anchor="ctr" bIns="91425" lIns="91425" spcFirstLastPara="1" rIns="91425" wrap="square" tIns="91425">
+          <a:bodyPr spcFirstLastPara="1" wrap="square" lIns="91425" tIns="91425" rIns="91425" bIns="91425" anchor="ctr" anchorCtr="0">
             <a:noAutofit/>
           </a:bodyPr>
           <a:lstStyle>
@@ -5153,7 +5316,7 @@
             </a:lvl9pPr>
           </a:lstStyle>
           <a:p>
-            <a:pPr indent="0" lvl="0" marL="0">
+            <a:pPr marL="0" lvl="0" indent="0">
               <a:spcBef>
                 <a:spcPts val="0"/>
               </a:spcBef>
@@ -5179,18 +5342,19 @@
 </file>
 
 <file path=ppt/slideMasters/slideMaster1.xml><?xml version="1.0" encoding="utf-8"?>
-<p:sldMaster xmlns:a="http://schemas.openxmlformats.org/drawingml/2006/main" xmlns:r="http://schemas.openxmlformats.org/officeDocument/2006/relationships" xmlns:mc="http://schemas.openxmlformats.org/markup-compatibility/2006" xmlns:mv="urn:schemas-microsoft-com:mac:vml" xmlns:p="http://schemas.openxmlformats.org/presentationml/2006/main" xmlns:c="http://schemas.openxmlformats.org/drawingml/2006/chart" xmlns:dgm="http://schemas.openxmlformats.org/drawingml/2006/diagram" xmlns:o="urn:schemas-microsoft-com:office:office" xmlns:v="urn:schemas-microsoft-com:vml" xmlns:pvml="urn:schemas-microsoft-com:office:powerpoint" xmlns:com="http://schemas.openxmlformats.org/drawingml/2006/compatibility" xmlns:p14="http://schemas.microsoft.com/office/powerpoint/2010/main" xmlns:p15="http://schemas.microsoft.com/office/powerpoint/2012/main">
+<p:sldMaster xmlns:a="http://schemas.openxmlformats.org/drawingml/2006/main" xmlns:r="http://schemas.openxmlformats.org/officeDocument/2006/relationships" xmlns:p="http://schemas.openxmlformats.org/presentationml/2006/main">
   <p:cSld name="marina">
     <p:bg>
       <p:bgPr>
         <a:solidFill>
           <a:schemeClr val="lt1"/>
         </a:solidFill>
+        <a:effectLst/>
       </p:bgPr>
     </p:bg>
     <p:spTree>
       <p:nvGrpSpPr>
-        <p:cNvPr id="5" name="Shape 5"/>
+        <p:cNvPr id="1" name="Shape 5"/>
         <p:cNvGrpSpPr/>
         <p:nvPr/>
       </p:nvGrpSpPr>
@@ -5205,7 +5369,9 @@
       <p:sp>
         <p:nvSpPr>
           <p:cNvPr id="6" name="Shape 6"/>
-          <p:cNvSpPr txBox="1"/>
+          <p:cNvSpPr txBox="1">
+            <a:spLocks noGrp="1"/>
+          </p:cNvSpPr>
           <p:nvPr>
             <p:ph type="title"/>
           </p:nvPr>
@@ -5224,7 +5390,7 @@
           </a:ln>
         </p:spPr>
         <p:txBody>
-          <a:bodyPr anchorCtr="0" anchor="b" bIns="91425" lIns="91425" spcFirstLastPara="1" rIns="91425" wrap="square" tIns="91425"/>
+          <a:bodyPr spcFirstLastPara="1" wrap="square" lIns="91425" tIns="91425" rIns="91425" bIns="91425" anchor="b" anchorCtr="0"/>
           <a:lstStyle>
             <a:lvl1pPr lvl="0">
               <a:spcBef>
@@ -5434,15 +5600,19 @@
               </a:defRPr>
             </a:lvl9pPr>
           </a:lstStyle>
-          <a:p/>
+          <a:p>
+            <a:endParaRPr/>
+          </a:p>
         </p:txBody>
       </p:sp>
       <p:sp>
         <p:nvSpPr>
           <p:cNvPr id="7" name="Shape 7"/>
-          <p:cNvSpPr txBox="1"/>
+          <p:cNvSpPr txBox="1">
+            <a:spLocks noGrp="1"/>
+          </p:cNvSpPr>
           <p:nvPr>
-            <p:ph idx="1" type="body"/>
+            <p:ph type="body" idx="1"/>
           </p:nvPr>
         </p:nvSpPr>
         <p:spPr>
@@ -5459,9 +5629,9 @@
           </a:ln>
         </p:spPr>
         <p:txBody>
-          <a:bodyPr anchorCtr="0" anchor="t" bIns="91425" lIns="91425" spcFirstLastPara="1" rIns="91425" wrap="square" tIns="91425"/>
+          <a:bodyPr spcFirstLastPara="1" wrap="square" lIns="91425" tIns="91425" rIns="91425" bIns="91425" anchor="t" anchorCtr="0"/>
           <a:lstStyle>
-            <a:lvl1pPr indent="-342900" lvl="0" marL="457200">
+            <a:lvl1pPr marL="457200" lvl="0" indent="-342900">
               <a:lnSpc>
                 <a:spcPct val="115000"/>
               </a:lnSpc>
@@ -5487,7 +5657,7 @@
                 <a:sym typeface="Roboto"/>
               </a:defRPr>
             </a:lvl1pPr>
-            <a:lvl2pPr indent="-317500" lvl="1" marL="914400">
+            <a:lvl2pPr marL="914400" lvl="1" indent="-317500">
               <a:lnSpc>
                 <a:spcPct val="115000"/>
               </a:lnSpc>
@@ -5513,7 +5683,7 @@
                 <a:sym typeface="Roboto"/>
               </a:defRPr>
             </a:lvl2pPr>
-            <a:lvl3pPr indent="-317500" lvl="2" marL="1371600">
+            <a:lvl3pPr marL="1371600" lvl="2" indent="-317500">
               <a:lnSpc>
                 <a:spcPct val="115000"/>
               </a:lnSpc>
@@ -5539,7 +5709,7 @@
                 <a:sym typeface="Roboto"/>
               </a:defRPr>
             </a:lvl3pPr>
-            <a:lvl4pPr indent="-317500" lvl="3" marL="1828800">
+            <a:lvl4pPr marL="1828800" lvl="3" indent="-317500">
               <a:lnSpc>
                 <a:spcPct val="115000"/>
               </a:lnSpc>
@@ -5565,7 +5735,7 @@
                 <a:sym typeface="Roboto"/>
               </a:defRPr>
             </a:lvl4pPr>
-            <a:lvl5pPr indent="-317500" lvl="4" marL="2286000">
+            <a:lvl5pPr marL="2286000" lvl="4" indent="-317500">
               <a:lnSpc>
                 <a:spcPct val="115000"/>
               </a:lnSpc>
@@ -5591,7 +5761,7 @@
                 <a:sym typeface="Roboto"/>
               </a:defRPr>
             </a:lvl5pPr>
-            <a:lvl6pPr indent="-317500" lvl="5" marL="2743200">
+            <a:lvl6pPr marL="2743200" lvl="5" indent="-317500">
               <a:lnSpc>
                 <a:spcPct val="115000"/>
               </a:lnSpc>
@@ -5617,7 +5787,7 @@
                 <a:sym typeface="Roboto"/>
               </a:defRPr>
             </a:lvl6pPr>
-            <a:lvl7pPr indent="-317500" lvl="6" marL="3200400">
+            <a:lvl7pPr marL="3200400" lvl="6" indent="-317500">
               <a:lnSpc>
                 <a:spcPct val="115000"/>
               </a:lnSpc>
@@ -5643,7 +5813,7 @@
                 <a:sym typeface="Roboto"/>
               </a:defRPr>
             </a:lvl7pPr>
-            <a:lvl8pPr indent="-317500" lvl="7" marL="3657600">
+            <a:lvl8pPr marL="3657600" lvl="7" indent="-317500">
               <a:lnSpc>
                 <a:spcPct val="115000"/>
               </a:lnSpc>
@@ -5669,7 +5839,7 @@
                 <a:sym typeface="Roboto"/>
               </a:defRPr>
             </a:lvl8pPr>
-            <a:lvl9pPr indent="-317500" lvl="8" marL="4114800">
+            <a:lvl9pPr marL="4114800" lvl="8" indent="-317500">
               <a:lnSpc>
                 <a:spcPct val="115000"/>
               </a:lnSpc>
@@ -5696,15 +5866,19 @@
               </a:defRPr>
             </a:lvl9pPr>
           </a:lstStyle>
-          <a:p/>
+          <a:p>
+            <a:endParaRPr/>
+          </a:p>
         </p:txBody>
       </p:sp>
       <p:sp>
         <p:nvSpPr>
           <p:cNvPr id="8" name="Shape 8"/>
-          <p:cNvSpPr txBox="1"/>
+          <p:cNvSpPr txBox="1">
+            <a:spLocks noGrp="1"/>
+          </p:cNvSpPr>
           <p:nvPr>
-            <p:ph idx="12" type="sldNum"/>
+            <p:ph type="sldNum" idx="12"/>
           </p:nvPr>
         </p:nvSpPr>
         <p:spPr>
@@ -5721,7 +5895,7 @@
           </a:ln>
         </p:spPr>
         <p:txBody>
-          <a:bodyPr anchorCtr="0" anchor="ctr" bIns="91425" lIns="91425" spcFirstLastPara="1" rIns="91425" wrap="square" tIns="91425">
+          <a:bodyPr spcFirstLastPara="1" wrap="square" lIns="91425" tIns="91425" rIns="91425" bIns="91425" anchor="ctr" anchorCtr="0">
             <a:noAutofit/>
           </a:bodyPr>
           <a:lstStyle>
@@ -5835,7 +6009,7 @@
             </a:lvl9pPr>
           </a:lstStyle>
           <a:p>
-            <a:pPr indent="0" lvl="0" marL="0">
+            <a:pPr marL="0" lvl="0" indent="0">
               <a:spcBef>
                 <a:spcPts val="0"/>
               </a:spcBef>
@@ -5854,7 +6028,7 @@
       </p:sp>
     </p:spTree>
   </p:cSld>
-  <p:clrMap accent1="accent1" accent2="accent2" accent3="accent3" accent4="accent4" accent5="accent5" accent6="accent6" bg1="lt1" bg2="dk2" tx1="dk1" tx2="lt2" folHlink="folHlink" hlink="hlink"/>
+  <p:clrMap bg1="lt1" tx1="dk1" bg2="dk2" tx2="lt2" accent1="accent1" accent2="accent2" accent3="accent3" accent4="accent4" accent5="accent5" accent6="accent6" hlink="hlink" folHlink="folHlink"/>
   <p:sldLayoutIdLst>
     <p:sldLayoutId id="2147483648" r:id="rId1"/>
     <p:sldLayoutId id="2147483649" r:id="rId2"/>
@@ -5868,10 +6042,10 @@
     <p:sldLayoutId id="2147483657" r:id="rId10"/>
     <p:sldLayoutId id="2147483658" r:id="rId11"/>
   </p:sldLayoutIdLst>
-  <p:hf dt="0" ftr="0" hdr="0" sldNum="0"/>
+  <p:hf sldNum="0" hdr="0" ftr="0" dt="0"/>
   <p:txStyles>
     <p:titleStyle>
-      <a:defPPr lvl="0" marR="0" rtl="0" algn="l">
+      <a:defPPr marR="0" lvl="0" algn="l" rtl="0">
         <a:lnSpc>
           <a:spcPct val="100000"/>
         </a:lnSpc>
@@ -5882,7 +6056,7 @@
           <a:spcPts val="0"/>
         </a:spcAft>
       </a:defPPr>
-      <a:lvl1pPr lvl="0" marR="0" rtl="0" algn="l">
+      <a:lvl1pPr marR="0" lvl="0" algn="l" rtl="0">
         <a:lnSpc>
           <a:spcPct val="100000"/>
         </a:lnSpc>
@@ -5896,7 +6070,7 @@
           <a:srgbClr val="000000"/>
         </a:buClr>
         <a:buFont typeface="Arial"/>
-        <a:defRPr b="0" i="0" sz="1400" u="none" cap="none" strike="noStrike">
+        <a:defRPr sz="1400" b="0" i="0" u="none" strike="noStrike" cap="none">
           <a:solidFill>
             <a:srgbClr val="000000"/>
           </a:solidFill>
@@ -5906,7 +6080,7 @@
           <a:sym typeface="Arial"/>
         </a:defRPr>
       </a:lvl1pPr>
-      <a:lvl2pPr lvl="1" marR="0" rtl="0" algn="l">
+      <a:lvl2pPr marR="0" lvl="1" algn="l" rtl="0">
         <a:lnSpc>
           <a:spcPct val="100000"/>
         </a:lnSpc>
@@ -5920,7 +6094,7 @@
           <a:srgbClr val="000000"/>
         </a:buClr>
         <a:buFont typeface="Arial"/>
-        <a:defRPr b="0" i="0" sz="1400" u="none" cap="none" strike="noStrike">
+        <a:defRPr sz="1400" b="0" i="0" u="none" strike="noStrike" cap="none">
           <a:solidFill>
             <a:srgbClr val="000000"/>
           </a:solidFill>
@@ -5930,7 +6104,7 @@
           <a:sym typeface="Arial"/>
         </a:defRPr>
       </a:lvl2pPr>
-      <a:lvl3pPr lvl="2" marR="0" rtl="0" algn="l">
+      <a:lvl3pPr marR="0" lvl="2" algn="l" rtl="0">
         <a:lnSpc>
           <a:spcPct val="100000"/>
         </a:lnSpc>
@@ -5944,7 +6118,7 @@
           <a:srgbClr val="000000"/>
         </a:buClr>
         <a:buFont typeface="Arial"/>
-        <a:defRPr b="0" i="0" sz="1400" u="none" cap="none" strike="noStrike">
+        <a:defRPr sz="1400" b="0" i="0" u="none" strike="noStrike" cap="none">
           <a:solidFill>
             <a:srgbClr val="000000"/>
           </a:solidFill>
@@ -5954,7 +6128,7 @@
           <a:sym typeface="Arial"/>
         </a:defRPr>
       </a:lvl3pPr>
-      <a:lvl4pPr lvl="3" marR="0" rtl="0" algn="l">
+      <a:lvl4pPr marR="0" lvl="3" algn="l" rtl="0">
         <a:lnSpc>
           <a:spcPct val="100000"/>
         </a:lnSpc>
@@ -5968,7 +6142,7 @@
           <a:srgbClr val="000000"/>
         </a:buClr>
         <a:buFont typeface="Arial"/>
-        <a:defRPr b="0" i="0" sz="1400" u="none" cap="none" strike="noStrike">
+        <a:defRPr sz="1400" b="0" i="0" u="none" strike="noStrike" cap="none">
           <a:solidFill>
             <a:srgbClr val="000000"/>
           </a:solidFill>
@@ -5978,7 +6152,7 @@
           <a:sym typeface="Arial"/>
         </a:defRPr>
       </a:lvl4pPr>
-      <a:lvl5pPr lvl="4" marR="0" rtl="0" algn="l">
+      <a:lvl5pPr marR="0" lvl="4" algn="l" rtl="0">
         <a:lnSpc>
           <a:spcPct val="100000"/>
         </a:lnSpc>
@@ -5992,7 +6166,7 @@
           <a:srgbClr val="000000"/>
         </a:buClr>
         <a:buFont typeface="Arial"/>
-        <a:defRPr b="0" i="0" sz="1400" u="none" cap="none" strike="noStrike">
+        <a:defRPr sz="1400" b="0" i="0" u="none" strike="noStrike" cap="none">
           <a:solidFill>
             <a:srgbClr val="000000"/>
           </a:solidFill>
@@ -6002,7 +6176,7 @@
           <a:sym typeface="Arial"/>
         </a:defRPr>
       </a:lvl5pPr>
-      <a:lvl6pPr lvl="5" marR="0" rtl="0" algn="l">
+      <a:lvl6pPr marR="0" lvl="5" algn="l" rtl="0">
         <a:lnSpc>
           <a:spcPct val="100000"/>
         </a:lnSpc>
@@ -6016,7 +6190,7 @@
           <a:srgbClr val="000000"/>
         </a:buClr>
         <a:buFont typeface="Arial"/>
-        <a:defRPr b="0" i="0" sz="1400" u="none" cap="none" strike="noStrike">
+        <a:defRPr sz="1400" b="0" i="0" u="none" strike="noStrike" cap="none">
           <a:solidFill>
             <a:srgbClr val="000000"/>
           </a:solidFill>
@@ -6026,7 +6200,7 @@
           <a:sym typeface="Arial"/>
         </a:defRPr>
       </a:lvl6pPr>
-      <a:lvl7pPr lvl="6" marR="0" rtl="0" algn="l">
+      <a:lvl7pPr marR="0" lvl="6" algn="l" rtl="0">
         <a:lnSpc>
           <a:spcPct val="100000"/>
         </a:lnSpc>
@@ -6040,7 +6214,7 @@
           <a:srgbClr val="000000"/>
         </a:buClr>
         <a:buFont typeface="Arial"/>
-        <a:defRPr b="0" i="0" sz="1400" u="none" cap="none" strike="noStrike">
+        <a:defRPr sz="1400" b="0" i="0" u="none" strike="noStrike" cap="none">
           <a:solidFill>
             <a:srgbClr val="000000"/>
           </a:solidFill>
@@ -6050,7 +6224,7 @@
           <a:sym typeface="Arial"/>
         </a:defRPr>
       </a:lvl7pPr>
-      <a:lvl8pPr lvl="7" marR="0" rtl="0" algn="l">
+      <a:lvl8pPr marR="0" lvl="7" algn="l" rtl="0">
         <a:lnSpc>
           <a:spcPct val="100000"/>
         </a:lnSpc>
@@ -6064,7 +6238,7 @@
           <a:srgbClr val="000000"/>
         </a:buClr>
         <a:buFont typeface="Arial"/>
-        <a:defRPr b="0" i="0" sz="1400" u="none" cap="none" strike="noStrike">
+        <a:defRPr sz="1400" b="0" i="0" u="none" strike="noStrike" cap="none">
           <a:solidFill>
             <a:srgbClr val="000000"/>
           </a:solidFill>
@@ -6074,7 +6248,7 @@
           <a:sym typeface="Arial"/>
         </a:defRPr>
       </a:lvl8pPr>
-      <a:lvl9pPr lvl="8" marR="0" rtl="0" algn="l">
+      <a:lvl9pPr marR="0" lvl="8" algn="l" rtl="0">
         <a:lnSpc>
           <a:spcPct val="100000"/>
         </a:lnSpc>
@@ -6088,7 +6262,7 @@
           <a:srgbClr val="000000"/>
         </a:buClr>
         <a:buFont typeface="Arial"/>
-        <a:defRPr b="0" i="0" sz="1400" u="none" cap="none" strike="noStrike">
+        <a:defRPr sz="1400" b="0" i="0" u="none" strike="noStrike" cap="none">
           <a:solidFill>
             <a:srgbClr val="000000"/>
           </a:solidFill>
@@ -6100,7 +6274,7 @@
       </a:lvl9pPr>
     </p:titleStyle>
     <p:bodyStyle>
-      <a:defPPr lvl="0" marR="0" rtl="0" algn="l">
+      <a:defPPr marR="0" lvl="0" algn="l" rtl="0">
         <a:lnSpc>
           <a:spcPct val="100000"/>
         </a:lnSpc>
@@ -6111,7 +6285,7 @@
           <a:spcPts val="0"/>
         </a:spcAft>
       </a:defPPr>
-      <a:lvl1pPr lvl="0" marR="0" rtl="0" algn="l">
+      <a:lvl1pPr marR="0" lvl="0" algn="l" rtl="0">
         <a:lnSpc>
           <a:spcPct val="100000"/>
         </a:lnSpc>
@@ -6125,7 +6299,7 @@
           <a:srgbClr val="000000"/>
         </a:buClr>
         <a:buFont typeface="Arial"/>
-        <a:defRPr b="0" i="0" sz="1400" u="none" cap="none" strike="noStrike">
+        <a:defRPr sz="1400" b="0" i="0" u="none" strike="noStrike" cap="none">
           <a:solidFill>
             <a:srgbClr val="000000"/>
           </a:solidFill>
@@ -6135,7 +6309,7 @@
           <a:sym typeface="Arial"/>
         </a:defRPr>
       </a:lvl1pPr>
-      <a:lvl2pPr lvl="1" marR="0" rtl="0" algn="l">
+      <a:lvl2pPr marR="0" lvl="1" algn="l" rtl="0">
         <a:lnSpc>
           <a:spcPct val="100000"/>
         </a:lnSpc>
@@ -6149,7 +6323,7 @@
           <a:srgbClr val="000000"/>
         </a:buClr>
         <a:buFont typeface="Arial"/>
-        <a:defRPr b="0" i="0" sz="1400" u="none" cap="none" strike="noStrike">
+        <a:defRPr sz="1400" b="0" i="0" u="none" strike="noStrike" cap="none">
           <a:solidFill>
             <a:srgbClr val="000000"/>
           </a:solidFill>
@@ -6159,7 +6333,7 @@
           <a:sym typeface="Arial"/>
         </a:defRPr>
       </a:lvl2pPr>
-      <a:lvl3pPr lvl="2" marR="0" rtl="0" algn="l">
+      <a:lvl3pPr marR="0" lvl="2" algn="l" rtl="0">
         <a:lnSpc>
           <a:spcPct val="100000"/>
         </a:lnSpc>
@@ -6173,7 +6347,7 @@
           <a:srgbClr val="000000"/>
         </a:buClr>
         <a:buFont typeface="Arial"/>
-        <a:defRPr b="0" i="0" sz="1400" u="none" cap="none" strike="noStrike">
+        <a:defRPr sz="1400" b="0" i="0" u="none" strike="noStrike" cap="none">
           <a:solidFill>
             <a:srgbClr val="000000"/>
           </a:solidFill>
@@ -6183,7 +6357,7 @@
           <a:sym typeface="Arial"/>
         </a:defRPr>
       </a:lvl3pPr>
-      <a:lvl4pPr lvl="3" marR="0" rtl="0" algn="l">
+      <a:lvl4pPr marR="0" lvl="3" algn="l" rtl="0">
         <a:lnSpc>
           <a:spcPct val="100000"/>
         </a:lnSpc>
@@ -6197,7 +6371,7 @@
           <a:srgbClr val="000000"/>
         </a:buClr>
         <a:buFont typeface="Arial"/>
-        <a:defRPr b="0" i="0" sz="1400" u="none" cap="none" strike="noStrike">
+        <a:defRPr sz="1400" b="0" i="0" u="none" strike="noStrike" cap="none">
           <a:solidFill>
             <a:srgbClr val="000000"/>
           </a:solidFill>
@@ -6207,7 +6381,7 @@
           <a:sym typeface="Arial"/>
         </a:defRPr>
       </a:lvl4pPr>
-      <a:lvl5pPr lvl="4" marR="0" rtl="0" algn="l">
+      <a:lvl5pPr marR="0" lvl="4" algn="l" rtl="0">
         <a:lnSpc>
           <a:spcPct val="100000"/>
         </a:lnSpc>
@@ -6221,7 +6395,7 @@
           <a:srgbClr val="000000"/>
         </a:buClr>
         <a:buFont typeface="Arial"/>
-        <a:defRPr b="0" i="0" sz="1400" u="none" cap="none" strike="noStrike">
+        <a:defRPr sz="1400" b="0" i="0" u="none" strike="noStrike" cap="none">
           <a:solidFill>
             <a:srgbClr val="000000"/>
           </a:solidFill>
@@ -6231,7 +6405,7 @@
           <a:sym typeface="Arial"/>
         </a:defRPr>
       </a:lvl5pPr>
-      <a:lvl6pPr lvl="5" marR="0" rtl="0" algn="l">
+      <a:lvl6pPr marR="0" lvl="5" algn="l" rtl="0">
         <a:lnSpc>
           <a:spcPct val="100000"/>
         </a:lnSpc>
@@ -6245,7 +6419,7 @@
           <a:srgbClr val="000000"/>
         </a:buClr>
         <a:buFont typeface="Arial"/>
-        <a:defRPr b="0" i="0" sz="1400" u="none" cap="none" strike="noStrike">
+        <a:defRPr sz="1400" b="0" i="0" u="none" strike="noStrike" cap="none">
           <a:solidFill>
             <a:srgbClr val="000000"/>
           </a:solidFill>
@@ -6255,7 +6429,7 @@
           <a:sym typeface="Arial"/>
         </a:defRPr>
       </a:lvl6pPr>
-      <a:lvl7pPr lvl="6" marR="0" rtl="0" algn="l">
+      <a:lvl7pPr marR="0" lvl="6" algn="l" rtl="0">
         <a:lnSpc>
           <a:spcPct val="100000"/>
         </a:lnSpc>
@@ -6269,7 +6443,7 @@
           <a:srgbClr val="000000"/>
         </a:buClr>
         <a:buFont typeface="Arial"/>
-        <a:defRPr b="0" i="0" sz="1400" u="none" cap="none" strike="noStrike">
+        <a:defRPr sz="1400" b="0" i="0" u="none" strike="noStrike" cap="none">
           <a:solidFill>
             <a:srgbClr val="000000"/>
           </a:solidFill>
@@ -6279,7 +6453,7 @@
           <a:sym typeface="Arial"/>
         </a:defRPr>
       </a:lvl7pPr>
-      <a:lvl8pPr lvl="7" marR="0" rtl="0" algn="l">
+      <a:lvl8pPr marR="0" lvl="7" algn="l" rtl="0">
         <a:lnSpc>
           <a:spcPct val="100000"/>
         </a:lnSpc>
@@ -6293,7 +6467,7 @@
           <a:srgbClr val="000000"/>
         </a:buClr>
         <a:buFont typeface="Arial"/>
-        <a:defRPr b="0" i="0" sz="1400" u="none" cap="none" strike="noStrike">
+        <a:defRPr sz="1400" b="0" i="0" u="none" strike="noStrike" cap="none">
           <a:solidFill>
             <a:srgbClr val="000000"/>
           </a:solidFill>
@@ -6303,7 +6477,7 @@
           <a:sym typeface="Arial"/>
         </a:defRPr>
       </a:lvl8pPr>
-      <a:lvl9pPr lvl="8" marR="0" rtl="0" algn="l">
+      <a:lvl9pPr marR="0" lvl="8" algn="l" rtl="0">
         <a:lnSpc>
           <a:spcPct val="100000"/>
         </a:lnSpc>
@@ -6317,7 +6491,7 @@
           <a:srgbClr val="000000"/>
         </a:buClr>
         <a:buFont typeface="Arial"/>
-        <a:defRPr b="0" i="0" sz="1400" u="none" cap="none" strike="noStrike">
+        <a:defRPr sz="1400" b="0" i="0" u="none" strike="noStrike" cap="none">
           <a:solidFill>
             <a:srgbClr val="000000"/>
           </a:solidFill>
@@ -6329,7 +6503,7 @@
       </a:lvl9pPr>
     </p:bodyStyle>
     <p:otherStyle>
-      <a:defPPr lvl="0" marR="0" rtl="0" algn="l">
+      <a:defPPr marR="0" lvl="0" algn="l" rtl="0">
         <a:lnSpc>
           <a:spcPct val="100000"/>
         </a:lnSpc>
@@ -6340,7 +6514,7 @@
           <a:spcPts val="0"/>
         </a:spcAft>
       </a:defPPr>
-      <a:lvl1pPr lvl="0" marR="0" rtl="0" algn="l">
+      <a:lvl1pPr marR="0" lvl="0" algn="l" rtl="0">
         <a:lnSpc>
           <a:spcPct val="100000"/>
         </a:lnSpc>
@@ -6354,7 +6528,7 @@
           <a:srgbClr val="000000"/>
         </a:buClr>
         <a:buFont typeface="Arial"/>
-        <a:defRPr b="0" i="0" sz="1400" u="none" cap="none" strike="noStrike">
+        <a:defRPr sz="1400" b="0" i="0" u="none" strike="noStrike" cap="none">
           <a:solidFill>
             <a:srgbClr val="000000"/>
           </a:solidFill>
@@ -6364,7 +6538,7 @@
           <a:sym typeface="Arial"/>
         </a:defRPr>
       </a:lvl1pPr>
-      <a:lvl2pPr lvl="1" marR="0" rtl="0" algn="l">
+      <a:lvl2pPr marR="0" lvl="1" algn="l" rtl="0">
         <a:lnSpc>
           <a:spcPct val="100000"/>
         </a:lnSpc>
@@ -6378,7 +6552,7 @@
           <a:srgbClr val="000000"/>
         </a:buClr>
         <a:buFont typeface="Arial"/>
-        <a:defRPr b="0" i="0" sz="1400" u="none" cap="none" strike="noStrike">
+        <a:defRPr sz="1400" b="0" i="0" u="none" strike="noStrike" cap="none">
           <a:solidFill>
             <a:srgbClr val="000000"/>
           </a:solidFill>
@@ -6388,7 +6562,7 @@
           <a:sym typeface="Arial"/>
         </a:defRPr>
       </a:lvl2pPr>
-      <a:lvl3pPr lvl="2" marR="0" rtl="0" algn="l">
+      <a:lvl3pPr marR="0" lvl="2" algn="l" rtl="0">
         <a:lnSpc>
           <a:spcPct val="100000"/>
         </a:lnSpc>
@@ -6402,7 +6576,7 @@
           <a:srgbClr val="000000"/>
         </a:buClr>
         <a:buFont typeface="Arial"/>
-        <a:defRPr b="0" i="0" sz="1400" u="none" cap="none" strike="noStrike">
+        <a:defRPr sz="1400" b="0" i="0" u="none" strike="noStrike" cap="none">
           <a:solidFill>
             <a:srgbClr val="000000"/>
           </a:solidFill>
@@ -6412,7 +6586,7 @@
           <a:sym typeface="Arial"/>
         </a:defRPr>
       </a:lvl3pPr>
-      <a:lvl4pPr lvl="3" marR="0" rtl="0" algn="l">
+      <a:lvl4pPr marR="0" lvl="3" algn="l" rtl="0">
         <a:lnSpc>
           <a:spcPct val="100000"/>
         </a:lnSpc>
@@ -6426,7 +6600,7 @@
           <a:srgbClr val="000000"/>
         </a:buClr>
         <a:buFont typeface="Arial"/>
-        <a:defRPr b="0" i="0" sz="1400" u="none" cap="none" strike="noStrike">
+        <a:defRPr sz="1400" b="0" i="0" u="none" strike="noStrike" cap="none">
           <a:solidFill>
             <a:srgbClr val="000000"/>
           </a:solidFill>
@@ -6436,7 +6610,7 @@
           <a:sym typeface="Arial"/>
         </a:defRPr>
       </a:lvl4pPr>
-      <a:lvl5pPr lvl="4" marR="0" rtl="0" algn="l">
+      <a:lvl5pPr marR="0" lvl="4" algn="l" rtl="0">
         <a:lnSpc>
           <a:spcPct val="100000"/>
         </a:lnSpc>
@@ -6450,7 +6624,7 @@
           <a:srgbClr val="000000"/>
         </a:buClr>
         <a:buFont typeface="Arial"/>
-        <a:defRPr b="0" i="0" sz="1400" u="none" cap="none" strike="noStrike">
+        <a:defRPr sz="1400" b="0" i="0" u="none" strike="noStrike" cap="none">
           <a:solidFill>
             <a:srgbClr val="000000"/>
           </a:solidFill>
@@ -6460,7 +6634,7 @@
           <a:sym typeface="Arial"/>
         </a:defRPr>
       </a:lvl5pPr>
-      <a:lvl6pPr lvl="5" marR="0" rtl="0" algn="l">
+      <a:lvl6pPr marR="0" lvl="5" algn="l" rtl="0">
         <a:lnSpc>
           <a:spcPct val="100000"/>
         </a:lnSpc>
@@ -6474,7 +6648,7 @@
           <a:srgbClr val="000000"/>
         </a:buClr>
         <a:buFont typeface="Arial"/>
-        <a:defRPr b="0" i="0" sz="1400" u="none" cap="none" strike="noStrike">
+        <a:defRPr sz="1400" b="0" i="0" u="none" strike="noStrike" cap="none">
           <a:solidFill>
             <a:srgbClr val="000000"/>
           </a:solidFill>
@@ -6484,7 +6658,7 @@
           <a:sym typeface="Arial"/>
         </a:defRPr>
       </a:lvl6pPr>
-      <a:lvl7pPr lvl="6" marR="0" rtl="0" algn="l">
+      <a:lvl7pPr marR="0" lvl="6" algn="l" rtl="0">
         <a:lnSpc>
           <a:spcPct val="100000"/>
         </a:lnSpc>
@@ -6498,7 +6672,7 @@
           <a:srgbClr val="000000"/>
         </a:buClr>
         <a:buFont typeface="Arial"/>
-        <a:defRPr b="0" i="0" sz="1400" u="none" cap="none" strike="noStrike">
+        <a:defRPr sz="1400" b="0" i="0" u="none" strike="noStrike" cap="none">
           <a:solidFill>
             <a:srgbClr val="000000"/>
           </a:solidFill>
@@ -6508,7 +6682,7 @@
           <a:sym typeface="Arial"/>
         </a:defRPr>
       </a:lvl7pPr>
-      <a:lvl8pPr lvl="7" marR="0" rtl="0" algn="l">
+      <a:lvl8pPr marR="0" lvl="7" algn="l" rtl="0">
         <a:lnSpc>
           <a:spcPct val="100000"/>
         </a:lnSpc>
@@ -6522,7 +6696,7 @@
           <a:srgbClr val="000000"/>
         </a:buClr>
         <a:buFont typeface="Arial"/>
-        <a:defRPr b="0" i="0" sz="1400" u="none" cap="none" strike="noStrike">
+        <a:defRPr sz="1400" b="0" i="0" u="none" strike="noStrike" cap="none">
           <a:solidFill>
             <a:srgbClr val="000000"/>
           </a:solidFill>
@@ -6532,7 +6706,7 @@
           <a:sym typeface="Arial"/>
         </a:defRPr>
       </a:lvl8pPr>
-      <a:lvl9pPr lvl="8" marR="0" rtl="0" algn="l">
+      <a:lvl9pPr marR="0" lvl="8" algn="l" rtl="0">
         <a:lnSpc>
           <a:spcPct val="100000"/>
         </a:lnSpc>
@@ -6546,7 +6720,7 @@
           <a:srgbClr val="000000"/>
         </a:buClr>
         <a:buFont typeface="Arial"/>
-        <a:defRPr b="0" i="0" sz="1400" u="none" cap="none" strike="noStrike">
+        <a:defRPr sz="1400" b="0" i="0" u="none" strike="noStrike" cap="none">
           <a:solidFill>
             <a:srgbClr val="000000"/>
           </a:solidFill>
@@ -6562,11 +6736,11 @@
 </file>
 
 <file path=ppt/slides/slide1.xml><?xml version="1.0" encoding="utf-8"?>
-<p:sld xmlns:a="http://schemas.openxmlformats.org/drawingml/2006/main" xmlns:r="http://schemas.openxmlformats.org/officeDocument/2006/relationships" xmlns:mc="http://schemas.openxmlformats.org/markup-compatibility/2006" xmlns:mv="urn:schemas-microsoft-com:mac:vml" xmlns:p="http://schemas.openxmlformats.org/presentationml/2006/main" xmlns:c="http://schemas.openxmlformats.org/drawingml/2006/chart" xmlns:dgm="http://schemas.openxmlformats.org/drawingml/2006/diagram" xmlns:o="urn:schemas-microsoft-com:office:office" xmlns:v="urn:schemas-microsoft-com:vml" xmlns:pvml="urn:schemas-microsoft-com:office:powerpoint" xmlns:com="http://schemas.openxmlformats.org/drawingml/2006/compatibility" xmlns:p14="http://schemas.microsoft.com/office/powerpoint/2010/main" xmlns:p15="http://schemas.microsoft.com/office/powerpoint/2012/main">
+<p:sld xmlns:a="http://schemas.openxmlformats.org/drawingml/2006/main" xmlns:r="http://schemas.openxmlformats.org/officeDocument/2006/relationships" xmlns:p="http://schemas.openxmlformats.org/presentationml/2006/main">
   <p:cSld>
     <p:spTree>
       <p:nvGrpSpPr>
-        <p:cNvPr id="62" name="Shape 62"/>
+        <p:cNvPr id="1" name="Shape 62"/>
         <p:cNvGrpSpPr/>
         <p:nvPr/>
       </p:nvGrpSpPr>
@@ -6581,7 +6755,9 @@
       <p:sp>
         <p:nvSpPr>
           <p:cNvPr id="63" name="Shape 63"/>
-          <p:cNvSpPr txBox="1"/>
+          <p:cNvSpPr txBox="1">
+            <a:spLocks noGrp="1"/>
+          </p:cNvSpPr>
           <p:nvPr>
             <p:ph type="ctrTitle"/>
           </p:nvPr>
@@ -6596,12 +6772,12 @@
           </a:prstGeom>
         </p:spPr>
         <p:txBody>
-          <a:bodyPr anchorCtr="0" anchor="b" bIns="91425" lIns="91425" spcFirstLastPara="1" rIns="91425" wrap="square" tIns="91425">
+          <a:bodyPr spcFirstLastPara="1" wrap="square" lIns="91425" tIns="91425" rIns="91425" bIns="91425" anchor="b" anchorCtr="0">
             <a:noAutofit/>
           </a:bodyPr>
           <a:lstStyle/>
           <a:p>
-            <a:pPr indent="0" lvl="0" marL="0">
+            <a:pPr marL="0" lvl="0" indent="0">
               <a:spcBef>
                 <a:spcPts val="0"/>
               </a:spcBef>
@@ -6621,9 +6797,11 @@
       <p:sp>
         <p:nvSpPr>
           <p:cNvPr id="64" name="Shape 64"/>
-          <p:cNvSpPr txBox="1"/>
+          <p:cNvSpPr txBox="1">
+            <a:spLocks noGrp="1"/>
+          </p:cNvSpPr>
           <p:nvPr>
-            <p:ph idx="1" type="subTitle"/>
+            <p:ph type="subTitle" idx="1"/>
           </p:nvPr>
         </p:nvSpPr>
         <p:spPr>
@@ -6636,12 +6814,12 @@
           </a:prstGeom>
         </p:spPr>
         <p:txBody>
-          <a:bodyPr anchorCtr="0" anchor="t" bIns="91425" lIns="91425" spcFirstLastPara="1" rIns="91425" wrap="square" tIns="91425">
+          <a:bodyPr spcFirstLastPara="1" wrap="square" lIns="91425" tIns="91425" rIns="91425" bIns="91425" anchor="t" anchorCtr="0">
             <a:noAutofit/>
           </a:bodyPr>
           <a:lstStyle/>
           <a:p>
-            <a:pPr indent="0" lvl="0" marL="0">
+            <a:pPr marL="0" lvl="0" indent="0">
               <a:spcBef>
                 <a:spcPts val="0"/>
               </a:spcBef>
@@ -6657,7 +6835,7 @@
             <a:endParaRPr/>
           </a:p>
           <a:p>
-            <a:pPr indent="0" lvl="0" marL="0">
+            <a:pPr marL="0" lvl="0" indent="0">
               <a:spcBef>
                 <a:spcPts val="0"/>
               </a:spcBef>
@@ -6683,11 +6861,11 @@
 </file>
 
 <file path=ppt/slides/slide2.xml><?xml version="1.0" encoding="utf-8"?>
-<p:sld xmlns:a="http://schemas.openxmlformats.org/drawingml/2006/main" xmlns:r="http://schemas.openxmlformats.org/officeDocument/2006/relationships" xmlns:mc="http://schemas.openxmlformats.org/markup-compatibility/2006" xmlns:mv="urn:schemas-microsoft-com:mac:vml" xmlns:p="http://schemas.openxmlformats.org/presentationml/2006/main" xmlns:c="http://schemas.openxmlformats.org/drawingml/2006/chart" xmlns:dgm="http://schemas.openxmlformats.org/drawingml/2006/diagram" xmlns:o="urn:schemas-microsoft-com:office:office" xmlns:v="urn:schemas-microsoft-com:vml" xmlns:pvml="urn:schemas-microsoft-com:office:powerpoint" xmlns:com="http://schemas.openxmlformats.org/drawingml/2006/compatibility" xmlns:p14="http://schemas.microsoft.com/office/powerpoint/2010/main" xmlns:p15="http://schemas.microsoft.com/office/powerpoint/2012/main">
+<p:sld xmlns:a="http://schemas.openxmlformats.org/drawingml/2006/main" xmlns:r="http://schemas.openxmlformats.org/officeDocument/2006/relationships" xmlns:p="http://schemas.openxmlformats.org/presentationml/2006/main">
   <p:cSld>
     <p:spTree>
       <p:nvGrpSpPr>
-        <p:cNvPr id="68" name="Shape 68"/>
+        <p:cNvPr id="1" name="Shape 68"/>
         <p:cNvGrpSpPr/>
         <p:nvPr/>
       </p:nvGrpSpPr>
@@ -6702,7 +6880,9 @@
       <p:sp>
         <p:nvSpPr>
           <p:cNvPr id="69" name="Shape 69"/>
-          <p:cNvSpPr txBox="1"/>
+          <p:cNvSpPr txBox="1">
+            <a:spLocks noGrp="1"/>
+          </p:cNvSpPr>
           <p:nvPr>
             <p:ph type="title"/>
           </p:nvPr>
@@ -6717,12 +6897,12 @@
           </a:prstGeom>
         </p:spPr>
         <p:txBody>
-          <a:bodyPr anchorCtr="0" anchor="b" bIns="91425" lIns="91425" spcFirstLastPara="1" rIns="91425" wrap="square" tIns="91425">
+          <a:bodyPr spcFirstLastPara="1" wrap="square" lIns="91425" tIns="91425" rIns="91425" bIns="91425" anchor="b" anchorCtr="0">
             <a:noAutofit/>
           </a:bodyPr>
           <a:lstStyle/>
           <a:p>
-            <a:pPr indent="0" lvl="0" marL="0">
+            <a:pPr marL="0" lvl="0" indent="0">
               <a:spcBef>
                 <a:spcPts val="0"/>
               </a:spcBef>
@@ -6742,9 +6922,11 @@
       <p:sp>
         <p:nvSpPr>
           <p:cNvPr id="70" name="Shape 70"/>
-          <p:cNvSpPr txBox="1"/>
+          <p:cNvSpPr txBox="1">
+            <a:spLocks noGrp="1"/>
+          </p:cNvSpPr>
           <p:nvPr>
-            <p:ph idx="1" type="body"/>
+            <p:ph type="body" idx="1"/>
           </p:nvPr>
         </p:nvSpPr>
         <p:spPr>
@@ -6757,12 +6939,12 @@
           </a:prstGeom>
         </p:spPr>
         <p:txBody>
-          <a:bodyPr anchorCtr="0" anchor="t" bIns="91425" lIns="91425" spcFirstLastPara="1" rIns="91425" wrap="square" tIns="91425">
+          <a:bodyPr spcFirstLastPara="1" wrap="square" lIns="91425" tIns="91425" rIns="91425" bIns="91425" anchor="t" anchorCtr="0">
             <a:noAutofit/>
           </a:bodyPr>
           <a:lstStyle/>
           <a:p>
-            <a:pPr indent="-342900" lvl="0" marL="457200" rtl="0">
+            <a:pPr marL="457200" lvl="0" indent="-342900" rtl="0">
               <a:spcBef>
                 <a:spcPts val="0"/>
               </a:spcBef>
@@ -6779,7 +6961,7 @@
             <a:endParaRPr/>
           </a:p>
           <a:p>
-            <a:pPr indent="-317500" lvl="1" marL="914400" rtl="0">
+            <a:pPr marL="914400" lvl="1" indent="-317500" rtl="0">
               <a:spcBef>
                 <a:spcPts val="0"/>
               </a:spcBef>
@@ -6796,7 +6978,7 @@
             <a:endParaRPr/>
           </a:p>
           <a:p>
-            <a:pPr indent="-317500" lvl="1" marL="914400" rtl="0">
+            <a:pPr marL="914400" lvl="1" indent="-317500" rtl="0">
               <a:spcBef>
                 <a:spcPts val="0"/>
               </a:spcBef>
@@ -6813,7 +6995,7 @@
             <a:endParaRPr/>
           </a:p>
           <a:p>
-            <a:pPr indent="-317500" lvl="2" marL="1371600" rtl="0">
+            <a:pPr marL="1371600" lvl="2" indent="-317500" rtl="0">
               <a:spcBef>
                 <a:spcPts val="0"/>
               </a:spcBef>
@@ -6830,7 +7012,7 @@
             <a:endParaRPr/>
           </a:p>
           <a:p>
-            <a:pPr indent="-317500" lvl="2" marL="1371600" rtl="0">
+            <a:pPr marL="1371600" lvl="2" indent="-317500" rtl="0">
               <a:spcBef>
                 <a:spcPts val="0"/>
               </a:spcBef>
@@ -6847,7 +7029,7 @@
             <a:endParaRPr/>
           </a:p>
           <a:p>
-            <a:pPr indent="-317500" lvl="2" marL="1371600" rtl="0">
+            <a:pPr marL="1371600" lvl="2" indent="-317500" rtl="0">
               <a:spcBef>
                 <a:spcPts val="0"/>
               </a:spcBef>
@@ -6864,7 +7046,7 @@
             <a:endParaRPr/>
           </a:p>
           <a:p>
-            <a:pPr indent="-317500" lvl="2" marL="1371600" rtl="0">
+            <a:pPr marL="1371600" lvl="2" indent="-317500" rtl="0">
               <a:spcBef>
                 <a:spcPts val="0"/>
               </a:spcBef>
@@ -6881,7 +7063,7 @@
             <a:endParaRPr/>
           </a:p>
           <a:p>
-            <a:pPr indent="-317500" lvl="2" marL="1371600" rtl="0">
+            <a:pPr marL="1371600" lvl="2" indent="-317500" rtl="0">
               <a:spcBef>
                 <a:spcPts val="0"/>
               </a:spcBef>
@@ -6898,7 +7080,7 @@
             <a:endParaRPr/>
           </a:p>
           <a:p>
-            <a:pPr indent="-342900" lvl="0" marL="457200" rtl="0">
+            <a:pPr marL="457200" lvl="0" indent="-342900" rtl="0">
               <a:spcBef>
                 <a:spcPts val="0"/>
               </a:spcBef>
@@ -6915,7 +7097,7 @@
             <a:endParaRPr/>
           </a:p>
           <a:p>
-            <a:pPr indent="-342900" lvl="0" marL="457200">
+            <a:pPr marL="457200" lvl="0" indent="-342900">
               <a:spcBef>
                 <a:spcPts val="0"/>
               </a:spcBef>
@@ -6942,11 +7124,11 @@
 </file>
 
 <file path=ppt/slides/slide3.xml><?xml version="1.0" encoding="utf-8"?>
-<p:sld xmlns:a="http://schemas.openxmlformats.org/drawingml/2006/main" xmlns:r="http://schemas.openxmlformats.org/officeDocument/2006/relationships" xmlns:mc="http://schemas.openxmlformats.org/markup-compatibility/2006" xmlns:mv="urn:schemas-microsoft-com:mac:vml" xmlns:p="http://schemas.openxmlformats.org/presentationml/2006/main" xmlns:c="http://schemas.openxmlformats.org/drawingml/2006/chart" xmlns:dgm="http://schemas.openxmlformats.org/drawingml/2006/diagram" xmlns:o="urn:schemas-microsoft-com:office:office" xmlns:v="urn:schemas-microsoft-com:vml" xmlns:pvml="urn:schemas-microsoft-com:office:powerpoint" xmlns:com="http://schemas.openxmlformats.org/drawingml/2006/compatibility" xmlns:p14="http://schemas.microsoft.com/office/powerpoint/2010/main" xmlns:p15="http://schemas.microsoft.com/office/powerpoint/2012/main">
+<p:sld xmlns:a="http://schemas.openxmlformats.org/drawingml/2006/main" xmlns:r="http://schemas.openxmlformats.org/officeDocument/2006/relationships" xmlns:p="http://schemas.openxmlformats.org/presentationml/2006/main">
   <p:cSld>
     <p:spTree>
       <p:nvGrpSpPr>
-        <p:cNvPr id="74" name="Shape 74"/>
+        <p:cNvPr id="1" name="Shape 74"/>
         <p:cNvGrpSpPr/>
         <p:nvPr/>
       </p:nvGrpSpPr>
@@ -6961,7 +7143,9 @@
       <p:sp>
         <p:nvSpPr>
           <p:cNvPr id="75" name="Shape 75"/>
-          <p:cNvSpPr txBox="1"/>
+          <p:cNvSpPr txBox="1">
+            <a:spLocks noGrp="1"/>
+          </p:cNvSpPr>
           <p:nvPr>
             <p:ph type="title"/>
           </p:nvPr>
@@ -6976,12 +7160,12 @@
           </a:prstGeom>
         </p:spPr>
         <p:txBody>
-          <a:bodyPr anchorCtr="0" anchor="b" bIns="91425" lIns="91425" spcFirstLastPara="1" rIns="91425" wrap="square" tIns="91425">
+          <a:bodyPr spcFirstLastPara="1" wrap="square" lIns="91425" tIns="91425" rIns="91425" bIns="91425" anchor="b" anchorCtr="0">
             <a:noAutofit/>
           </a:bodyPr>
           <a:lstStyle/>
           <a:p>
-            <a:pPr indent="0" lvl="0" marL="0">
+            <a:pPr marL="0" lvl="0" indent="0">
               <a:spcBef>
                 <a:spcPts val="0"/>
               </a:spcBef>
@@ -7001,9 +7185,11 @@
       <p:sp>
         <p:nvSpPr>
           <p:cNvPr id="76" name="Shape 76"/>
-          <p:cNvSpPr txBox="1"/>
+          <p:cNvSpPr txBox="1">
+            <a:spLocks noGrp="1"/>
+          </p:cNvSpPr>
           <p:nvPr>
-            <p:ph idx="1" type="body"/>
+            <p:ph type="body" idx="1"/>
           </p:nvPr>
         </p:nvSpPr>
         <p:spPr>
@@ -7016,12 +7202,12 @@
           </a:prstGeom>
         </p:spPr>
         <p:txBody>
-          <a:bodyPr anchorCtr="0" anchor="t" bIns="91425" lIns="91425" spcFirstLastPara="1" rIns="91425" wrap="square" tIns="91425">
+          <a:bodyPr spcFirstLastPara="1" wrap="square" lIns="91425" tIns="91425" rIns="91425" bIns="91425" anchor="t" anchorCtr="0">
             <a:noAutofit/>
           </a:bodyPr>
           <a:lstStyle/>
           <a:p>
-            <a:pPr indent="-342900" lvl="0" marL="457200" rtl="0">
+            <a:pPr marL="457200" lvl="0" indent="-342900" rtl="0">
               <a:spcBef>
                 <a:spcPts val="0"/>
               </a:spcBef>
@@ -7038,7 +7224,7 @@
             <a:endParaRPr/>
           </a:p>
           <a:p>
-            <a:pPr indent="-342900" lvl="0" marL="457200" rtl="0">
+            <a:pPr marL="457200" lvl="0" indent="-342900" rtl="0">
               <a:spcBef>
                 <a:spcPts val="0"/>
               </a:spcBef>
@@ -7055,7 +7241,7 @@
             <a:endParaRPr/>
           </a:p>
           <a:p>
-            <a:pPr indent="-342900" lvl="0" marL="457200" rtl="0">
+            <a:pPr marL="457200" lvl="0" indent="-342900" rtl="0">
               <a:spcBef>
                 <a:spcPts val="0"/>
               </a:spcBef>
@@ -7072,7 +7258,7 @@
             <a:endParaRPr/>
           </a:p>
           <a:p>
-            <a:pPr indent="-342900" lvl="0" marL="457200" rtl="0">
+            <a:pPr marL="457200" lvl="0" indent="-342900" rtl="0">
               <a:spcBef>
                 <a:spcPts val="0"/>
               </a:spcBef>
@@ -7089,7 +7275,7 @@
             <a:endParaRPr/>
           </a:p>
           <a:p>
-            <a:pPr indent="-317500" lvl="1" marL="914400" rtl="0">
+            <a:pPr marL="914400" lvl="1" indent="-317500" rtl="0">
               <a:spcBef>
                 <a:spcPts val="0"/>
               </a:spcBef>
@@ -7106,7 +7292,7 @@
             <a:endParaRPr/>
           </a:p>
           <a:p>
-            <a:pPr indent="-317500" lvl="1" marL="914400" rtl="0">
+            <a:pPr marL="914400" lvl="1" indent="-317500" rtl="0">
               <a:spcBef>
                 <a:spcPts val="0"/>
               </a:spcBef>
@@ -7123,7 +7309,7 @@
             <a:endParaRPr/>
           </a:p>
           <a:p>
-            <a:pPr indent="-317500" lvl="1" marL="914400" rtl="0">
+            <a:pPr marL="914400" lvl="1" indent="-317500" rtl="0">
               <a:spcBef>
                 <a:spcPts val="0"/>
               </a:spcBef>
@@ -7140,7 +7326,7 @@
             <a:endParaRPr/>
           </a:p>
           <a:p>
-            <a:pPr indent="-342900" lvl="0" marL="457200" rtl="0">
+            <a:pPr marL="457200" lvl="0" indent="-342900" rtl="0">
               <a:spcBef>
                 <a:spcPts val="0"/>
               </a:spcBef>
@@ -7157,7 +7343,7 @@
             <a:endParaRPr/>
           </a:p>
           <a:p>
-            <a:pPr indent="-317500" lvl="1" marL="914400" rtl="0">
+            <a:pPr marL="914400" lvl="1" indent="-317500" rtl="0">
               <a:spcBef>
                 <a:spcPts val="0"/>
               </a:spcBef>
@@ -7174,7 +7360,7 @@
             <a:endParaRPr/>
           </a:p>
           <a:p>
-            <a:pPr indent="-317500" lvl="1" marL="914400" rtl="0">
+            <a:pPr marL="914400" lvl="1" indent="-317500" rtl="0">
               <a:spcBef>
                 <a:spcPts val="0"/>
               </a:spcBef>
@@ -7201,11 +7387,11 @@
 </file>
 
 <file path=ppt/slides/slide4.xml><?xml version="1.0" encoding="utf-8"?>
-<p:sld xmlns:a="http://schemas.openxmlformats.org/drawingml/2006/main" xmlns:r="http://schemas.openxmlformats.org/officeDocument/2006/relationships" xmlns:mc="http://schemas.openxmlformats.org/markup-compatibility/2006" xmlns:mv="urn:schemas-microsoft-com:mac:vml" xmlns:p="http://schemas.openxmlformats.org/presentationml/2006/main" xmlns:c="http://schemas.openxmlformats.org/drawingml/2006/chart" xmlns:dgm="http://schemas.openxmlformats.org/drawingml/2006/diagram" xmlns:o="urn:schemas-microsoft-com:office:office" xmlns:v="urn:schemas-microsoft-com:vml" xmlns:pvml="urn:schemas-microsoft-com:office:powerpoint" xmlns:com="http://schemas.openxmlformats.org/drawingml/2006/compatibility" xmlns:p14="http://schemas.microsoft.com/office/powerpoint/2010/main" xmlns:p15="http://schemas.microsoft.com/office/powerpoint/2012/main">
+<p:sld xmlns:a="http://schemas.openxmlformats.org/drawingml/2006/main" xmlns:r="http://schemas.openxmlformats.org/officeDocument/2006/relationships" xmlns:p="http://schemas.openxmlformats.org/presentationml/2006/main">
   <p:cSld>
     <p:spTree>
       <p:nvGrpSpPr>
-        <p:cNvPr id="80" name="Shape 80"/>
+        <p:cNvPr id="1" name="Shape 80"/>
         <p:cNvGrpSpPr/>
         <p:nvPr/>
       </p:nvGrpSpPr>
@@ -7220,7 +7406,9 @@
       <p:sp>
         <p:nvSpPr>
           <p:cNvPr id="81" name="Shape 81"/>
-          <p:cNvSpPr txBox="1"/>
+          <p:cNvSpPr txBox="1">
+            <a:spLocks noGrp="1"/>
+          </p:cNvSpPr>
           <p:nvPr>
             <p:ph type="title"/>
           </p:nvPr>
@@ -7235,12 +7423,12 @@
           </a:prstGeom>
         </p:spPr>
         <p:txBody>
-          <a:bodyPr anchorCtr="0" anchor="b" bIns="91425" lIns="91425" spcFirstLastPara="1" rIns="91425" wrap="square" tIns="91425">
+          <a:bodyPr spcFirstLastPara="1" wrap="square" lIns="91425" tIns="91425" rIns="91425" bIns="91425" anchor="b" anchorCtr="0">
             <a:noAutofit/>
           </a:bodyPr>
           <a:lstStyle/>
           <a:p>
-            <a:pPr indent="0" lvl="0" marL="0">
+            <a:pPr marL="0" lvl="0" indent="0">
               <a:spcBef>
                 <a:spcPts val="0"/>
               </a:spcBef>
@@ -7260,9 +7448,11 @@
       <p:sp>
         <p:nvSpPr>
           <p:cNvPr id="82" name="Shape 82"/>
-          <p:cNvSpPr txBox="1"/>
+          <p:cNvSpPr txBox="1">
+            <a:spLocks noGrp="1"/>
+          </p:cNvSpPr>
           <p:nvPr>
-            <p:ph idx="1" type="body"/>
+            <p:ph type="body" idx="1"/>
           </p:nvPr>
         </p:nvSpPr>
         <p:spPr>
@@ -7275,12 +7465,12 @@
           </a:prstGeom>
         </p:spPr>
         <p:txBody>
-          <a:bodyPr anchorCtr="0" anchor="t" bIns="91425" lIns="91425" spcFirstLastPara="1" rIns="91425" wrap="square" tIns="91425">
+          <a:bodyPr spcFirstLastPara="1" wrap="square" lIns="91425" tIns="91425" rIns="91425" bIns="91425" anchor="t" anchorCtr="0">
             <a:noAutofit/>
           </a:bodyPr>
           <a:lstStyle/>
           <a:p>
-            <a:pPr indent="-342900" lvl="0" marL="457200" rtl="0">
+            <a:pPr marL="457200" lvl="0" indent="-342900" rtl="0">
               <a:lnSpc>
                 <a:spcPct val="200000"/>
               </a:lnSpc>
@@ -7300,7 +7490,7 @@
             <a:endParaRPr/>
           </a:p>
           <a:p>
-            <a:pPr indent="-342900" lvl="0" marL="457200" rtl="0">
+            <a:pPr marL="457200" lvl="0" indent="-342900" rtl="0">
               <a:lnSpc>
                 <a:spcPct val="200000"/>
               </a:lnSpc>
@@ -7320,7 +7510,7 @@
             <a:endParaRPr/>
           </a:p>
           <a:p>
-            <a:pPr indent="-342900" lvl="0" marL="457200" rtl="0">
+            <a:pPr marL="457200" lvl="0" indent="-342900" rtl="0">
               <a:lnSpc>
                 <a:spcPct val="200000"/>
               </a:lnSpc>
@@ -7340,7 +7530,7 @@
             <a:endParaRPr/>
           </a:p>
           <a:p>
-            <a:pPr indent="-342900" lvl="0" marL="457200">
+            <a:pPr marL="457200" lvl="0" indent="-342900">
               <a:lnSpc>
                 <a:spcPct val="200000"/>
               </a:lnSpc>
@@ -7370,11 +7560,19 @@
 </file>
 
 <file path=ppt/slides/slide5.xml><?xml version="1.0" encoding="utf-8"?>
-<p:sld xmlns:a="http://schemas.openxmlformats.org/drawingml/2006/main" xmlns:r="http://schemas.openxmlformats.org/officeDocument/2006/relationships" xmlns:mc="http://schemas.openxmlformats.org/markup-compatibility/2006" xmlns:mv="urn:schemas-microsoft-com:mac:vml" xmlns:p="http://schemas.openxmlformats.org/presentationml/2006/main" xmlns:c="http://schemas.openxmlformats.org/drawingml/2006/chart" xmlns:dgm="http://schemas.openxmlformats.org/drawingml/2006/diagram" xmlns:o="urn:schemas-microsoft-com:office:office" xmlns:v="urn:schemas-microsoft-com:vml" xmlns:pvml="urn:schemas-microsoft-com:office:powerpoint" xmlns:com="http://schemas.openxmlformats.org/drawingml/2006/compatibility" xmlns:p14="http://schemas.microsoft.com/office/powerpoint/2010/main" xmlns:p15="http://schemas.microsoft.com/office/powerpoint/2012/main">
+<p:sld xmlns:a="http://schemas.openxmlformats.org/drawingml/2006/main" xmlns:r="http://schemas.openxmlformats.org/officeDocument/2006/relationships" xmlns:p="http://schemas.openxmlformats.org/presentationml/2006/main">
   <p:cSld>
+    <p:bg>
+      <p:bgPr>
+        <a:solidFill>
+          <a:srgbClr val="08527A"/>
+        </a:solidFill>
+        <a:effectLst/>
+      </p:bgPr>
+    </p:bg>
     <p:spTree>
       <p:nvGrpSpPr>
-        <p:cNvPr id="86" name="Shape 86"/>
+        <p:cNvPr id="1" name="Shape 86"/>
         <p:cNvGrpSpPr/>
         <p:nvPr/>
       </p:nvGrpSpPr>
@@ -7389,7 +7587,9 @@
       <p:sp>
         <p:nvSpPr>
           <p:cNvPr id="87" name="Shape 87"/>
-          <p:cNvSpPr txBox="1"/>
+          <p:cNvSpPr txBox="1">
+            <a:spLocks noGrp="1"/>
+          </p:cNvSpPr>
           <p:nvPr>
             <p:ph type="title"/>
           </p:nvPr>
@@ -7404,12 +7604,12 @@
           </a:prstGeom>
         </p:spPr>
         <p:txBody>
-          <a:bodyPr anchorCtr="0" anchor="b" bIns="91425" lIns="91425" spcFirstLastPara="1" rIns="91425" wrap="square" tIns="91425">
+          <a:bodyPr spcFirstLastPara="1" wrap="square" lIns="91425" tIns="91425" rIns="91425" bIns="91425" anchor="b" anchorCtr="0">
             <a:noAutofit/>
           </a:bodyPr>
           <a:lstStyle/>
           <a:p>
-            <a:pPr indent="0" lvl="0" marL="0">
+            <a:pPr marL="0" lvl="0" indent="0">
               <a:spcBef>
                 <a:spcPts val="0"/>
               </a:spcBef>
@@ -7429,9 +7629,11 @@
       <p:sp>
         <p:nvSpPr>
           <p:cNvPr id="88" name="Shape 88"/>
-          <p:cNvSpPr txBox="1"/>
+          <p:cNvSpPr txBox="1">
+            <a:spLocks noGrp="1"/>
+          </p:cNvSpPr>
           <p:nvPr>
-            <p:ph idx="1" type="body"/>
+            <p:ph type="body" idx="1"/>
           </p:nvPr>
         </p:nvSpPr>
         <p:spPr>
@@ -7444,12 +7646,12 @@
           </a:prstGeom>
         </p:spPr>
         <p:txBody>
-          <a:bodyPr anchorCtr="0" anchor="t" bIns="91425" lIns="91425" spcFirstLastPara="1" rIns="91425" wrap="square" tIns="91425">
+          <a:bodyPr spcFirstLastPara="1" wrap="square" lIns="91425" tIns="91425" rIns="91425" bIns="91425" anchor="t" anchorCtr="0">
             <a:noAutofit/>
           </a:bodyPr>
           <a:lstStyle/>
           <a:p>
-            <a:pPr indent="-342900" lvl="0" marL="457200" marR="0" rtl="0" algn="l">
+            <a:pPr marL="457200" marR="0" lvl="0" indent="-342900" algn="l" rtl="0">
               <a:lnSpc>
                 <a:spcPct val="200000"/>
               </a:lnSpc>
@@ -7468,20 +7670,12 @@
             </a:pPr>
             <a:r>
               <a:rPr lang="en"/>
-              <a:t>Veena - base of implementation, debugging, initial design and </a:t>
-            </a:r>
-            <a:r>
-              <a:rPr lang="en"/>
-              <a:t>report </a:t>
-            </a:r>
-            <a:r>
-              <a:rPr lang="en"/>
-              <a:t>and presentation assistance</a:t>
+              <a:t>Veena - base of implementation, debugging, initial design and report and presentation assistance</a:t>
             </a:r>
             <a:endParaRPr/>
           </a:p>
           <a:p>
-            <a:pPr indent="-342900" lvl="0" marL="457200" marR="0" rtl="0" algn="l">
+            <a:pPr marL="457200" marR="0" lvl="0" indent="-342900" algn="l" rtl="0">
               <a:lnSpc>
                 <a:spcPct val="200000"/>
               </a:lnSpc>
@@ -7501,7 +7695,7 @@
             <a:endParaRPr/>
           </a:p>
           <a:p>
-            <a:pPr indent="-342900" lvl="0" marL="457200" marR="0" rtl="0" algn="l">
+            <a:pPr marL="457200" marR="0" lvl="0" indent="-342900" algn="l" rtl="0">
               <a:lnSpc>
                 <a:spcPct val="200000"/>
               </a:lnSpc>
@@ -7531,18 +7725,19 @@
 </file>
 
 <file path=ppt/slides/slide6.xml><?xml version="1.0" encoding="utf-8"?>
-<p:sld xmlns:a="http://schemas.openxmlformats.org/drawingml/2006/main" xmlns:r="http://schemas.openxmlformats.org/officeDocument/2006/relationships" xmlns:mc="http://schemas.openxmlformats.org/markup-compatibility/2006" xmlns:mv="urn:schemas-microsoft-com:mac:vml" xmlns:p="http://schemas.openxmlformats.org/presentationml/2006/main" xmlns:c="http://schemas.openxmlformats.org/drawingml/2006/chart" xmlns:dgm="http://schemas.openxmlformats.org/drawingml/2006/diagram" xmlns:o="urn:schemas-microsoft-com:office:office" xmlns:v="urn:schemas-microsoft-com:vml" xmlns:pvml="urn:schemas-microsoft-com:office:powerpoint" xmlns:com="http://schemas.openxmlformats.org/drawingml/2006/compatibility" xmlns:p14="http://schemas.microsoft.com/office/powerpoint/2010/main" xmlns:p15="http://schemas.microsoft.com/office/powerpoint/2012/main">
+<p:sld xmlns:a="http://schemas.openxmlformats.org/drawingml/2006/main" xmlns:r="http://schemas.openxmlformats.org/officeDocument/2006/relationships" xmlns:p="http://schemas.openxmlformats.org/presentationml/2006/main">
   <p:cSld>
     <p:bg>
       <p:bgPr>
         <a:solidFill>
-          <a:schemeClr val="dk2"/>
+          <a:srgbClr val="08527A"/>
         </a:solidFill>
+        <a:effectLst/>
       </p:bgPr>
     </p:bg>
     <p:spTree>
       <p:nvGrpSpPr>
-        <p:cNvPr id="92" name="Shape 92"/>
+        <p:cNvPr id="1" name="Shape 92"/>
         <p:cNvGrpSpPr/>
         <p:nvPr/>
       </p:nvGrpSpPr>
@@ -7557,7 +7752,9 @@
       <p:sp>
         <p:nvSpPr>
           <p:cNvPr id="93" name="Shape 93"/>
-          <p:cNvSpPr txBox="1"/>
+          <p:cNvSpPr txBox="1">
+            <a:spLocks noGrp="1"/>
+          </p:cNvSpPr>
           <p:nvPr>
             <p:ph type="title"/>
           </p:nvPr>
@@ -7572,12 +7769,12 @@
           </a:prstGeom>
         </p:spPr>
         <p:txBody>
-          <a:bodyPr anchorCtr="0" anchor="b" bIns="91425" lIns="91425" spcFirstLastPara="1" rIns="91425" wrap="square" tIns="91425">
+          <a:bodyPr spcFirstLastPara="1" wrap="square" lIns="91425" tIns="91425" rIns="91425" bIns="91425" anchor="b" anchorCtr="0">
             <a:noAutofit/>
           </a:bodyPr>
           <a:lstStyle/>
           <a:p>
-            <a:pPr indent="0" lvl="0" marL="0">
+            <a:pPr marL="0" lvl="0" indent="0">
               <a:spcBef>
                 <a:spcPts val="0"/>
               </a:spcBef>
@@ -7597,9 +7794,11 @@
       <p:sp>
         <p:nvSpPr>
           <p:cNvPr id="94" name="Shape 94"/>
-          <p:cNvSpPr txBox="1"/>
+          <p:cNvSpPr txBox="1">
+            <a:spLocks noGrp="1"/>
+          </p:cNvSpPr>
           <p:nvPr>
-            <p:ph idx="1" type="body"/>
+            <p:ph type="body" idx="1"/>
           </p:nvPr>
         </p:nvSpPr>
         <p:spPr>
@@ -7612,12 +7811,12 @@
           </a:prstGeom>
         </p:spPr>
         <p:txBody>
-          <a:bodyPr anchorCtr="0" anchor="t" bIns="91425" lIns="91425" spcFirstLastPara="1" rIns="91425" wrap="square" tIns="91425">
+          <a:bodyPr spcFirstLastPara="1" wrap="square" lIns="91425" tIns="91425" rIns="91425" bIns="91425" anchor="t" anchorCtr="0">
             <a:noAutofit/>
           </a:bodyPr>
           <a:lstStyle/>
           <a:p>
-            <a:pPr indent="-342900" lvl="0" marL="457200" rtl="0">
+            <a:pPr marL="457200" lvl="0" indent="-342900" rtl="0">
               <a:lnSpc>
                 <a:spcPct val="200000"/>
               </a:lnSpc>
@@ -7637,7 +7836,7 @@
             <a:endParaRPr/>
           </a:p>
           <a:p>
-            <a:pPr indent="-342900" lvl="0" marL="457200" rtl="0">
+            <a:pPr marL="457200" lvl="0" indent="-342900" rtl="0">
               <a:lnSpc>
                 <a:spcPct val="200000"/>
               </a:lnSpc>
@@ -7657,7 +7856,7 @@
             <a:endParaRPr/>
           </a:p>
           <a:p>
-            <a:pPr indent="-342900" lvl="0" marL="457200" rtl="0">
+            <a:pPr marL="457200" lvl="0" indent="-342900" rtl="0">
               <a:lnSpc>
                 <a:spcPct val="200000"/>
               </a:lnSpc>
@@ -7677,7 +7876,7 @@
             <a:endParaRPr/>
           </a:p>
           <a:p>
-            <a:pPr indent="-342900" lvl="0" marL="457200" rtl="0">
+            <a:pPr marL="457200" lvl="0" indent="-342900" rtl="0">
               <a:lnSpc>
                 <a:spcPct val="200000"/>
               </a:lnSpc>
@@ -7697,7 +7896,7 @@
             <a:endParaRPr/>
           </a:p>
           <a:p>
-            <a:pPr indent="0" lvl="0" marL="0" algn="ctr">
+            <a:pPr marL="0" lvl="0" indent="0" algn="ctr">
               <a:lnSpc>
                 <a:spcPct val="200000"/>
               </a:lnSpc>
@@ -7726,7 +7925,288 @@
 </file>
 
 <file path=ppt/theme/theme1.xml><?xml version="1.0" encoding="utf-8"?>
-<a:theme xmlns:a="http://schemas.openxmlformats.org/drawingml/2006/main" xmlns:r="http://schemas.openxmlformats.org/officeDocument/2006/relationships">
+<a:theme xmlns:a="http://schemas.openxmlformats.org/drawingml/2006/main" name="Marina">
+  <a:themeElements>
+    <a:clrScheme name="Marina">
+      <a:dk1>
+        <a:srgbClr val="FFFFFF"/>
+      </a:dk1>
+      <a:lt1>
+        <a:srgbClr val="00517C"/>
+      </a:lt1>
+      <a:dk2>
+        <a:srgbClr val="004065"/>
+      </a:dk2>
+      <a:lt2>
+        <a:srgbClr val="CFD8DC"/>
+      </a:lt2>
+      <a:accent1>
+        <a:srgbClr val="0277BD"/>
+      </a:accent1>
+      <a:accent2>
+        <a:srgbClr val="558B2F"/>
+      </a:accent2>
+      <a:accent3>
+        <a:srgbClr val="009688"/>
+      </a:accent3>
+      <a:accent4>
+        <a:srgbClr val="039BE5"/>
+      </a:accent4>
+      <a:accent5>
+        <a:srgbClr val="8BC34A"/>
+      </a:accent5>
+      <a:accent6>
+        <a:srgbClr val="FFEB38"/>
+      </a:accent6>
+      <a:hlink>
+        <a:srgbClr val="8BC34A"/>
+      </a:hlink>
+      <a:folHlink>
+        <a:srgbClr val="8BC34A"/>
+      </a:folHlink>
+    </a:clrScheme>
+    <a:fontScheme name="Office">
+      <a:majorFont>
+        <a:latin typeface="Arial"/>
+        <a:ea typeface=""/>
+        <a:cs typeface=""/>
+        <a:font script="Jpan" typeface="ＭＳ Ｐゴシック"/>
+        <a:font script="Hang" typeface="맑은 고딕"/>
+        <a:font script="Hans" typeface="宋体"/>
+        <a:font script="Hant" typeface="新細明體"/>
+        <a:font script="Arab" typeface="Times New Roman"/>
+        <a:font script="Hebr" typeface="Times New Roman"/>
+        <a:font script="Thai" typeface="Angsana New"/>
+        <a:font script="Ethi" typeface="Nyala"/>
+        <a:font script="Beng" typeface="Vrinda"/>
+        <a:font script="Gujr" typeface="Shruti"/>
+        <a:font script="Khmr" typeface="MoolBoran"/>
+        <a:font script="Knda" typeface="Tunga"/>
+        <a:font script="Guru" typeface="Raavi"/>
+        <a:font script="Cans" typeface="Euphemia"/>
+        <a:font script="Cher" typeface="Plantagenet Cherokee"/>
+        <a:font script="Yiii" typeface="Microsoft Yi Baiti"/>
+        <a:font script="Tibt" typeface="Microsoft Himalaya"/>
+        <a:font script="Thaa" typeface="MV Boli"/>
+        <a:font script="Deva" typeface="Mangal"/>
+        <a:font script="Telu" typeface="Gautami"/>
+        <a:font script="Taml" typeface="Latha"/>
+        <a:font script="Syrc" typeface="Estrangelo Edessa"/>
+        <a:font script="Orya" typeface="Kalinga"/>
+        <a:font script="Mlym" typeface="Kartika"/>
+        <a:font script="Laoo" typeface="DokChampa"/>
+        <a:font script="Sinh" typeface="Iskoola Pota"/>
+        <a:font script="Mong" typeface="Mongolian Baiti"/>
+        <a:font script="Viet" typeface="Times New Roman"/>
+        <a:font script="Uigh" typeface="Microsoft Uighur"/>
+        <a:font script="Geor" typeface="Sylfaen"/>
+      </a:majorFont>
+      <a:minorFont>
+        <a:latin typeface="Arial"/>
+        <a:ea typeface=""/>
+        <a:cs typeface=""/>
+        <a:font script="Jpan" typeface="ＭＳ Ｐゴシック"/>
+        <a:font script="Hang" typeface="맑은 고딕"/>
+        <a:font script="Hans" typeface="宋体"/>
+        <a:font script="Hant" typeface="新細明體"/>
+        <a:font script="Arab" typeface="Arial"/>
+        <a:font script="Hebr" typeface="Arial"/>
+        <a:font script="Thai" typeface="Cordia New"/>
+        <a:font script="Ethi" typeface="Nyala"/>
+        <a:font script="Beng" typeface="Vrinda"/>
+        <a:font script="Gujr" typeface="Shruti"/>
+        <a:font script="Khmr" typeface="DaunPenh"/>
+        <a:font script="Knda" typeface="Tunga"/>
+        <a:font script="Guru" typeface="Raavi"/>
+        <a:font script="Cans" typeface="Euphemia"/>
+        <a:font script="Cher" typeface="Plantagenet Cherokee"/>
+        <a:font script="Yiii" typeface="Microsoft Yi Baiti"/>
+        <a:font script="Tibt" typeface="Microsoft Himalaya"/>
+        <a:font script="Thaa" typeface="MV Boli"/>
+        <a:font script="Deva" typeface="Mangal"/>
+        <a:font script="Telu" typeface="Gautami"/>
+        <a:font script="Taml" typeface="Latha"/>
+        <a:font script="Syrc" typeface="Estrangelo Edessa"/>
+        <a:font script="Orya" typeface="Kalinga"/>
+        <a:font script="Mlym" typeface="Kartika"/>
+        <a:font script="Laoo" typeface="DokChampa"/>
+        <a:font script="Sinh" typeface="Iskoola Pota"/>
+        <a:font script="Mong" typeface="Mongolian Baiti"/>
+        <a:font script="Viet" typeface="Arial"/>
+        <a:font script="Uigh" typeface="Microsoft Uighur"/>
+        <a:font script="Geor" typeface="Sylfaen"/>
+      </a:minorFont>
+    </a:fontScheme>
+    <a:fmtScheme name="Office">
+      <a:fillStyleLst>
+        <a:solidFill>
+          <a:schemeClr val="phClr"/>
+        </a:solidFill>
+        <a:gradFill rotWithShape="1">
+          <a:gsLst>
+            <a:gs pos="0">
+              <a:schemeClr val="phClr">
+                <a:tint val="50000"/>
+                <a:satMod val="300000"/>
+              </a:schemeClr>
+            </a:gs>
+            <a:gs pos="35000">
+              <a:schemeClr val="phClr">
+                <a:tint val="37000"/>
+                <a:satMod val="300000"/>
+              </a:schemeClr>
+            </a:gs>
+            <a:gs pos="100000">
+              <a:schemeClr val="phClr">
+                <a:tint val="15000"/>
+                <a:satMod val="350000"/>
+              </a:schemeClr>
+            </a:gs>
+          </a:gsLst>
+          <a:lin ang="16200000" scaled="1"/>
+        </a:gradFill>
+        <a:gradFill rotWithShape="1">
+          <a:gsLst>
+            <a:gs pos="0">
+              <a:schemeClr val="phClr">
+                <a:tint val="100000"/>
+                <a:shade val="100000"/>
+                <a:satMod val="130000"/>
+              </a:schemeClr>
+            </a:gs>
+            <a:gs pos="100000">
+              <a:schemeClr val="phClr">
+                <a:tint val="50000"/>
+                <a:shade val="100000"/>
+                <a:satMod val="350000"/>
+              </a:schemeClr>
+            </a:gs>
+          </a:gsLst>
+          <a:lin ang="16200000" scaled="0"/>
+        </a:gradFill>
+      </a:fillStyleLst>
+      <a:lnStyleLst>
+        <a:ln w="9525" cap="flat" cmpd="sng" algn="ctr">
+          <a:solidFill>
+            <a:schemeClr val="phClr">
+              <a:shade val="95000"/>
+              <a:satMod val="105000"/>
+            </a:schemeClr>
+          </a:solidFill>
+          <a:prstDash val="solid"/>
+        </a:ln>
+        <a:ln w="25400" cap="flat" cmpd="sng" algn="ctr">
+          <a:solidFill>
+            <a:schemeClr val="phClr"/>
+          </a:solidFill>
+          <a:prstDash val="solid"/>
+        </a:ln>
+        <a:ln w="38100" cap="flat" cmpd="sng" algn="ctr">
+          <a:solidFill>
+            <a:schemeClr val="phClr"/>
+          </a:solidFill>
+          <a:prstDash val="solid"/>
+        </a:ln>
+      </a:lnStyleLst>
+      <a:effectStyleLst>
+        <a:effectStyle>
+          <a:effectLst>
+            <a:outerShdw blurRad="40000" dist="20000" dir="5400000" rotWithShape="0">
+              <a:srgbClr val="000000">
+                <a:alpha val="38000"/>
+              </a:srgbClr>
+            </a:outerShdw>
+          </a:effectLst>
+        </a:effectStyle>
+        <a:effectStyle>
+          <a:effectLst>
+            <a:outerShdw blurRad="40000" dist="23000" dir="5400000" rotWithShape="0">
+              <a:srgbClr val="000000">
+                <a:alpha val="35000"/>
+              </a:srgbClr>
+            </a:outerShdw>
+          </a:effectLst>
+        </a:effectStyle>
+        <a:effectStyle>
+          <a:effectLst>
+            <a:outerShdw blurRad="40000" dist="23000" dir="5400000" rotWithShape="0">
+              <a:srgbClr val="000000">
+                <a:alpha val="35000"/>
+              </a:srgbClr>
+            </a:outerShdw>
+          </a:effectLst>
+          <a:scene3d>
+            <a:camera prst="orthographicFront">
+              <a:rot lat="0" lon="0" rev="0"/>
+            </a:camera>
+            <a:lightRig rig="threePt" dir="t">
+              <a:rot lat="0" lon="0" rev="1200000"/>
+            </a:lightRig>
+          </a:scene3d>
+          <a:sp3d>
+            <a:bevelT w="63500" h="25400"/>
+          </a:sp3d>
+        </a:effectStyle>
+      </a:effectStyleLst>
+      <a:bgFillStyleLst>
+        <a:solidFill>
+          <a:schemeClr val="phClr"/>
+        </a:solidFill>
+        <a:gradFill rotWithShape="1">
+          <a:gsLst>
+            <a:gs pos="0">
+              <a:schemeClr val="phClr">
+                <a:tint val="40000"/>
+                <a:satMod val="350000"/>
+              </a:schemeClr>
+            </a:gs>
+            <a:gs pos="40000">
+              <a:schemeClr val="phClr">
+                <a:tint val="45000"/>
+                <a:shade val="99000"/>
+                <a:satMod val="350000"/>
+              </a:schemeClr>
+            </a:gs>
+            <a:gs pos="100000">
+              <a:schemeClr val="phClr">
+                <a:shade val="20000"/>
+                <a:satMod val="255000"/>
+              </a:schemeClr>
+            </a:gs>
+          </a:gsLst>
+          <a:path path="circle">
+            <a:fillToRect l="50000" t="-80000" r="50000" b="180000"/>
+          </a:path>
+        </a:gradFill>
+        <a:gradFill rotWithShape="1">
+          <a:gsLst>
+            <a:gs pos="0">
+              <a:schemeClr val="phClr">
+                <a:tint val="80000"/>
+                <a:satMod val="300000"/>
+              </a:schemeClr>
+            </a:gs>
+            <a:gs pos="100000">
+              <a:schemeClr val="phClr">
+                <a:shade val="30000"/>
+                <a:satMod val="200000"/>
+              </a:schemeClr>
+            </a:gs>
+          </a:gsLst>
+          <a:path path="circle">
+            <a:fillToRect l="50000" t="50000" r="50000" b="50000"/>
+          </a:path>
+        </a:gradFill>
+      </a:bgFillStyleLst>
+    </a:fmtScheme>
+  </a:themeElements>
+  <a:objectDefaults/>
+  <a:extraClrSchemeLst/>
+</a:theme>
+</file>
+
+<file path=ppt/theme/theme2.xml><?xml version="1.0" encoding="utf-8"?>
+<a:theme xmlns:a="http://schemas.openxmlformats.org/drawingml/2006/main">
   <a:themeElements>
     <a:clrScheme name="Default">
       <a:dk1>
@@ -8001,284 +8481,7 @@
       </a:bgFillStyleLst>
     </a:fmtScheme>
   </a:themeElements>
-</a:theme>
-</file>
-
-<file path=ppt/theme/theme2.xml><?xml version="1.0" encoding="utf-8"?>
-<a:theme xmlns:a="http://schemas.openxmlformats.org/drawingml/2006/main" xmlns:r="http://schemas.openxmlformats.org/officeDocument/2006/relationships" name="Marina">
-  <a:themeElements>
-    <a:clrScheme name="Marina">
-      <a:dk1>
-        <a:srgbClr val="FFFFFF"/>
-      </a:dk1>
-      <a:lt1>
-        <a:srgbClr val="00517C"/>
-      </a:lt1>
-      <a:dk2>
-        <a:srgbClr val="004065"/>
-      </a:dk2>
-      <a:lt2>
-        <a:srgbClr val="CFD8DC"/>
-      </a:lt2>
-      <a:accent1>
-        <a:srgbClr val="0277BD"/>
-      </a:accent1>
-      <a:accent2>
-        <a:srgbClr val="558B2F"/>
-      </a:accent2>
-      <a:accent3>
-        <a:srgbClr val="009688"/>
-      </a:accent3>
-      <a:accent4>
-        <a:srgbClr val="039BE5"/>
-      </a:accent4>
-      <a:accent5>
-        <a:srgbClr val="8BC34A"/>
-      </a:accent5>
-      <a:accent6>
-        <a:srgbClr val="FFEB38"/>
-      </a:accent6>
-      <a:hlink>
-        <a:srgbClr val="8BC34A"/>
-      </a:hlink>
-      <a:folHlink>
-        <a:srgbClr val="8BC34A"/>
-      </a:folHlink>
-    </a:clrScheme>
-    <a:fontScheme name="Office">
-      <a:majorFont>
-        <a:latin typeface="Arial"/>
-        <a:ea typeface=""/>
-        <a:cs typeface=""/>
-        <a:font script="Jpan" typeface="ＭＳ Ｐゴシック"/>
-        <a:font script="Hang" typeface="맑은 고딕"/>
-        <a:font script="Hans" typeface="宋体"/>
-        <a:font script="Hant" typeface="新細明體"/>
-        <a:font script="Arab" typeface="Times New Roman"/>
-        <a:font script="Hebr" typeface="Times New Roman"/>
-        <a:font script="Thai" typeface="Angsana New"/>
-        <a:font script="Ethi" typeface="Nyala"/>
-        <a:font script="Beng" typeface="Vrinda"/>
-        <a:font script="Gujr" typeface="Shruti"/>
-        <a:font script="Khmr" typeface="MoolBoran"/>
-        <a:font script="Knda" typeface="Tunga"/>
-        <a:font script="Guru" typeface="Raavi"/>
-        <a:font script="Cans" typeface="Euphemia"/>
-        <a:font script="Cher" typeface="Plantagenet Cherokee"/>
-        <a:font script="Yiii" typeface="Microsoft Yi Baiti"/>
-        <a:font script="Tibt" typeface="Microsoft Himalaya"/>
-        <a:font script="Thaa" typeface="MV Boli"/>
-        <a:font script="Deva" typeface="Mangal"/>
-        <a:font script="Telu" typeface="Gautami"/>
-        <a:font script="Taml" typeface="Latha"/>
-        <a:font script="Syrc" typeface="Estrangelo Edessa"/>
-        <a:font script="Orya" typeface="Kalinga"/>
-        <a:font script="Mlym" typeface="Kartika"/>
-        <a:font script="Laoo" typeface="DokChampa"/>
-        <a:font script="Sinh" typeface="Iskoola Pota"/>
-        <a:font script="Mong" typeface="Mongolian Baiti"/>
-        <a:font script="Viet" typeface="Times New Roman"/>
-        <a:font script="Uigh" typeface="Microsoft Uighur"/>
-        <a:font script="Geor" typeface="Sylfaen"/>
-      </a:majorFont>
-      <a:minorFont>
-        <a:latin typeface="Arial"/>
-        <a:ea typeface=""/>
-        <a:cs typeface=""/>
-        <a:font script="Jpan" typeface="ＭＳ Ｐゴシック"/>
-        <a:font script="Hang" typeface="맑은 고딕"/>
-        <a:font script="Hans" typeface="宋体"/>
-        <a:font script="Hant" typeface="新細明體"/>
-        <a:font script="Arab" typeface="Arial"/>
-        <a:font script="Hebr" typeface="Arial"/>
-        <a:font script="Thai" typeface="Cordia New"/>
-        <a:font script="Ethi" typeface="Nyala"/>
-        <a:font script="Beng" typeface="Vrinda"/>
-        <a:font script="Gujr" typeface="Shruti"/>
-        <a:font script="Khmr" typeface="DaunPenh"/>
-        <a:font script="Knda" typeface="Tunga"/>
-        <a:font script="Guru" typeface="Raavi"/>
-        <a:font script="Cans" typeface="Euphemia"/>
-        <a:font script="Cher" typeface="Plantagenet Cherokee"/>
-        <a:font script="Yiii" typeface="Microsoft Yi Baiti"/>
-        <a:font script="Tibt" typeface="Microsoft Himalaya"/>
-        <a:font script="Thaa" typeface="MV Boli"/>
-        <a:font script="Deva" typeface="Mangal"/>
-        <a:font script="Telu" typeface="Gautami"/>
-        <a:font script="Taml" typeface="Latha"/>
-        <a:font script="Syrc" typeface="Estrangelo Edessa"/>
-        <a:font script="Orya" typeface="Kalinga"/>
-        <a:font script="Mlym" typeface="Kartika"/>
-        <a:font script="Laoo" typeface="DokChampa"/>
-        <a:font script="Sinh" typeface="Iskoola Pota"/>
-        <a:font script="Mong" typeface="Mongolian Baiti"/>
-        <a:font script="Viet" typeface="Arial"/>
-        <a:font script="Uigh" typeface="Microsoft Uighur"/>
-        <a:font script="Geor" typeface="Sylfaen"/>
-      </a:minorFont>
-    </a:fontScheme>
-    <a:fmtScheme name="Office">
-      <a:fillStyleLst>
-        <a:solidFill>
-          <a:schemeClr val="phClr"/>
-        </a:solidFill>
-        <a:gradFill rotWithShape="1">
-          <a:gsLst>
-            <a:gs pos="0">
-              <a:schemeClr val="phClr">
-                <a:tint val="50000"/>
-                <a:satMod val="300000"/>
-              </a:schemeClr>
-            </a:gs>
-            <a:gs pos="35000">
-              <a:schemeClr val="phClr">
-                <a:tint val="37000"/>
-                <a:satMod val="300000"/>
-              </a:schemeClr>
-            </a:gs>
-            <a:gs pos="100000">
-              <a:schemeClr val="phClr">
-                <a:tint val="15000"/>
-                <a:satMod val="350000"/>
-              </a:schemeClr>
-            </a:gs>
-          </a:gsLst>
-          <a:lin ang="16200000" scaled="1"/>
-        </a:gradFill>
-        <a:gradFill rotWithShape="1">
-          <a:gsLst>
-            <a:gs pos="0">
-              <a:schemeClr val="phClr">
-                <a:tint val="100000"/>
-                <a:shade val="100000"/>
-                <a:satMod val="130000"/>
-              </a:schemeClr>
-            </a:gs>
-            <a:gs pos="100000">
-              <a:schemeClr val="phClr">
-                <a:tint val="50000"/>
-                <a:shade val="100000"/>
-                <a:satMod val="350000"/>
-              </a:schemeClr>
-            </a:gs>
-          </a:gsLst>
-          <a:lin ang="16200000" scaled="0"/>
-        </a:gradFill>
-      </a:fillStyleLst>
-      <a:lnStyleLst>
-        <a:ln w="9525" cap="flat" cmpd="sng" algn="ctr">
-          <a:solidFill>
-            <a:schemeClr val="phClr">
-              <a:shade val="95000"/>
-              <a:satMod val="105000"/>
-            </a:schemeClr>
-          </a:solidFill>
-          <a:prstDash val="solid"/>
-        </a:ln>
-        <a:ln w="25400" cap="flat" cmpd="sng" algn="ctr">
-          <a:solidFill>
-            <a:schemeClr val="phClr"/>
-          </a:solidFill>
-          <a:prstDash val="solid"/>
-        </a:ln>
-        <a:ln w="38100" cap="flat" cmpd="sng" algn="ctr">
-          <a:solidFill>
-            <a:schemeClr val="phClr"/>
-          </a:solidFill>
-          <a:prstDash val="solid"/>
-        </a:ln>
-      </a:lnStyleLst>
-      <a:effectStyleLst>
-        <a:effectStyle>
-          <a:effectLst>
-            <a:outerShdw blurRad="40000" dist="20000" dir="5400000" rotWithShape="0">
-              <a:srgbClr val="000000">
-                <a:alpha val="38000"/>
-              </a:srgbClr>
-            </a:outerShdw>
-          </a:effectLst>
-        </a:effectStyle>
-        <a:effectStyle>
-          <a:effectLst>
-            <a:outerShdw blurRad="40000" dist="23000" dir="5400000" rotWithShape="0">
-              <a:srgbClr val="000000">
-                <a:alpha val="35000"/>
-              </a:srgbClr>
-            </a:outerShdw>
-          </a:effectLst>
-        </a:effectStyle>
-        <a:effectStyle>
-          <a:effectLst>
-            <a:outerShdw blurRad="40000" dist="23000" dir="5400000" rotWithShape="0">
-              <a:srgbClr val="000000">
-                <a:alpha val="35000"/>
-              </a:srgbClr>
-            </a:outerShdw>
-          </a:effectLst>
-          <a:scene3d>
-            <a:camera prst="orthographicFront">
-              <a:rot lat="0" lon="0" rev="0"/>
-            </a:camera>
-            <a:lightRig rig="threePt" dir="t">
-              <a:rot lat="0" lon="0" rev="1200000"/>
-            </a:lightRig>
-          </a:scene3d>
-          <a:sp3d>
-            <a:bevelT w="63500" h="25400"/>
-          </a:sp3d>
-        </a:effectStyle>
-      </a:effectStyleLst>
-      <a:bgFillStyleLst>
-        <a:solidFill>
-          <a:schemeClr val="phClr"/>
-        </a:solidFill>
-        <a:gradFill rotWithShape="1">
-          <a:gsLst>
-            <a:gs pos="0">
-              <a:schemeClr val="phClr">
-                <a:tint val="40000"/>
-                <a:satMod val="350000"/>
-              </a:schemeClr>
-            </a:gs>
-            <a:gs pos="40000">
-              <a:schemeClr val="phClr">
-                <a:tint val="45000"/>
-                <a:shade val="99000"/>
-                <a:satMod val="350000"/>
-              </a:schemeClr>
-            </a:gs>
-            <a:gs pos="100000">
-              <a:schemeClr val="phClr">
-                <a:shade val="20000"/>
-                <a:satMod val="255000"/>
-              </a:schemeClr>
-            </a:gs>
-          </a:gsLst>
-          <a:path path="circle">
-            <a:fillToRect l="50000" t="-80000" r="50000" b="180000"/>
-          </a:path>
-        </a:gradFill>
-        <a:gradFill rotWithShape="1">
-          <a:gsLst>
-            <a:gs pos="0">
-              <a:schemeClr val="phClr">
-                <a:tint val="80000"/>
-                <a:satMod val="300000"/>
-              </a:schemeClr>
-            </a:gs>
-            <a:gs pos="100000">
-              <a:schemeClr val="phClr">
-                <a:shade val="30000"/>
-                <a:satMod val="200000"/>
-              </a:schemeClr>
-            </a:gs>
-          </a:gsLst>
-          <a:path path="circle">
-            <a:fillToRect l="50000" t="50000" r="50000" b="50000"/>
-          </a:path>
-        </a:gradFill>
-      </a:bgFillStyleLst>
-    </a:fmtScheme>
-  </a:themeElements>
+  <a:objectDefaults/>
+  <a:extraClrSchemeLst/>
 </a:theme>
 </file>